--- a/系統分析PPT.pptx
+++ b/系統分析PPT.pptx
@@ -5,17 +5,23 @@
     <p:sldMasterId id="2147483648" r:id="rId1"/>
   </p:sldMasterIdLst>
   <p:notesMasterIdLst>
-    <p:notesMasterId r:id="rId10"/>
+    <p:notesMasterId r:id="rId16"/>
   </p:notesMasterIdLst>
   <p:sldIdLst>
     <p:sldId id="256" r:id="rId2"/>
     <p:sldId id="257" r:id="rId3"/>
     <p:sldId id="261" r:id="rId4"/>
-    <p:sldId id="262" r:id="rId5"/>
-    <p:sldId id="263" r:id="rId6"/>
-    <p:sldId id="264" r:id="rId7"/>
-    <p:sldId id="265" r:id="rId8"/>
-    <p:sldId id="266" r:id="rId9"/>
+    <p:sldId id="267" r:id="rId5"/>
+    <p:sldId id="262" r:id="rId6"/>
+    <p:sldId id="269" r:id="rId7"/>
+    <p:sldId id="263" r:id="rId8"/>
+    <p:sldId id="270" r:id="rId9"/>
+    <p:sldId id="264" r:id="rId10"/>
+    <p:sldId id="271" r:id="rId11"/>
+    <p:sldId id="265" r:id="rId12"/>
+    <p:sldId id="273" r:id="rId13"/>
+    <p:sldId id="266" r:id="rId14"/>
+    <p:sldId id="272" r:id="rId15"/>
   </p:sldIdLst>
   <p:sldSz cx="12192000" cy="6858000"/>
   <p:notesSz cx="6858000" cy="9144000"/>
@@ -557,6 +563,510 @@
     <p:extLst>
       <p:ext uri="{BB962C8B-B14F-4D97-AF65-F5344CB8AC3E}">
         <p14:creationId xmlns:p14="http://schemas.microsoft.com/office/powerpoint/2010/main" val="2051857224"/>
+      </p:ext>
+    </p:extLst>
+  </p:cSld>
+  <p:clrMapOvr>
+    <a:masterClrMapping/>
+  </p:clrMapOvr>
+</p:notes>
+</file>
+
+<file path=ppt/notesSlides/notesSlide2.xml><?xml version="1.0" encoding="utf-8"?>
+<p:notes xmlns:a="http://schemas.openxmlformats.org/drawingml/2006/main" xmlns:r="http://schemas.openxmlformats.org/officeDocument/2006/relationships" xmlns:p="http://schemas.openxmlformats.org/presentationml/2006/main">
+  <p:cSld>
+    <p:spTree>
+      <p:nvGrpSpPr>
+        <p:cNvPr id="1" name=""/>
+        <p:cNvGrpSpPr/>
+        <p:nvPr/>
+      </p:nvGrpSpPr>
+      <p:grpSpPr>
+        <a:xfrm>
+          <a:off x="0" y="0"/>
+          <a:ext cx="0" cy="0"/>
+          <a:chOff x="0" y="0"/>
+          <a:chExt cx="0" cy="0"/>
+        </a:xfrm>
+      </p:grpSpPr>
+      <p:sp>
+        <p:nvSpPr>
+          <p:cNvPr id="2" name="幻灯片图像占位符 1"/>
+          <p:cNvSpPr>
+            <a:spLocks noGrp="1" noRot="1" noChangeAspect="1"/>
+          </p:cNvSpPr>
+          <p:nvPr>
+            <p:ph type="sldImg"/>
+          </p:nvPr>
+        </p:nvSpPr>
+        <p:spPr/>
+      </p:sp>
+      <p:sp>
+        <p:nvSpPr>
+          <p:cNvPr id="3" name="备注占位符 2"/>
+          <p:cNvSpPr>
+            <a:spLocks noGrp="1"/>
+          </p:cNvSpPr>
+          <p:nvPr>
+            <p:ph type="body" idx="1"/>
+          </p:nvPr>
+        </p:nvSpPr>
+        <p:spPr/>
+        <p:txBody>
+          <a:bodyPr/>
+          <a:lstStyle/>
+          <a:p>
+            <a:endParaRPr lang="zh-CN" altLang="en-US" dirty="0"/>
+          </a:p>
+        </p:txBody>
+      </p:sp>
+      <p:sp>
+        <p:nvSpPr>
+          <p:cNvPr id="4" name="灯片编号占位符 3"/>
+          <p:cNvSpPr>
+            <a:spLocks noGrp="1"/>
+          </p:cNvSpPr>
+          <p:nvPr>
+            <p:ph type="sldNum" sz="quarter" idx="5"/>
+          </p:nvPr>
+        </p:nvSpPr>
+        <p:spPr/>
+        <p:txBody>
+          <a:bodyPr/>
+          <a:lstStyle/>
+          <a:p>
+            <a:fld id="{0F864D19-9D93-47A8-8EC6-5175BEEC192E}" type="slidenum">
+              <a:rPr lang="zh-CN" altLang="en-US" smtClean="0"/>
+              <a:t>4</a:t>
+            </a:fld>
+            <a:endParaRPr lang="zh-CN" altLang="en-US"/>
+          </a:p>
+        </p:txBody>
+      </p:sp>
+    </p:spTree>
+    <p:extLst>
+      <p:ext uri="{BB962C8B-B14F-4D97-AF65-F5344CB8AC3E}">
+        <p14:creationId xmlns:p14="http://schemas.microsoft.com/office/powerpoint/2010/main" val="2435600789"/>
+      </p:ext>
+    </p:extLst>
+  </p:cSld>
+  <p:clrMapOvr>
+    <a:masterClrMapping/>
+  </p:clrMapOvr>
+</p:notes>
+</file>
+
+<file path=ppt/notesSlides/notesSlide3.xml><?xml version="1.0" encoding="utf-8"?>
+<p:notes xmlns:a="http://schemas.openxmlformats.org/drawingml/2006/main" xmlns:r="http://schemas.openxmlformats.org/officeDocument/2006/relationships" xmlns:p="http://schemas.openxmlformats.org/presentationml/2006/main">
+  <p:cSld>
+    <p:spTree>
+      <p:nvGrpSpPr>
+        <p:cNvPr id="1" name=""/>
+        <p:cNvGrpSpPr/>
+        <p:nvPr/>
+      </p:nvGrpSpPr>
+      <p:grpSpPr>
+        <a:xfrm>
+          <a:off x="0" y="0"/>
+          <a:ext cx="0" cy="0"/>
+          <a:chOff x="0" y="0"/>
+          <a:chExt cx="0" cy="0"/>
+        </a:xfrm>
+      </p:grpSpPr>
+      <p:sp>
+        <p:nvSpPr>
+          <p:cNvPr id="2" name="幻灯片图像占位符 1"/>
+          <p:cNvSpPr>
+            <a:spLocks noGrp="1" noRot="1" noChangeAspect="1"/>
+          </p:cNvSpPr>
+          <p:nvPr>
+            <p:ph type="sldImg"/>
+          </p:nvPr>
+        </p:nvSpPr>
+        <p:spPr/>
+      </p:sp>
+      <p:sp>
+        <p:nvSpPr>
+          <p:cNvPr id="3" name="备注占位符 2"/>
+          <p:cNvSpPr>
+            <a:spLocks noGrp="1"/>
+          </p:cNvSpPr>
+          <p:nvPr>
+            <p:ph type="body" idx="1"/>
+          </p:nvPr>
+        </p:nvSpPr>
+        <p:spPr/>
+        <p:txBody>
+          <a:bodyPr/>
+          <a:lstStyle/>
+          <a:p>
+            <a:endParaRPr lang="zh-CN" altLang="en-US" dirty="0"/>
+          </a:p>
+        </p:txBody>
+      </p:sp>
+      <p:sp>
+        <p:nvSpPr>
+          <p:cNvPr id="4" name="灯片编号占位符 3"/>
+          <p:cNvSpPr>
+            <a:spLocks noGrp="1"/>
+          </p:cNvSpPr>
+          <p:nvPr>
+            <p:ph type="sldNum" sz="quarter" idx="5"/>
+          </p:nvPr>
+        </p:nvSpPr>
+        <p:spPr/>
+        <p:txBody>
+          <a:bodyPr/>
+          <a:lstStyle/>
+          <a:p>
+            <a:fld id="{0F864D19-9D93-47A8-8EC6-5175BEEC192E}" type="slidenum">
+              <a:rPr lang="zh-CN" altLang="en-US" smtClean="0"/>
+              <a:t>6</a:t>
+            </a:fld>
+            <a:endParaRPr lang="zh-CN" altLang="en-US"/>
+          </a:p>
+        </p:txBody>
+      </p:sp>
+    </p:spTree>
+    <p:extLst>
+      <p:ext uri="{BB962C8B-B14F-4D97-AF65-F5344CB8AC3E}">
+        <p14:creationId xmlns:p14="http://schemas.microsoft.com/office/powerpoint/2010/main" val="618673326"/>
+      </p:ext>
+    </p:extLst>
+  </p:cSld>
+  <p:clrMapOvr>
+    <a:masterClrMapping/>
+  </p:clrMapOvr>
+</p:notes>
+</file>
+
+<file path=ppt/notesSlides/notesSlide4.xml><?xml version="1.0" encoding="utf-8"?>
+<p:notes xmlns:a="http://schemas.openxmlformats.org/drawingml/2006/main" xmlns:r="http://schemas.openxmlformats.org/officeDocument/2006/relationships" xmlns:p="http://schemas.openxmlformats.org/presentationml/2006/main">
+  <p:cSld>
+    <p:spTree>
+      <p:nvGrpSpPr>
+        <p:cNvPr id="1" name=""/>
+        <p:cNvGrpSpPr/>
+        <p:nvPr/>
+      </p:nvGrpSpPr>
+      <p:grpSpPr>
+        <a:xfrm>
+          <a:off x="0" y="0"/>
+          <a:ext cx="0" cy="0"/>
+          <a:chOff x="0" y="0"/>
+          <a:chExt cx="0" cy="0"/>
+        </a:xfrm>
+      </p:grpSpPr>
+      <p:sp>
+        <p:nvSpPr>
+          <p:cNvPr id="2" name="幻灯片图像占位符 1"/>
+          <p:cNvSpPr>
+            <a:spLocks noGrp="1" noRot="1" noChangeAspect="1"/>
+          </p:cNvSpPr>
+          <p:nvPr>
+            <p:ph type="sldImg"/>
+          </p:nvPr>
+        </p:nvSpPr>
+        <p:spPr/>
+      </p:sp>
+      <p:sp>
+        <p:nvSpPr>
+          <p:cNvPr id="3" name="备注占位符 2"/>
+          <p:cNvSpPr>
+            <a:spLocks noGrp="1"/>
+          </p:cNvSpPr>
+          <p:nvPr>
+            <p:ph type="body" idx="1"/>
+          </p:nvPr>
+        </p:nvSpPr>
+        <p:spPr/>
+        <p:txBody>
+          <a:bodyPr/>
+          <a:lstStyle/>
+          <a:p>
+            <a:endParaRPr lang="zh-CN" altLang="en-US" dirty="0"/>
+          </a:p>
+        </p:txBody>
+      </p:sp>
+      <p:sp>
+        <p:nvSpPr>
+          <p:cNvPr id="4" name="灯片编号占位符 3"/>
+          <p:cNvSpPr>
+            <a:spLocks noGrp="1"/>
+          </p:cNvSpPr>
+          <p:nvPr>
+            <p:ph type="sldNum" sz="quarter" idx="5"/>
+          </p:nvPr>
+        </p:nvSpPr>
+        <p:spPr/>
+        <p:txBody>
+          <a:bodyPr/>
+          <a:lstStyle/>
+          <a:p>
+            <a:fld id="{0F864D19-9D93-47A8-8EC6-5175BEEC192E}" type="slidenum">
+              <a:rPr lang="zh-CN" altLang="en-US" smtClean="0"/>
+              <a:t>8</a:t>
+            </a:fld>
+            <a:endParaRPr lang="zh-CN" altLang="en-US"/>
+          </a:p>
+        </p:txBody>
+      </p:sp>
+    </p:spTree>
+    <p:extLst>
+      <p:ext uri="{BB962C8B-B14F-4D97-AF65-F5344CB8AC3E}">
+        <p14:creationId xmlns:p14="http://schemas.microsoft.com/office/powerpoint/2010/main" val="2364811732"/>
+      </p:ext>
+    </p:extLst>
+  </p:cSld>
+  <p:clrMapOvr>
+    <a:masterClrMapping/>
+  </p:clrMapOvr>
+</p:notes>
+</file>
+
+<file path=ppt/notesSlides/notesSlide5.xml><?xml version="1.0" encoding="utf-8"?>
+<p:notes xmlns:a="http://schemas.openxmlformats.org/drawingml/2006/main" xmlns:r="http://schemas.openxmlformats.org/officeDocument/2006/relationships" xmlns:p="http://schemas.openxmlformats.org/presentationml/2006/main">
+  <p:cSld>
+    <p:spTree>
+      <p:nvGrpSpPr>
+        <p:cNvPr id="1" name=""/>
+        <p:cNvGrpSpPr/>
+        <p:nvPr/>
+      </p:nvGrpSpPr>
+      <p:grpSpPr>
+        <a:xfrm>
+          <a:off x="0" y="0"/>
+          <a:ext cx="0" cy="0"/>
+          <a:chOff x="0" y="0"/>
+          <a:chExt cx="0" cy="0"/>
+        </a:xfrm>
+      </p:grpSpPr>
+      <p:sp>
+        <p:nvSpPr>
+          <p:cNvPr id="2" name="幻灯片图像占位符 1"/>
+          <p:cNvSpPr>
+            <a:spLocks noGrp="1" noRot="1" noChangeAspect="1"/>
+          </p:cNvSpPr>
+          <p:nvPr>
+            <p:ph type="sldImg"/>
+          </p:nvPr>
+        </p:nvSpPr>
+        <p:spPr/>
+      </p:sp>
+      <p:sp>
+        <p:nvSpPr>
+          <p:cNvPr id="3" name="备注占位符 2"/>
+          <p:cNvSpPr>
+            <a:spLocks noGrp="1"/>
+          </p:cNvSpPr>
+          <p:nvPr>
+            <p:ph type="body" idx="1"/>
+          </p:nvPr>
+        </p:nvSpPr>
+        <p:spPr/>
+        <p:txBody>
+          <a:bodyPr/>
+          <a:lstStyle/>
+          <a:p>
+            <a:endParaRPr lang="zh-CN" altLang="en-US" dirty="0"/>
+          </a:p>
+        </p:txBody>
+      </p:sp>
+      <p:sp>
+        <p:nvSpPr>
+          <p:cNvPr id="4" name="灯片编号占位符 3"/>
+          <p:cNvSpPr>
+            <a:spLocks noGrp="1"/>
+          </p:cNvSpPr>
+          <p:nvPr>
+            <p:ph type="sldNum" sz="quarter" idx="5"/>
+          </p:nvPr>
+        </p:nvSpPr>
+        <p:spPr/>
+        <p:txBody>
+          <a:bodyPr/>
+          <a:lstStyle/>
+          <a:p>
+            <a:fld id="{0F864D19-9D93-47A8-8EC6-5175BEEC192E}" type="slidenum">
+              <a:rPr lang="zh-CN" altLang="en-US" smtClean="0"/>
+              <a:t>10</a:t>
+            </a:fld>
+            <a:endParaRPr lang="zh-CN" altLang="en-US"/>
+          </a:p>
+        </p:txBody>
+      </p:sp>
+    </p:spTree>
+    <p:extLst>
+      <p:ext uri="{BB962C8B-B14F-4D97-AF65-F5344CB8AC3E}">
+        <p14:creationId xmlns:p14="http://schemas.microsoft.com/office/powerpoint/2010/main" val="206762053"/>
+      </p:ext>
+    </p:extLst>
+  </p:cSld>
+  <p:clrMapOvr>
+    <a:masterClrMapping/>
+  </p:clrMapOvr>
+</p:notes>
+</file>
+
+<file path=ppt/notesSlides/notesSlide6.xml><?xml version="1.0" encoding="utf-8"?>
+<p:notes xmlns:a="http://schemas.openxmlformats.org/drawingml/2006/main" xmlns:r="http://schemas.openxmlformats.org/officeDocument/2006/relationships" xmlns:p="http://schemas.openxmlformats.org/presentationml/2006/main">
+  <p:cSld>
+    <p:spTree>
+      <p:nvGrpSpPr>
+        <p:cNvPr id="1" name=""/>
+        <p:cNvGrpSpPr/>
+        <p:nvPr/>
+      </p:nvGrpSpPr>
+      <p:grpSpPr>
+        <a:xfrm>
+          <a:off x="0" y="0"/>
+          <a:ext cx="0" cy="0"/>
+          <a:chOff x="0" y="0"/>
+          <a:chExt cx="0" cy="0"/>
+        </a:xfrm>
+      </p:grpSpPr>
+      <p:sp>
+        <p:nvSpPr>
+          <p:cNvPr id="2" name="幻灯片图像占位符 1"/>
+          <p:cNvSpPr>
+            <a:spLocks noGrp="1" noRot="1" noChangeAspect="1"/>
+          </p:cNvSpPr>
+          <p:nvPr>
+            <p:ph type="sldImg"/>
+          </p:nvPr>
+        </p:nvSpPr>
+        <p:spPr/>
+      </p:sp>
+      <p:sp>
+        <p:nvSpPr>
+          <p:cNvPr id="3" name="备注占位符 2"/>
+          <p:cNvSpPr>
+            <a:spLocks noGrp="1"/>
+          </p:cNvSpPr>
+          <p:nvPr>
+            <p:ph type="body" idx="1"/>
+          </p:nvPr>
+        </p:nvSpPr>
+        <p:spPr/>
+        <p:txBody>
+          <a:bodyPr/>
+          <a:lstStyle/>
+          <a:p>
+            <a:endParaRPr lang="zh-CN" altLang="en-US" dirty="0"/>
+          </a:p>
+        </p:txBody>
+      </p:sp>
+      <p:sp>
+        <p:nvSpPr>
+          <p:cNvPr id="4" name="灯片编号占位符 3"/>
+          <p:cNvSpPr>
+            <a:spLocks noGrp="1"/>
+          </p:cNvSpPr>
+          <p:nvPr>
+            <p:ph type="sldNum" sz="quarter" idx="5"/>
+          </p:nvPr>
+        </p:nvSpPr>
+        <p:spPr/>
+        <p:txBody>
+          <a:bodyPr/>
+          <a:lstStyle/>
+          <a:p>
+            <a:fld id="{0F864D19-9D93-47A8-8EC6-5175BEEC192E}" type="slidenum">
+              <a:rPr lang="zh-CN" altLang="en-US" smtClean="0"/>
+              <a:t>12</a:t>
+            </a:fld>
+            <a:endParaRPr lang="zh-CN" altLang="en-US"/>
+          </a:p>
+        </p:txBody>
+      </p:sp>
+    </p:spTree>
+    <p:extLst>
+      <p:ext uri="{BB962C8B-B14F-4D97-AF65-F5344CB8AC3E}">
+        <p14:creationId xmlns:p14="http://schemas.microsoft.com/office/powerpoint/2010/main" val="3271246024"/>
+      </p:ext>
+    </p:extLst>
+  </p:cSld>
+  <p:clrMapOvr>
+    <a:masterClrMapping/>
+  </p:clrMapOvr>
+</p:notes>
+</file>
+
+<file path=ppt/notesSlides/notesSlide7.xml><?xml version="1.0" encoding="utf-8"?>
+<p:notes xmlns:a="http://schemas.openxmlformats.org/drawingml/2006/main" xmlns:r="http://schemas.openxmlformats.org/officeDocument/2006/relationships" xmlns:p="http://schemas.openxmlformats.org/presentationml/2006/main">
+  <p:cSld>
+    <p:spTree>
+      <p:nvGrpSpPr>
+        <p:cNvPr id="1" name=""/>
+        <p:cNvGrpSpPr/>
+        <p:nvPr/>
+      </p:nvGrpSpPr>
+      <p:grpSpPr>
+        <a:xfrm>
+          <a:off x="0" y="0"/>
+          <a:ext cx="0" cy="0"/>
+          <a:chOff x="0" y="0"/>
+          <a:chExt cx="0" cy="0"/>
+        </a:xfrm>
+      </p:grpSpPr>
+      <p:sp>
+        <p:nvSpPr>
+          <p:cNvPr id="2" name="幻灯片图像占位符 1"/>
+          <p:cNvSpPr>
+            <a:spLocks noGrp="1" noRot="1" noChangeAspect="1"/>
+          </p:cNvSpPr>
+          <p:nvPr>
+            <p:ph type="sldImg"/>
+          </p:nvPr>
+        </p:nvSpPr>
+        <p:spPr/>
+      </p:sp>
+      <p:sp>
+        <p:nvSpPr>
+          <p:cNvPr id="3" name="备注占位符 2"/>
+          <p:cNvSpPr>
+            <a:spLocks noGrp="1"/>
+          </p:cNvSpPr>
+          <p:nvPr>
+            <p:ph type="body" idx="1"/>
+          </p:nvPr>
+        </p:nvSpPr>
+        <p:spPr/>
+        <p:txBody>
+          <a:bodyPr/>
+          <a:lstStyle/>
+          <a:p>
+            <a:endParaRPr lang="zh-CN" altLang="en-US" dirty="0"/>
+          </a:p>
+        </p:txBody>
+      </p:sp>
+      <p:sp>
+        <p:nvSpPr>
+          <p:cNvPr id="4" name="灯片编号占位符 3"/>
+          <p:cNvSpPr>
+            <a:spLocks noGrp="1"/>
+          </p:cNvSpPr>
+          <p:nvPr>
+            <p:ph type="sldNum" sz="quarter" idx="5"/>
+          </p:nvPr>
+        </p:nvSpPr>
+        <p:spPr/>
+        <p:txBody>
+          <a:bodyPr/>
+          <a:lstStyle/>
+          <a:p>
+            <a:fld id="{0F864D19-9D93-47A8-8EC6-5175BEEC192E}" type="slidenum">
+              <a:rPr lang="zh-CN" altLang="en-US" smtClean="0"/>
+              <a:t>14</a:t>
+            </a:fld>
+            <a:endParaRPr lang="zh-CN" altLang="en-US"/>
+          </a:p>
+        </p:txBody>
+      </p:sp>
+    </p:spTree>
+    <p:extLst>
+      <p:ext uri="{BB962C8B-B14F-4D97-AF65-F5344CB8AC3E}">
+        <p14:creationId xmlns:p14="http://schemas.microsoft.com/office/powerpoint/2010/main" val="2891918393"/>
       </p:ext>
     </p:extLst>
   </p:cSld>
@@ -3941,6 +4451,1914 @@
     <mc:Choice Requires="p14">
       <p:transition spd="slow" p14:dur="1400">
         <p14:doors dir="vert"/>
+      </p:transition>
+    </mc:Choice>
+    <mc:Fallback xmlns="">
+      <p:transition spd="slow">
+        <p:fade/>
+      </p:transition>
+    </mc:Fallback>
+  </mc:AlternateContent>
+  <p:timing>
+    <p:tnLst>
+      <p:par>
+        <p:cTn id="1" dur="indefinite" restart="never" nodeType="tmRoot"/>
+      </p:par>
+    </p:tnLst>
+  </p:timing>
+</p:sld>
+</file>
+
+<file path=ppt/slides/slide10.xml><?xml version="1.0" encoding="utf-8"?>
+<p:sld xmlns:a="http://schemas.openxmlformats.org/drawingml/2006/main" xmlns:r="http://schemas.openxmlformats.org/officeDocument/2006/relationships" xmlns:p="http://schemas.openxmlformats.org/presentationml/2006/main">
+  <p:cSld>
+    <p:spTree>
+      <p:nvGrpSpPr>
+        <p:cNvPr id="1" name=""/>
+        <p:cNvGrpSpPr/>
+        <p:nvPr/>
+      </p:nvGrpSpPr>
+      <p:grpSpPr>
+        <a:xfrm>
+          <a:off x="0" y="0"/>
+          <a:ext cx="0" cy="0"/>
+          <a:chOff x="0" y="0"/>
+          <a:chExt cx="0" cy="0"/>
+        </a:xfrm>
+      </p:grpSpPr>
+      <p:grpSp>
+        <p:nvGrpSpPr>
+          <p:cNvPr id="32" name="组合 31"/>
+          <p:cNvGrpSpPr/>
+          <p:nvPr/>
+        </p:nvGrpSpPr>
+        <p:grpSpPr>
+          <a:xfrm>
+            <a:off x="346076" y="323047"/>
+            <a:ext cx="2073215" cy="548814"/>
+            <a:chOff x="384176" y="265897"/>
+            <a:chExt cx="2073215" cy="548814"/>
+          </a:xfrm>
+        </p:grpSpPr>
+        <p:grpSp>
+          <p:nvGrpSpPr>
+            <p:cNvPr id="16" name="组合 15"/>
+            <p:cNvGrpSpPr/>
+            <p:nvPr/>
+          </p:nvGrpSpPr>
+          <p:grpSpPr>
+            <a:xfrm>
+              <a:off x="384176" y="307549"/>
+              <a:ext cx="377371" cy="507162"/>
+              <a:chOff x="899886" y="361978"/>
+              <a:chExt cx="377371" cy="507162"/>
+            </a:xfrm>
+          </p:grpSpPr>
+          <p:sp>
+            <p:nvSpPr>
+              <p:cNvPr id="14" name="等腰三角形 13"/>
+              <p:cNvSpPr/>
+              <p:nvPr/>
+            </p:nvSpPr>
+            <p:spPr>
+              <a:xfrm>
+                <a:off x="899886" y="613178"/>
+                <a:ext cx="377371" cy="255962"/>
+              </a:xfrm>
+              <a:prstGeom prst="triangle">
+                <a:avLst/>
+              </a:prstGeom>
+              <a:solidFill>
+                <a:srgbClr val="526188"/>
+              </a:solidFill>
+              <a:ln>
+                <a:noFill/>
+              </a:ln>
+            </p:spPr>
+            <p:style>
+              <a:lnRef idx="2">
+                <a:schemeClr val="accent1">
+                  <a:shade val="50000"/>
+                </a:schemeClr>
+              </a:lnRef>
+              <a:fillRef idx="1">
+                <a:schemeClr val="accent1"/>
+              </a:fillRef>
+              <a:effectRef idx="0">
+                <a:schemeClr val="accent1"/>
+              </a:effectRef>
+              <a:fontRef idx="minor">
+                <a:schemeClr val="lt1"/>
+              </a:fontRef>
+            </p:style>
+            <p:txBody>
+              <a:bodyPr rtlCol="0" anchor="ctr"/>
+              <a:lstStyle/>
+              <a:p>
+                <a:pPr algn="ctr"/>
+                <a:endParaRPr lang="zh-CN" altLang="en-US"/>
+              </a:p>
+            </p:txBody>
+          </p:sp>
+          <p:sp>
+            <p:nvSpPr>
+              <p:cNvPr id="15" name="等腰三角形 14"/>
+              <p:cNvSpPr/>
+              <p:nvPr/>
+            </p:nvSpPr>
+            <p:spPr>
+              <a:xfrm rot="10800000">
+                <a:off x="899886" y="361978"/>
+                <a:ext cx="377371" cy="255962"/>
+              </a:xfrm>
+              <a:prstGeom prst="triangle">
+                <a:avLst/>
+              </a:prstGeom>
+              <a:solidFill>
+                <a:srgbClr val="E7C7A0"/>
+              </a:solidFill>
+              <a:ln>
+                <a:noFill/>
+              </a:ln>
+            </p:spPr>
+            <p:style>
+              <a:lnRef idx="2">
+                <a:schemeClr val="accent1">
+                  <a:shade val="50000"/>
+                </a:schemeClr>
+              </a:lnRef>
+              <a:fillRef idx="1">
+                <a:schemeClr val="accent1"/>
+              </a:fillRef>
+              <a:effectRef idx="0">
+                <a:schemeClr val="accent1"/>
+              </a:effectRef>
+              <a:fontRef idx="minor">
+                <a:schemeClr val="lt1"/>
+              </a:fontRef>
+            </p:style>
+            <p:txBody>
+              <a:bodyPr rtlCol="0" anchor="ctr"/>
+              <a:lstStyle/>
+              <a:p>
+                <a:pPr algn="ctr"/>
+                <a:endParaRPr lang="zh-CN" altLang="en-US"/>
+              </a:p>
+            </p:txBody>
+          </p:sp>
+        </p:grpSp>
+        <p:sp>
+          <p:nvSpPr>
+            <p:cNvPr id="29" name="文本框 28"/>
+            <p:cNvSpPr txBox="1"/>
+            <p:nvPr/>
+          </p:nvSpPr>
+          <p:spPr>
+            <a:xfrm>
+              <a:off x="825047" y="265897"/>
+              <a:ext cx="1632344" cy="400110"/>
+            </a:xfrm>
+            <a:prstGeom prst="rect">
+              <a:avLst/>
+            </a:prstGeom>
+            <a:noFill/>
+          </p:spPr>
+          <p:txBody>
+            <a:bodyPr wrap="square" rtlCol="0">
+              <a:spAutoFit/>
+            </a:bodyPr>
+            <a:lstStyle/>
+            <a:p>
+              <a:pPr algn="just"/>
+              <a:r>
+                <a:rPr lang="zh-TW" altLang="en-US" sz="2000" b="1" dirty="0" smtClean="0">
+                  <a:solidFill>
+                    <a:srgbClr val="526188"/>
+                  </a:solidFill>
+                  <a:latin typeface="微软雅黑" panose="020B0503020204020204" pitchFamily="34" charset="-122"/>
+                  <a:ea typeface="微软雅黑" panose="020B0503020204020204" pitchFamily="34" charset="-122"/>
+                  <a:cs typeface="文泉驿等宽微米黑" panose="020B0606030804020204" pitchFamily="34" charset="-122"/>
+                </a:rPr>
+                <a:t>組員分工</a:t>
+              </a:r>
+              <a:endParaRPr lang="zh-CN" altLang="en-US" sz="2000" b="1" dirty="0">
+                <a:solidFill>
+                  <a:srgbClr val="526188"/>
+                </a:solidFill>
+                <a:latin typeface="微软雅黑" panose="020B0503020204020204" pitchFamily="34" charset="-122"/>
+                <a:ea typeface="微软雅黑" panose="020B0503020204020204" pitchFamily="34" charset="-122"/>
+                <a:cs typeface="文泉驿等宽微米黑" panose="020B0606030804020204" pitchFamily="34" charset="-122"/>
+              </a:endParaRPr>
+            </a:p>
+          </p:txBody>
+        </p:sp>
+      </p:grpSp>
+      <p:sp>
+        <p:nvSpPr>
+          <p:cNvPr id="12" name="任意多边形: 形状 11"/>
+          <p:cNvSpPr/>
+          <p:nvPr/>
+        </p:nvSpPr>
+        <p:spPr bwMode="auto">
+          <a:xfrm flipH="1">
+            <a:off x="0" y="5871029"/>
+            <a:ext cx="12192000" cy="1012232"/>
+          </a:xfrm>
+          <a:custGeom>
+            <a:avLst/>
+            <a:gdLst>
+              <a:gd name="connsiteX0" fmla="*/ 2457949 w 12192000"/>
+              <a:gd name="connsiteY0" fmla="*/ 0 h 1012232"/>
+              <a:gd name="connsiteX1" fmla="*/ 9057549 w 12192000"/>
+              <a:gd name="connsiteY1" fmla="*/ 610553 h 1012232"/>
+              <a:gd name="connsiteX2" fmla="*/ 12192000 w 12192000"/>
+              <a:gd name="connsiteY2" fmla="*/ 305277 h 1012232"/>
+              <a:gd name="connsiteX3" fmla="*/ 12192000 w 12192000"/>
+              <a:gd name="connsiteY3" fmla="*/ 1012232 h 1012232"/>
+              <a:gd name="connsiteX4" fmla="*/ 114300 w 12192000"/>
+              <a:gd name="connsiteY4" fmla="*/ 1012232 h 1012232"/>
+              <a:gd name="connsiteX5" fmla="*/ 0 w 12192000"/>
+              <a:gd name="connsiteY5" fmla="*/ 1012232 h 1012232"/>
+              <a:gd name="connsiteX6" fmla="*/ 0 w 12192000"/>
+              <a:gd name="connsiteY6" fmla="*/ 160434 h 1012232"/>
+              <a:gd name="connsiteX7" fmla="*/ 270087 w 12192000"/>
+              <a:gd name="connsiteY7" fmla="*/ 129128 h 1012232"/>
+              <a:gd name="connsiteX8" fmla="*/ 2457949 w 12192000"/>
+              <a:gd name="connsiteY8" fmla="*/ 0 h 1012232"/>
+            </a:gdLst>
+            <a:ahLst/>
+            <a:cxnLst>
+              <a:cxn ang="0">
+                <a:pos x="connsiteX0" y="connsiteY0"/>
+              </a:cxn>
+              <a:cxn ang="0">
+                <a:pos x="connsiteX1" y="connsiteY1"/>
+              </a:cxn>
+              <a:cxn ang="0">
+                <a:pos x="connsiteX2" y="connsiteY2"/>
+              </a:cxn>
+              <a:cxn ang="0">
+                <a:pos x="connsiteX3" y="connsiteY3"/>
+              </a:cxn>
+              <a:cxn ang="0">
+                <a:pos x="connsiteX4" y="connsiteY4"/>
+              </a:cxn>
+              <a:cxn ang="0">
+                <a:pos x="connsiteX5" y="connsiteY5"/>
+              </a:cxn>
+              <a:cxn ang="0">
+                <a:pos x="connsiteX6" y="connsiteY6"/>
+              </a:cxn>
+              <a:cxn ang="0">
+                <a:pos x="connsiteX7" y="connsiteY7"/>
+              </a:cxn>
+              <a:cxn ang="0">
+                <a:pos x="connsiteX8" y="connsiteY8"/>
+              </a:cxn>
+            </a:cxnLst>
+            <a:rect l="l" t="t" r="r" b="b"/>
+            <a:pathLst>
+              <a:path w="12192000" h="1012232">
+                <a:moveTo>
+                  <a:pt x="2457949" y="0"/>
+                </a:moveTo>
+                <a:cubicBezTo>
+                  <a:pt x="4506845" y="0"/>
+                  <a:pt x="7360920" y="610553"/>
+                  <a:pt x="9057549" y="610553"/>
+                </a:cubicBezTo>
+                <a:cubicBezTo>
+                  <a:pt x="10754179" y="610553"/>
+                  <a:pt x="12192000" y="305277"/>
+                  <a:pt x="12192000" y="305277"/>
+                </a:cubicBezTo>
+                <a:cubicBezTo>
+                  <a:pt x="12192000" y="1012232"/>
+                  <a:pt x="12192000" y="1012232"/>
+                  <a:pt x="12192000" y="1012232"/>
+                </a:cubicBezTo>
+                <a:cubicBezTo>
+                  <a:pt x="5290457" y="1012232"/>
+                  <a:pt x="1839686" y="1012232"/>
+                  <a:pt x="114300" y="1012232"/>
+                </a:cubicBezTo>
+                <a:lnTo>
+                  <a:pt x="0" y="1012232"/>
+                </a:lnTo>
+                <a:lnTo>
+                  <a:pt x="0" y="160434"/>
+                </a:lnTo>
+                <a:lnTo>
+                  <a:pt x="270087" y="129128"/>
+                </a:lnTo>
+                <a:cubicBezTo>
+                  <a:pt x="925321" y="57390"/>
+                  <a:pt x="1689613" y="0"/>
+                  <a:pt x="2457949" y="0"/>
+                </a:cubicBezTo>
+                <a:close/>
+              </a:path>
+            </a:pathLst>
+          </a:custGeom>
+          <a:solidFill>
+            <a:srgbClr val="526188"/>
+          </a:solidFill>
+          <a:ln>
+            <a:noFill/>
+          </a:ln>
+        </p:spPr>
+        <p:style>
+          <a:lnRef idx="2">
+            <a:schemeClr val="accent1">
+              <a:shade val="50000"/>
+            </a:schemeClr>
+          </a:lnRef>
+          <a:fillRef idx="1">
+            <a:schemeClr val="accent1"/>
+          </a:fillRef>
+          <a:effectRef idx="0">
+            <a:schemeClr val="accent1"/>
+          </a:effectRef>
+          <a:fontRef idx="minor">
+            <a:schemeClr val="lt1"/>
+          </a:fontRef>
+        </p:style>
+        <p:txBody>
+          <a:bodyPr rot="0" spcFirstLastPara="0" vertOverflow="overflow" horzOverflow="overflow" vert="horz" wrap="square" lIns="91440" tIns="45720" rIns="91440" bIns="45720" numCol="1" spcCol="0" rtlCol="0" fromWordArt="0" anchor="ctr" anchorCtr="0" forceAA="0" compatLnSpc="1">
+            <a:noAutofit/>
+          </a:bodyPr>
+          <a:lstStyle/>
+          <a:p>
+            <a:pPr algn="ctr"/>
+            <a:endParaRPr kumimoji="1" lang="zh-CN" altLang="en-US">
+              <a:solidFill>
+                <a:schemeClr val="lt1"/>
+              </a:solidFill>
+              <a:latin typeface="Arial" panose="020B0604020202020204" pitchFamily="34" charset="0"/>
+              <a:ea typeface="思源黑体 CN Normal" panose="020B0400000000000000" pitchFamily="34" charset="-122"/>
+              <a:sym typeface="Arial" panose="020B0604020202020204" pitchFamily="34" charset="0"/>
+            </a:endParaRPr>
+          </a:p>
+        </p:txBody>
+      </p:sp>
+    </p:spTree>
+    <p:extLst>
+      <p:ext uri="{BB962C8B-B14F-4D97-AF65-F5344CB8AC3E}">
+        <p14:creationId xmlns:p14="http://schemas.microsoft.com/office/powerpoint/2010/main" val="1311937259"/>
+      </p:ext>
+    </p:extLst>
+  </p:cSld>
+  <p:clrMapOvr>
+    <a:masterClrMapping/>
+  </p:clrMapOvr>
+  <mc:AlternateContent xmlns:mc="http://schemas.openxmlformats.org/markup-compatibility/2006" xmlns:p14="http://schemas.microsoft.com/office/powerpoint/2010/main">
+    <mc:Choice Requires="p14">
+      <p:transition spd="slow" p14:dur="1250">
+        <p14:flip dir="r"/>
+      </p:transition>
+    </mc:Choice>
+    <mc:Fallback xmlns="">
+      <p:transition spd="slow">
+        <p:fade/>
+      </p:transition>
+    </mc:Fallback>
+  </mc:AlternateContent>
+  <p:timing>
+    <p:tnLst>
+      <p:par>
+        <p:cTn id="1" dur="indefinite" restart="never" nodeType="tmRoot"/>
+      </p:par>
+    </p:tnLst>
+  </p:timing>
+</p:sld>
+</file>
+
+<file path=ppt/slides/slide11.xml><?xml version="1.0" encoding="utf-8"?>
+<p:sld xmlns:a="http://schemas.openxmlformats.org/drawingml/2006/main" xmlns:r="http://schemas.openxmlformats.org/officeDocument/2006/relationships" xmlns:p="http://schemas.openxmlformats.org/presentationml/2006/main">
+  <p:cSld>
+    <p:spTree>
+      <p:nvGrpSpPr>
+        <p:cNvPr id="1" name=""/>
+        <p:cNvGrpSpPr/>
+        <p:nvPr/>
+      </p:nvGrpSpPr>
+      <p:grpSpPr>
+        <a:xfrm>
+          <a:off x="0" y="0"/>
+          <a:ext cx="0" cy="0"/>
+          <a:chOff x="0" y="0"/>
+          <a:chExt cx="0" cy="0"/>
+        </a:xfrm>
+      </p:grpSpPr>
+      <p:sp>
+        <p:nvSpPr>
+          <p:cNvPr id="5" name="任意多边形: 形状 4"/>
+          <p:cNvSpPr/>
+          <p:nvPr/>
+        </p:nvSpPr>
+        <p:spPr bwMode="auto">
+          <a:xfrm flipH="1">
+            <a:off x="0" y="5871029"/>
+            <a:ext cx="12192000" cy="1012232"/>
+          </a:xfrm>
+          <a:custGeom>
+            <a:avLst/>
+            <a:gdLst>
+              <a:gd name="connsiteX0" fmla="*/ 2457949 w 12192000"/>
+              <a:gd name="connsiteY0" fmla="*/ 0 h 1012232"/>
+              <a:gd name="connsiteX1" fmla="*/ 9057549 w 12192000"/>
+              <a:gd name="connsiteY1" fmla="*/ 610553 h 1012232"/>
+              <a:gd name="connsiteX2" fmla="*/ 12192000 w 12192000"/>
+              <a:gd name="connsiteY2" fmla="*/ 305277 h 1012232"/>
+              <a:gd name="connsiteX3" fmla="*/ 12192000 w 12192000"/>
+              <a:gd name="connsiteY3" fmla="*/ 1012232 h 1012232"/>
+              <a:gd name="connsiteX4" fmla="*/ 114300 w 12192000"/>
+              <a:gd name="connsiteY4" fmla="*/ 1012232 h 1012232"/>
+              <a:gd name="connsiteX5" fmla="*/ 0 w 12192000"/>
+              <a:gd name="connsiteY5" fmla="*/ 1012232 h 1012232"/>
+              <a:gd name="connsiteX6" fmla="*/ 0 w 12192000"/>
+              <a:gd name="connsiteY6" fmla="*/ 160434 h 1012232"/>
+              <a:gd name="connsiteX7" fmla="*/ 270087 w 12192000"/>
+              <a:gd name="connsiteY7" fmla="*/ 129128 h 1012232"/>
+              <a:gd name="connsiteX8" fmla="*/ 2457949 w 12192000"/>
+              <a:gd name="connsiteY8" fmla="*/ 0 h 1012232"/>
+            </a:gdLst>
+            <a:ahLst/>
+            <a:cxnLst>
+              <a:cxn ang="0">
+                <a:pos x="connsiteX0" y="connsiteY0"/>
+              </a:cxn>
+              <a:cxn ang="0">
+                <a:pos x="connsiteX1" y="connsiteY1"/>
+              </a:cxn>
+              <a:cxn ang="0">
+                <a:pos x="connsiteX2" y="connsiteY2"/>
+              </a:cxn>
+              <a:cxn ang="0">
+                <a:pos x="connsiteX3" y="connsiteY3"/>
+              </a:cxn>
+              <a:cxn ang="0">
+                <a:pos x="connsiteX4" y="connsiteY4"/>
+              </a:cxn>
+              <a:cxn ang="0">
+                <a:pos x="connsiteX5" y="connsiteY5"/>
+              </a:cxn>
+              <a:cxn ang="0">
+                <a:pos x="connsiteX6" y="connsiteY6"/>
+              </a:cxn>
+              <a:cxn ang="0">
+                <a:pos x="connsiteX7" y="connsiteY7"/>
+              </a:cxn>
+              <a:cxn ang="0">
+                <a:pos x="connsiteX8" y="connsiteY8"/>
+              </a:cxn>
+            </a:cxnLst>
+            <a:rect l="l" t="t" r="r" b="b"/>
+            <a:pathLst>
+              <a:path w="12192000" h="1012232">
+                <a:moveTo>
+                  <a:pt x="2457949" y="0"/>
+                </a:moveTo>
+                <a:cubicBezTo>
+                  <a:pt x="4506845" y="0"/>
+                  <a:pt x="7360920" y="610553"/>
+                  <a:pt x="9057549" y="610553"/>
+                </a:cubicBezTo>
+                <a:cubicBezTo>
+                  <a:pt x="10754179" y="610553"/>
+                  <a:pt x="12192000" y="305277"/>
+                  <a:pt x="12192000" y="305277"/>
+                </a:cubicBezTo>
+                <a:cubicBezTo>
+                  <a:pt x="12192000" y="1012232"/>
+                  <a:pt x="12192000" y="1012232"/>
+                  <a:pt x="12192000" y="1012232"/>
+                </a:cubicBezTo>
+                <a:cubicBezTo>
+                  <a:pt x="5290457" y="1012232"/>
+                  <a:pt x="1839686" y="1012232"/>
+                  <a:pt x="114300" y="1012232"/>
+                </a:cubicBezTo>
+                <a:lnTo>
+                  <a:pt x="0" y="1012232"/>
+                </a:lnTo>
+                <a:lnTo>
+                  <a:pt x="0" y="160434"/>
+                </a:lnTo>
+                <a:lnTo>
+                  <a:pt x="270087" y="129128"/>
+                </a:lnTo>
+                <a:cubicBezTo>
+                  <a:pt x="925321" y="57390"/>
+                  <a:pt x="1689613" y="0"/>
+                  <a:pt x="2457949" y="0"/>
+                </a:cubicBezTo>
+                <a:close/>
+              </a:path>
+            </a:pathLst>
+          </a:custGeom>
+          <a:solidFill>
+            <a:srgbClr val="526188"/>
+          </a:solidFill>
+          <a:ln>
+            <a:noFill/>
+          </a:ln>
+        </p:spPr>
+        <p:style>
+          <a:lnRef idx="2">
+            <a:schemeClr val="accent1">
+              <a:shade val="50000"/>
+            </a:schemeClr>
+          </a:lnRef>
+          <a:fillRef idx="1">
+            <a:schemeClr val="accent1"/>
+          </a:fillRef>
+          <a:effectRef idx="0">
+            <a:schemeClr val="accent1"/>
+          </a:effectRef>
+          <a:fontRef idx="minor">
+            <a:schemeClr val="lt1"/>
+          </a:fontRef>
+        </p:style>
+        <p:txBody>
+          <a:bodyPr rot="0" spcFirstLastPara="0" vertOverflow="overflow" horzOverflow="overflow" vert="horz" wrap="square" lIns="91440" tIns="45720" rIns="91440" bIns="45720" numCol="1" spcCol="0" rtlCol="0" fromWordArt="0" anchor="ctr" anchorCtr="0" forceAA="0" compatLnSpc="1">
+            <a:noAutofit/>
+          </a:bodyPr>
+          <a:lstStyle/>
+          <a:p>
+            <a:pPr algn="ctr"/>
+            <a:endParaRPr kumimoji="1" lang="zh-CN" altLang="en-US">
+              <a:solidFill>
+                <a:schemeClr val="lt1"/>
+              </a:solidFill>
+              <a:latin typeface="Arial" panose="020B0604020202020204" pitchFamily="34" charset="0"/>
+              <a:ea typeface="思源黑体 CN Normal" panose="020B0400000000000000" pitchFamily="34" charset="-122"/>
+              <a:sym typeface="Arial" panose="020B0604020202020204" pitchFamily="34" charset="0"/>
+            </a:endParaRPr>
+          </a:p>
+        </p:txBody>
+      </p:sp>
+      <p:grpSp>
+        <p:nvGrpSpPr>
+          <p:cNvPr id="6" name="组合 5"/>
+          <p:cNvGrpSpPr/>
+          <p:nvPr/>
+        </p:nvGrpSpPr>
+        <p:grpSpPr>
+          <a:xfrm>
+            <a:off x="574686" y="530846"/>
+            <a:ext cx="5376171" cy="5485135"/>
+            <a:chOff x="6698566" y="879190"/>
+            <a:chExt cx="5376171" cy="5485135"/>
+          </a:xfrm>
+        </p:grpSpPr>
+        <p:pic>
+          <p:nvPicPr>
+            <p:cNvPr id="7" name="图片 6"/>
+            <p:cNvPicPr>
+              <a:picLocks noChangeAspect="1"/>
+            </p:cNvPicPr>
+            <p:nvPr/>
+          </p:nvPicPr>
+          <p:blipFill>
+            <a:blip r:embed="rId2"/>
+            <a:stretch>
+              <a:fillRect/>
+            </a:stretch>
+          </p:blipFill>
+          <p:spPr>
+            <a:xfrm>
+              <a:off x="8811925" y="5470844"/>
+              <a:ext cx="573074" cy="652329"/>
+            </a:xfrm>
+            <a:prstGeom prst="rect">
+              <a:avLst/>
+            </a:prstGeom>
+          </p:spPr>
+        </p:pic>
+        <p:pic>
+          <p:nvPicPr>
+            <p:cNvPr id="8" name="图片 7"/>
+            <p:cNvPicPr>
+              <a:picLocks noChangeAspect="1"/>
+            </p:cNvPicPr>
+            <p:nvPr/>
+          </p:nvPicPr>
+          <p:blipFill>
+            <a:blip r:embed="rId3"/>
+            <a:stretch>
+              <a:fillRect/>
+            </a:stretch>
+          </p:blipFill>
+          <p:spPr>
+            <a:xfrm>
+              <a:off x="7483297" y="4565510"/>
+              <a:ext cx="1438781" cy="1231499"/>
+            </a:xfrm>
+            <a:prstGeom prst="rect">
+              <a:avLst/>
+            </a:prstGeom>
+          </p:spPr>
+        </p:pic>
+        <p:pic>
+          <p:nvPicPr>
+            <p:cNvPr id="9" name="图片 8"/>
+            <p:cNvPicPr>
+              <a:picLocks noChangeAspect="1"/>
+            </p:cNvPicPr>
+            <p:nvPr/>
+          </p:nvPicPr>
+          <p:blipFill>
+            <a:blip r:embed="rId4"/>
+            <a:stretch>
+              <a:fillRect/>
+            </a:stretch>
+          </p:blipFill>
+          <p:spPr>
+            <a:xfrm>
+              <a:off x="6698566" y="879190"/>
+              <a:ext cx="3828620" cy="3298222"/>
+            </a:xfrm>
+            <a:prstGeom prst="rect">
+              <a:avLst/>
+            </a:prstGeom>
+          </p:spPr>
+        </p:pic>
+        <p:pic>
+          <p:nvPicPr>
+            <p:cNvPr id="10" name="图片 9"/>
+            <p:cNvPicPr>
+              <a:picLocks noChangeAspect="1"/>
+            </p:cNvPicPr>
+            <p:nvPr/>
+          </p:nvPicPr>
+          <p:blipFill>
+            <a:blip r:embed="rId5">
+              <a:duotone>
+                <a:prstClr val="black"/>
+                <a:srgbClr val="D9C3A5">
+                  <a:tint val="50000"/>
+                  <a:satMod val="180000"/>
+                </a:srgbClr>
+              </a:duotone>
+            </a:blip>
+            <a:stretch>
+              <a:fillRect/>
+            </a:stretch>
+          </p:blipFill>
+          <p:spPr>
+            <a:xfrm>
+              <a:off x="8574362" y="1163521"/>
+              <a:ext cx="2962913" cy="2091109"/>
+            </a:xfrm>
+            <a:prstGeom prst="rect">
+              <a:avLst/>
+            </a:prstGeom>
+          </p:spPr>
+        </p:pic>
+        <p:pic>
+          <p:nvPicPr>
+            <p:cNvPr id="11" name="图片 10"/>
+            <p:cNvPicPr>
+              <a:picLocks noChangeAspect="1"/>
+            </p:cNvPicPr>
+            <p:nvPr/>
+          </p:nvPicPr>
+          <p:blipFill>
+            <a:blip r:embed="rId6"/>
+            <a:stretch>
+              <a:fillRect/>
+            </a:stretch>
+          </p:blipFill>
+          <p:spPr>
+            <a:xfrm>
+              <a:off x="8520461" y="3297771"/>
+              <a:ext cx="3554276" cy="3066554"/>
+            </a:xfrm>
+            <a:prstGeom prst="rect">
+              <a:avLst/>
+            </a:prstGeom>
+          </p:spPr>
+        </p:pic>
+      </p:grpSp>
+      <p:sp>
+        <p:nvSpPr>
+          <p:cNvPr id="12" name="文本框 11"/>
+          <p:cNvSpPr txBox="1"/>
+          <p:nvPr/>
+        </p:nvSpPr>
+        <p:spPr>
+          <a:xfrm>
+            <a:off x="6493184" y="2321004"/>
+            <a:ext cx="5058736" cy="2123658"/>
+          </a:xfrm>
+          <a:prstGeom prst="rect">
+            <a:avLst/>
+          </a:prstGeom>
+          <a:noFill/>
+          <a:ln>
+            <a:noFill/>
+          </a:ln>
+          <a:effectLst/>
+          <a:scene3d>
+            <a:camera prst="orthographicFront">
+              <a:rot lat="0" lon="0" rev="0"/>
+            </a:camera>
+            <a:lightRig rig="contrasting" dir="t">
+              <a:rot lat="0" lon="0" rev="7800000"/>
+            </a:lightRig>
+          </a:scene3d>
+          <a:sp3d>
+            <a:bevelT w="139700" h="139700"/>
+          </a:sp3d>
+        </p:spPr>
+        <p:txBody>
+          <a:bodyPr wrap="square" rtlCol="0">
+            <a:spAutoFit/>
+          </a:bodyPr>
+          <a:lstStyle/>
+          <a:p>
+            <a:pPr algn="just"/>
+            <a:r>
+              <a:rPr lang="zh-TW" altLang="en-US" sz="6600" dirty="0" smtClean="0">
+                <a:effectLst>
+                  <a:outerShdw blurRad="50800" dist="38100" dir="5400000" algn="t" rotWithShape="0">
+                    <a:prstClr val="black">
+                      <a:alpha val="40000"/>
+                    </a:prstClr>
+                  </a:outerShdw>
+                </a:effectLst>
+                <a:latin typeface="微软雅黑" panose="020B0503020204020204" pitchFamily="34" charset="-122"/>
+                <a:ea typeface="微软雅黑" panose="020B0503020204020204" pitchFamily="34" charset="-122"/>
+                <a:cs typeface="文泉驿等宽微米黑" panose="020B0606030804020204" pitchFamily="34" charset="-122"/>
+              </a:rPr>
+              <a:t>遇到最困難的地方</a:t>
+            </a:r>
+            <a:endParaRPr lang="zh-CN" altLang="en-US" sz="6600" dirty="0">
+              <a:effectLst>
+                <a:outerShdw blurRad="50800" dist="38100" dir="5400000" algn="t" rotWithShape="0">
+                  <a:prstClr val="black">
+                    <a:alpha val="40000"/>
+                  </a:prstClr>
+                </a:outerShdw>
+              </a:effectLst>
+              <a:latin typeface="微软雅黑" panose="020B0503020204020204" pitchFamily="34" charset="-122"/>
+              <a:ea typeface="微软雅黑" panose="020B0503020204020204" pitchFamily="34" charset="-122"/>
+              <a:cs typeface="文泉驿等宽微米黑" panose="020B0606030804020204" pitchFamily="34" charset="-122"/>
+            </a:endParaRPr>
+          </a:p>
+        </p:txBody>
+      </p:sp>
+    </p:spTree>
+    <p:extLst>
+      <p:ext uri="{BB962C8B-B14F-4D97-AF65-F5344CB8AC3E}">
+        <p14:creationId xmlns:p14="http://schemas.microsoft.com/office/powerpoint/2010/main" val="140848786"/>
+      </p:ext>
+    </p:extLst>
+  </p:cSld>
+  <p:clrMapOvr>
+    <a:masterClrMapping/>
+  </p:clrMapOvr>
+  <mc:AlternateContent xmlns:mc="http://schemas.openxmlformats.org/markup-compatibility/2006" xmlns:p14="http://schemas.microsoft.com/office/powerpoint/2010/main">
+    <mc:Choice Requires="p14">
+      <p:transition spd="slow" p14:dur="1500">
+        <p:blinds dir="vert"/>
+      </p:transition>
+    </mc:Choice>
+    <mc:Fallback xmlns="">
+      <p:transition spd="slow">
+        <p:blinds dir="vert"/>
+      </p:transition>
+    </mc:Fallback>
+  </mc:AlternateContent>
+  <p:timing>
+    <p:tnLst>
+      <p:par>
+        <p:cTn id="1" dur="indefinite" restart="never" nodeType="tmRoot"/>
+      </p:par>
+    </p:tnLst>
+  </p:timing>
+</p:sld>
+</file>
+
+<file path=ppt/slides/slide12.xml><?xml version="1.0" encoding="utf-8"?>
+<p:sld xmlns:a="http://schemas.openxmlformats.org/drawingml/2006/main" xmlns:r="http://schemas.openxmlformats.org/officeDocument/2006/relationships" xmlns:p="http://schemas.openxmlformats.org/presentationml/2006/main">
+  <p:cSld>
+    <p:spTree>
+      <p:nvGrpSpPr>
+        <p:cNvPr id="1" name=""/>
+        <p:cNvGrpSpPr/>
+        <p:nvPr/>
+      </p:nvGrpSpPr>
+      <p:grpSpPr>
+        <a:xfrm>
+          <a:off x="0" y="0"/>
+          <a:ext cx="0" cy="0"/>
+          <a:chOff x="0" y="0"/>
+          <a:chExt cx="0" cy="0"/>
+        </a:xfrm>
+      </p:grpSpPr>
+      <p:grpSp>
+        <p:nvGrpSpPr>
+          <p:cNvPr id="32" name="组合 31"/>
+          <p:cNvGrpSpPr/>
+          <p:nvPr/>
+        </p:nvGrpSpPr>
+        <p:grpSpPr>
+          <a:xfrm>
+            <a:off x="346076" y="323047"/>
+            <a:ext cx="2073215" cy="707886"/>
+            <a:chOff x="384176" y="265897"/>
+            <a:chExt cx="2073215" cy="707886"/>
+          </a:xfrm>
+        </p:grpSpPr>
+        <p:grpSp>
+          <p:nvGrpSpPr>
+            <p:cNvPr id="16" name="组合 15"/>
+            <p:cNvGrpSpPr/>
+            <p:nvPr/>
+          </p:nvGrpSpPr>
+          <p:grpSpPr>
+            <a:xfrm>
+              <a:off x="384176" y="307549"/>
+              <a:ext cx="377371" cy="507162"/>
+              <a:chOff x="899886" y="361978"/>
+              <a:chExt cx="377371" cy="507162"/>
+            </a:xfrm>
+          </p:grpSpPr>
+          <p:sp>
+            <p:nvSpPr>
+              <p:cNvPr id="14" name="等腰三角形 13"/>
+              <p:cNvSpPr/>
+              <p:nvPr/>
+            </p:nvSpPr>
+            <p:spPr>
+              <a:xfrm>
+                <a:off x="899886" y="613178"/>
+                <a:ext cx="377371" cy="255962"/>
+              </a:xfrm>
+              <a:prstGeom prst="triangle">
+                <a:avLst/>
+              </a:prstGeom>
+              <a:solidFill>
+                <a:srgbClr val="526188"/>
+              </a:solidFill>
+              <a:ln>
+                <a:noFill/>
+              </a:ln>
+            </p:spPr>
+            <p:style>
+              <a:lnRef idx="2">
+                <a:schemeClr val="accent1">
+                  <a:shade val="50000"/>
+                </a:schemeClr>
+              </a:lnRef>
+              <a:fillRef idx="1">
+                <a:schemeClr val="accent1"/>
+              </a:fillRef>
+              <a:effectRef idx="0">
+                <a:schemeClr val="accent1"/>
+              </a:effectRef>
+              <a:fontRef idx="minor">
+                <a:schemeClr val="lt1"/>
+              </a:fontRef>
+            </p:style>
+            <p:txBody>
+              <a:bodyPr rtlCol="0" anchor="ctr"/>
+              <a:lstStyle/>
+              <a:p>
+                <a:pPr algn="ctr"/>
+                <a:endParaRPr lang="zh-CN" altLang="en-US"/>
+              </a:p>
+            </p:txBody>
+          </p:sp>
+          <p:sp>
+            <p:nvSpPr>
+              <p:cNvPr id="15" name="等腰三角形 14"/>
+              <p:cNvSpPr/>
+              <p:nvPr/>
+            </p:nvSpPr>
+            <p:spPr>
+              <a:xfrm rot="10800000">
+                <a:off x="899886" y="361978"/>
+                <a:ext cx="377371" cy="255962"/>
+              </a:xfrm>
+              <a:prstGeom prst="triangle">
+                <a:avLst/>
+              </a:prstGeom>
+              <a:solidFill>
+                <a:srgbClr val="E7C7A0"/>
+              </a:solidFill>
+              <a:ln>
+                <a:noFill/>
+              </a:ln>
+            </p:spPr>
+            <p:style>
+              <a:lnRef idx="2">
+                <a:schemeClr val="accent1">
+                  <a:shade val="50000"/>
+                </a:schemeClr>
+              </a:lnRef>
+              <a:fillRef idx="1">
+                <a:schemeClr val="accent1"/>
+              </a:fillRef>
+              <a:effectRef idx="0">
+                <a:schemeClr val="accent1"/>
+              </a:effectRef>
+              <a:fontRef idx="minor">
+                <a:schemeClr val="lt1"/>
+              </a:fontRef>
+            </p:style>
+            <p:txBody>
+              <a:bodyPr rtlCol="0" anchor="ctr"/>
+              <a:lstStyle/>
+              <a:p>
+                <a:pPr algn="ctr"/>
+                <a:endParaRPr lang="zh-CN" altLang="en-US"/>
+              </a:p>
+            </p:txBody>
+          </p:sp>
+        </p:grpSp>
+        <p:sp>
+          <p:nvSpPr>
+            <p:cNvPr id="29" name="文本框 28"/>
+            <p:cNvSpPr txBox="1"/>
+            <p:nvPr/>
+          </p:nvSpPr>
+          <p:spPr>
+            <a:xfrm>
+              <a:off x="825047" y="265897"/>
+              <a:ext cx="1632344" cy="707886"/>
+            </a:xfrm>
+            <a:prstGeom prst="rect">
+              <a:avLst/>
+            </a:prstGeom>
+            <a:noFill/>
+          </p:spPr>
+          <p:txBody>
+            <a:bodyPr wrap="square" rtlCol="0">
+              <a:spAutoFit/>
+            </a:bodyPr>
+            <a:lstStyle/>
+            <a:p>
+              <a:pPr algn="just"/>
+              <a:r>
+                <a:rPr lang="zh-TW" altLang="en-US" sz="2000" b="1" dirty="0" smtClean="0">
+                  <a:solidFill>
+                    <a:srgbClr val="526188"/>
+                  </a:solidFill>
+                  <a:latin typeface="微软雅黑" panose="020B0503020204020204" pitchFamily="34" charset="-122"/>
+                  <a:ea typeface="微软雅黑" panose="020B0503020204020204" pitchFamily="34" charset="-122"/>
+                  <a:cs typeface="文泉驿等宽微米黑" panose="020B0606030804020204" pitchFamily="34" charset="-122"/>
+                </a:rPr>
+                <a:t>遇到最困難的地方</a:t>
+              </a:r>
+              <a:endParaRPr lang="zh-CN" altLang="en-US" sz="2000" b="1" dirty="0">
+                <a:solidFill>
+                  <a:srgbClr val="526188"/>
+                </a:solidFill>
+                <a:latin typeface="微软雅黑" panose="020B0503020204020204" pitchFamily="34" charset="-122"/>
+                <a:ea typeface="微软雅黑" panose="020B0503020204020204" pitchFamily="34" charset="-122"/>
+                <a:cs typeface="文泉驿等宽微米黑" panose="020B0606030804020204" pitchFamily="34" charset="-122"/>
+              </a:endParaRPr>
+            </a:p>
+          </p:txBody>
+        </p:sp>
+      </p:grpSp>
+      <p:sp>
+        <p:nvSpPr>
+          <p:cNvPr id="12" name="任意多边形: 形状 11"/>
+          <p:cNvSpPr/>
+          <p:nvPr/>
+        </p:nvSpPr>
+        <p:spPr bwMode="auto">
+          <a:xfrm flipH="1">
+            <a:off x="0" y="5871029"/>
+            <a:ext cx="12192000" cy="1012232"/>
+          </a:xfrm>
+          <a:custGeom>
+            <a:avLst/>
+            <a:gdLst>
+              <a:gd name="connsiteX0" fmla="*/ 2457949 w 12192000"/>
+              <a:gd name="connsiteY0" fmla="*/ 0 h 1012232"/>
+              <a:gd name="connsiteX1" fmla="*/ 9057549 w 12192000"/>
+              <a:gd name="connsiteY1" fmla="*/ 610553 h 1012232"/>
+              <a:gd name="connsiteX2" fmla="*/ 12192000 w 12192000"/>
+              <a:gd name="connsiteY2" fmla="*/ 305277 h 1012232"/>
+              <a:gd name="connsiteX3" fmla="*/ 12192000 w 12192000"/>
+              <a:gd name="connsiteY3" fmla="*/ 1012232 h 1012232"/>
+              <a:gd name="connsiteX4" fmla="*/ 114300 w 12192000"/>
+              <a:gd name="connsiteY4" fmla="*/ 1012232 h 1012232"/>
+              <a:gd name="connsiteX5" fmla="*/ 0 w 12192000"/>
+              <a:gd name="connsiteY5" fmla="*/ 1012232 h 1012232"/>
+              <a:gd name="connsiteX6" fmla="*/ 0 w 12192000"/>
+              <a:gd name="connsiteY6" fmla="*/ 160434 h 1012232"/>
+              <a:gd name="connsiteX7" fmla="*/ 270087 w 12192000"/>
+              <a:gd name="connsiteY7" fmla="*/ 129128 h 1012232"/>
+              <a:gd name="connsiteX8" fmla="*/ 2457949 w 12192000"/>
+              <a:gd name="connsiteY8" fmla="*/ 0 h 1012232"/>
+            </a:gdLst>
+            <a:ahLst/>
+            <a:cxnLst>
+              <a:cxn ang="0">
+                <a:pos x="connsiteX0" y="connsiteY0"/>
+              </a:cxn>
+              <a:cxn ang="0">
+                <a:pos x="connsiteX1" y="connsiteY1"/>
+              </a:cxn>
+              <a:cxn ang="0">
+                <a:pos x="connsiteX2" y="connsiteY2"/>
+              </a:cxn>
+              <a:cxn ang="0">
+                <a:pos x="connsiteX3" y="connsiteY3"/>
+              </a:cxn>
+              <a:cxn ang="0">
+                <a:pos x="connsiteX4" y="connsiteY4"/>
+              </a:cxn>
+              <a:cxn ang="0">
+                <a:pos x="connsiteX5" y="connsiteY5"/>
+              </a:cxn>
+              <a:cxn ang="0">
+                <a:pos x="connsiteX6" y="connsiteY6"/>
+              </a:cxn>
+              <a:cxn ang="0">
+                <a:pos x="connsiteX7" y="connsiteY7"/>
+              </a:cxn>
+              <a:cxn ang="0">
+                <a:pos x="connsiteX8" y="connsiteY8"/>
+              </a:cxn>
+            </a:cxnLst>
+            <a:rect l="l" t="t" r="r" b="b"/>
+            <a:pathLst>
+              <a:path w="12192000" h="1012232">
+                <a:moveTo>
+                  <a:pt x="2457949" y="0"/>
+                </a:moveTo>
+                <a:cubicBezTo>
+                  <a:pt x="4506845" y="0"/>
+                  <a:pt x="7360920" y="610553"/>
+                  <a:pt x="9057549" y="610553"/>
+                </a:cubicBezTo>
+                <a:cubicBezTo>
+                  <a:pt x="10754179" y="610553"/>
+                  <a:pt x="12192000" y="305277"/>
+                  <a:pt x="12192000" y="305277"/>
+                </a:cubicBezTo>
+                <a:cubicBezTo>
+                  <a:pt x="12192000" y="1012232"/>
+                  <a:pt x="12192000" y="1012232"/>
+                  <a:pt x="12192000" y="1012232"/>
+                </a:cubicBezTo>
+                <a:cubicBezTo>
+                  <a:pt x="5290457" y="1012232"/>
+                  <a:pt x="1839686" y="1012232"/>
+                  <a:pt x="114300" y="1012232"/>
+                </a:cubicBezTo>
+                <a:lnTo>
+                  <a:pt x="0" y="1012232"/>
+                </a:lnTo>
+                <a:lnTo>
+                  <a:pt x="0" y="160434"/>
+                </a:lnTo>
+                <a:lnTo>
+                  <a:pt x="270087" y="129128"/>
+                </a:lnTo>
+                <a:cubicBezTo>
+                  <a:pt x="925321" y="57390"/>
+                  <a:pt x="1689613" y="0"/>
+                  <a:pt x="2457949" y="0"/>
+                </a:cubicBezTo>
+                <a:close/>
+              </a:path>
+            </a:pathLst>
+          </a:custGeom>
+          <a:solidFill>
+            <a:srgbClr val="526188"/>
+          </a:solidFill>
+          <a:ln>
+            <a:noFill/>
+          </a:ln>
+        </p:spPr>
+        <p:style>
+          <a:lnRef idx="2">
+            <a:schemeClr val="accent1">
+              <a:shade val="50000"/>
+            </a:schemeClr>
+          </a:lnRef>
+          <a:fillRef idx="1">
+            <a:schemeClr val="accent1"/>
+          </a:fillRef>
+          <a:effectRef idx="0">
+            <a:schemeClr val="accent1"/>
+          </a:effectRef>
+          <a:fontRef idx="minor">
+            <a:schemeClr val="lt1"/>
+          </a:fontRef>
+        </p:style>
+        <p:txBody>
+          <a:bodyPr rot="0" spcFirstLastPara="0" vertOverflow="overflow" horzOverflow="overflow" vert="horz" wrap="square" lIns="91440" tIns="45720" rIns="91440" bIns="45720" numCol="1" spcCol="0" rtlCol="0" fromWordArt="0" anchor="ctr" anchorCtr="0" forceAA="0" compatLnSpc="1">
+            <a:noAutofit/>
+          </a:bodyPr>
+          <a:lstStyle/>
+          <a:p>
+            <a:pPr algn="ctr"/>
+            <a:endParaRPr kumimoji="1" lang="zh-CN" altLang="en-US">
+              <a:solidFill>
+                <a:schemeClr val="lt1"/>
+              </a:solidFill>
+              <a:latin typeface="Arial" panose="020B0604020202020204" pitchFamily="34" charset="0"/>
+              <a:ea typeface="思源黑体 CN Normal" panose="020B0400000000000000" pitchFamily="34" charset="-122"/>
+              <a:sym typeface="Arial" panose="020B0604020202020204" pitchFamily="34" charset="0"/>
+            </a:endParaRPr>
+          </a:p>
+        </p:txBody>
+      </p:sp>
+    </p:spTree>
+    <p:extLst>
+      <p:ext uri="{BB962C8B-B14F-4D97-AF65-F5344CB8AC3E}">
+        <p14:creationId xmlns:p14="http://schemas.microsoft.com/office/powerpoint/2010/main" val="1150512495"/>
+      </p:ext>
+    </p:extLst>
+  </p:cSld>
+  <p:clrMapOvr>
+    <a:masterClrMapping/>
+  </p:clrMapOvr>
+  <mc:AlternateContent xmlns:mc="http://schemas.openxmlformats.org/markup-compatibility/2006" xmlns:p14="http://schemas.microsoft.com/office/powerpoint/2010/main">
+    <mc:Choice Requires="p14">
+      <p:transition spd="slow" p14:dur="1250">
+        <p14:flip dir="r"/>
+      </p:transition>
+    </mc:Choice>
+    <mc:Fallback xmlns="">
+      <p:transition spd="slow">
+        <p:fade/>
+      </p:transition>
+    </mc:Fallback>
+  </mc:AlternateContent>
+  <p:timing>
+    <p:tnLst>
+      <p:par>
+        <p:cTn id="1" dur="indefinite" restart="never" nodeType="tmRoot"/>
+      </p:par>
+    </p:tnLst>
+  </p:timing>
+</p:sld>
+</file>
+
+<file path=ppt/slides/slide13.xml><?xml version="1.0" encoding="utf-8"?>
+<p:sld xmlns:a="http://schemas.openxmlformats.org/drawingml/2006/main" xmlns:r="http://schemas.openxmlformats.org/officeDocument/2006/relationships" xmlns:p="http://schemas.openxmlformats.org/presentationml/2006/main">
+  <p:cSld>
+    <p:spTree>
+      <p:nvGrpSpPr>
+        <p:cNvPr id="1" name=""/>
+        <p:cNvGrpSpPr/>
+        <p:nvPr/>
+      </p:nvGrpSpPr>
+      <p:grpSpPr>
+        <a:xfrm>
+          <a:off x="0" y="0"/>
+          <a:ext cx="0" cy="0"/>
+          <a:chOff x="0" y="0"/>
+          <a:chExt cx="0" cy="0"/>
+        </a:xfrm>
+      </p:grpSpPr>
+      <p:sp>
+        <p:nvSpPr>
+          <p:cNvPr id="5" name="任意多边形: 形状 4"/>
+          <p:cNvSpPr/>
+          <p:nvPr/>
+        </p:nvSpPr>
+        <p:spPr bwMode="auto">
+          <a:xfrm flipH="1">
+            <a:off x="0" y="5871029"/>
+            <a:ext cx="12192000" cy="1012232"/>
+          </a:xfrm>
+          <a:custGeom>
+            <a:avLst/>
+            <a:gdLst>
+              <a:gd name="connsiteX0" fmla="*/ 2457949 w 12192000"/>
+              <a:gd name="connsiteY0" fmla="*/ 0 h 1012232"/>
+              <a:gd name="connsiteX1" fmla="*/ 9057549 w 12192000"/>
+              <a:gd name="connsiteY1" fmla="*/ 610553 h 1012232"/>
+              <a:gd name="connsiteX2" fmla="*/ 12192000 w 12192000"/>
+              <a:gd name="connsiteY2" fmla="*/ 305277 h 1012232"/>
+              <a:gd name="connsiteX3" fmla="*/ 12192000 w 12192000"/>
+              <a:gd name="connsiteY3" fmla="*/ 1012232 h 1012232"/>
+              <a:gd name="connsiteX4" fmla="*/ 114300 w 12192000"/>
+              <a:gd name="connsiteY4" fmla="*/ 1012232 h 1012232"/>
+              <a:gd name="connsiteX5" fmla="*/ 0 w 12192000"/>
+              <a:gd name="connsiteY5" fmla="*/ 1012232 h 1012232"/>
+              <a:gd name="connsiteX6" fmla="*/ 0 w 12192000"/>
+              <a:gd name="connsiteY6" fmla="*/ 160434 h 1012232"/>
+              <a:gd name="connsiteX7" fmla="*/ 270087 w 12192000"/>
+              <a:gd name="connsiteY7" fmla="*/ 129128 h 1012232"/>
+              <a:gd name="connsiteX8" fmla="*/ 2457949 w 12192000"/>
+              <a:gd name="connsiteY8" fmla="*/ 0 h 1012232"/>
+            </a:gdLst>
+            <a:ahLst/>
+            <a:cxnLst>
+              <a:cxn ang="0">
+                <a:pos x="connsiteX0" y="connsiteY0"/>
+              </a:cxn>
+              <a:cxn ang="0">
+                <a:pos x="connsiteX1" y="connsiteY1"/>
+              </a:cxn>
+              <a:cxn ang="0">
+                <a:pos x="connsiteX2" y="connsiteY2"/>
+              </a:cxn>
+              <a:cxn ang="0">
+                <a:pos x="connsiteX3" y="connsiteY3"/>
+              </a:cxn>
+              <a:cxn ang="0">
+                <a:pos x="connsiteX4" y="connsiteY4"/>
+              </a:cxn>
+              <a:cxn ang="0">
+                <a:pos x="connsiteX5" y="connsiteY5"/>
+              </a:cxn>
+              <a:cxn ang="0">
+                <a:pos x="connsiteX6" y="connsiteY6"/>
+              </a:cxn>
+              <a:cxn ang="0">
+                <a:pos x="connsiteX7" y="connsiteY7"/>
+              </a:cxn>
+              <a:cxn ang="0">
+                <a:pos x="connsiteX8" y="connsiteY8"/>
+              </a:cxn>
+            </a:cxnLst>
+            <a:rect l="l" t="t" r="r" b="b"/>
+            <a:pathLst>
+              <a:path w="12192000" h="1012232">
+                <a:moveTo>
+                  <a:pt x="2457949" y="0"/>
+                </a:moveTo>
+                <a:cubicBezTo>
+                  <a:pt x="4506845" y="0"/>
+                  <a:pt x="7360920" y="610553"/>
+                  <a:pt x="9057549" y="610553"/>
+                </a:cubicBezTo>
+                <a:cubicBezTo>
+                  <a:pt x="10754179" y="610553"/>
+                  <a:pt x="12192000" y="305277"/>
+                  <a:pt x="12192000" y="305277"/>
+                </a:cubicBezTo>
+                <a:cubicBezTo>
+                  <a:pt x="12192000" y="1012232"/>
+                  <a:pt x="12192000" y="1012232"/>
+                  <a:pt x="12192000" y="1012232"/>
+                </a:cubicBezTo>
+                <a:cubicBezTo>
+                  <a:pt x="5290457" y="1012232"/>
+                  <a:pt x="1839686" y="1012232"/>
+                  <a:pt x="114300" y="1012232"/>
+                </a:cubicBezTo>
+                <a:lnTo>
+                  <a:pt x="0" y="1012232"/>
+                </a:lnTo>
+                <a:lnTo>
+                  <a:pt x="0" y="160434"/>
+                </a:lnTo>
+                <a:lnTo>
+                  <a:pt x="270087" y="129128"/>
+                </a:lnTo>
+                <a:cubicBezTo>
+                  <a:pt x="925321" y="57390"/>
+                  <a:pt x="1689613" y="0"/>
+                  <a:pt x="2457949" y="0"/>
+                </a:cubicBezTo>
+                <a:close/>
+              </a:path>
+            </a:pathLst>
+          </a:custGeom>
+          <a:solidFill>
+            <a:srgbClr val="526188"/>
+          </a:solidFill>
+          <a:ln>
+            <a:noFill/>
+          </a:ln>
+        </p:spPr>
+        <p:style>
+          <a:lnRef idx="2">
+            <a:schemeClr val="accent1">
+              <a:shade val="50000"/>
+            </a:schemeClr>
+          </a:lnRef>
+          <a:fillRef idx="1">
+            <a:schemeClr val="accent1"/>
+          </a:fillRef>
+          <a:effectRef idx="0">
+            <a:schemeClr val="accent1"/>
+          </a:effectRef>
+          <a:fontRef idx="minor">
+            <a:schemeClr val="lt1"/>
+          </a:fontRef>
+        </p:style>
+        <p:txBody>
+          <a:bodyPr rot="0" spcFirstLastPara="0" vertOverflow="overflow" horzOverflow="overflow" vert="horz" wrap="square" lIns="91440" tIns="45720" rIns="91440" bIns="45720" numCol="1" spcCol="0" rtlCol="0" fromWordArt="0" anchor="ctr" anchorCtr="0" forceAA="0" compatLnSpc="1">
+            <a:noAutofit/>
+          </a:bodyPr>
+          <a:lstStyle/>
+          <a:p>
+            <a:pPr algn="ctr"/>
+            <a:endParaRPr kumimoji="1" lang="zh-CN" altLang="en-US">
+              <a:solidFill>
+                <a:schemeClr val="lt1"/>
+              </a:solidFill>
+              <a:latin typeface="Arial" panose="020B0604020202020204" pitchFamily="34" charset="0"/>
+              <a:ea typeface="思源黑体 CN Normal" panose="020B0400000000000000" pitchFamily="34" charset="-122"/>
+              <a:sym typeface="Arial" panose="020B0604020202020204" pitchFamily="34" charset="0"/>
+            </a:endParaRPr>
+          </a:p>
+        </p:txBody>
+      </p:sp>
+      <p:grpSp>
+        <p:nvGrpSpPr>
+          <p:cNvPr id="6" name="组合 5"/>
+          <p:cNvGrpSpPr/>
+          <p:nvPr/>
+        </p:nvGrpSpPr>
+        <p:grpSpPr>
+          <a:xfrm>
+            <a:off x="574686" y="530846"/>
+            <a:ext cx="5376171" cy="5485135"/>
+            <a:chOff x="6698566" y="879190"/>
+            <a:chExt cx="5376171" cy="5485135"/>
+          </a:xfrm>
+        </p:grpSpPr>
+        <p:pic>
+          <p:nvPicPr>
+            <p:cNvPr id="7" name="图片 6"/>
+            <p:cNvPicPr>
+              <a:picLocks noChangeAspect="1"/>
+            </p:cNvPicPr>
+            <p:nvPr/>
+          </p:nvPicPr>
+          <p:blipFill>
+            <a:blip r:embed="rId2"/>
+            <a:stretch>
+              <a:fillRect/>
+            </a:stretch>
+          </p:blipFill>
+          <p:spPr>
+            <a:xfrm>
+              <a:off x="8811925" y="5470844"/>
+              <a:ext cx="573074" cy="652329"/>
+            </a:xfrm>
+            <a:prstGeom prst="rect">
+              <a:avLst/>
+            </a:prstGeom>
+          </p:spPr>
+        </p:pic>
+        <p:pic>
+          <p:nvPicPr>
+            <p:cNvPr id="8" name="图片 7"/>
+            <p:cNvPicPr>
+              <a:picLocks noChangeAspect="1"/>
+            </p:cNvPicPr>
+            <p:nvPr/>
+          </p:nvPicPr>
+          <p:blipFill>
+            <a:blip r:embed="rId3"/>
+            <a:stretch>
+              <a:fillRect/>
+            </a:stretch>
+          </p:blipFill>
+          <p:spPr>
+            <a:xfrm>
+              <a:off x="7483297" y="4565510"/>
+              <a:ext cx="1438781" cy="1231499"/>
+            </a:xfrm>
+            <a:prstGeom prst="rect">
+              <a:avLst/>
+            </a:prstGeom>
+          </p:spPr>
+        </p:pic>
+        <p:pic>
+          <p:nvPicPr>
+            <p:cNvPr id="9" name="图片 8"/>
+            <p:cNvPicPr>
+              <a:picLocks noChangeAspect="1"/>
+            </p:cNvPicPr>
+            <p:nvPr/>
+          </p:nvPicPr>
+          <p:blipFill>
+            <a:blip r:embed="rId4"/>
+            <a:stretch>
+              <a:fillRect/>
+            </a:stretch>
+          </p:blipFill>
+          <p:spPr>
+            <a:xfrm>
+              <a:off x="6698566" y="879190"/>
+              <a:ext cx="3828620" cy="3298222"/>
+            </a:xfrm>
+            <a:prstGeom prst="rect">
+              <a:avLst/>
+            </a:prstGeom>
+          </p:spPr>
+        </p:pic>
+        <p:pic>
+          <p:nvPicPr>
+            <p:cNvPr id="10" name="图片 9"/>
+            <p:cNvPicPr>
+              <a:picLocks noChangeAspect="1"/>
+            </p:cNvPicPr>
+            <p:nvPr/>
+          </p:nvPicPr>
+          <p:blipFill>
+            <a:blip r:embed="rId5">
+              <a:duotone>
+                <a:prstClr val="black"/>
+                <a:srgbClr val="D9C3A5">
+                  <a:tint val="50000"/>
+                  <a:satMod val="180000"/>
+                </a:srgbClr>
+              </a:duotone>
+            </a:blip>
+            <a:stretch>
+              <a:fillRect/>
+            </a:stretch>
+          </p:blipFill>
+          <p:spPr>
+            <a:xfrm>
+              <a:off x="8574362" y="1163521"/>
+              <a:ext cx="2962913" cy="2091109"/>
+            </a:xfrm>
+            <a:prstGeom prst="rect">
+              <a:avLst/>
+            </a:prstGeom>
+          </p:spPr>
+        </p:pic>
+        <p:pic>
+          <p:nvPicPr>
+            <p:cNvPr id="11" name="图片 10"/>
+            <p:cNvPicPr>
+              <a:picLocks noChangeAspect="1"/>
+            </p:cNvPicPr>
+            <p:nvPr/>
+          </p:nvPicPr>
+          <p:blipFill>
+            <a:blip r:embed="rId6"/>
+            <a:stretch>
+              <a:fillRect/>
+            </a:stretch>
+          </p:blipFill>
+          <p:spPr>
+            <a:xfrm>
+              <a:off x="8520461" y="3297771"/>
+              <a:ext cx="3554276" cy="3066554"/>
+            </a:xfrm>
+            <a:prstGeom prst="rect">
+              <a:avLst/>
+            </a:prstGeom>
+          </p:spPr>
+        </p:pic>
+      </p:grpSp>
+      <p:sp>
+        <p:nvSpPr>
+          <p:cNvPr id="12" name="文本框 11"/>
+          <p:cNvSpPr txBox="1"/>
+          <p:nvPr/>
+        </p:nvSpPr>
+        <p:spPr>
+          <a:xfrm>
+            <a:off x="6493184" y="2321004"/>
+            <a:ext cx="5058736" cy="1107996"/>
+          </a:xfrm>
+          <a:prstGeom prst="rect">
+            <a:avLst/>
+          </a:prstGeom>
+          <a:noFill/>
+          <a:ln>
+            <a:noFill/>
+          </a:ln>
+          <a:effectLst/>
+          <a:scene3d>
+            <a:camera prst="orthographicFront">
+              <a:rot lat="0" lon="0" rev="0"/>
+            </a:camera>
+            <a:lightRig rig="contrasting" dir="t">
+              <a:rot lat="0" lon="0" rev="7800000"/>
+            </a:lightRig>
+          </a:scene3d>
+          <a:sp3d>
+            <a:bevelT w="139700" h="139700"/>
+          </a:sp3d>
+        </p:spPr>
+        <p:txBody>
+          <a:bodyPr wrap="square" rtlCol="0">
+            <a:spAutoFit/>
+          </a:bodyPr>
+          <a:lstStyle/>
+          <a:p>
+            <a:pPr algn="just"/>
+            <a:r>
+              <a:rPr lang="zh-TW" altLang="en-US" sz="6600" dirty="0" smtClean="0">
+                <a:effectLst>
+                  <a:outerShdw blurRad="50800" dist="38100" dir="5400000" algn="t" rotWithShape="0">
+                    <a:prstClr val="black">
+                      <a:alpha val="40000"/>
+                    </a:prstClr>
+                  </a:outerShdw>
+                </a:effectLst>
+                <a:latin typeface="微软雅黑" panose="020B0503020204020204" pitchFamily="34" charset="-122"/>
+                <a:ea typeface="微软雅黑" panose="020B0503020204020204" pitchFamily="34" charset="-122"/>
+                <a:cs typeface="文泉驿等宽微米黑" panose="020B0606030804020204" pitchFamily="34" charset="-122"/>
+              </a:rPr>
+              <a:t>結語</a:t>
+            </a:r>
+            <a:endParaRPr lang="zh-CN" altLang="en-US" sz="6600" dirty="0">
+              <a:effectLst>
+                <a:outerShdw blurRad="50800" dist="38100" dir="5400000" algn="t" rotWithShape="0">
+                  <a:prstClr val="black">
+                    <a:alpha val="40000"/>
+                  </a:prstClr>
+                </a:outerShdw>
+              </a:effectLst>
+              <a:latin typeface="微软雅黑" panose="020B0503020204020204" pitchFamily="34" charset="-122"/>
+              <a:ea typeface="微软雅黑" panose="020B0503020204020204" pitchFamily="34" charset="-122"/>
+              <a:cs typeface="文泉驿等宽微米黑" panose="020B0606030804020204" pitchFamily="34" charset="-122"/>
+            </a:endParaRPr>
+          </a:p>
+        </p:txBody>
+      </p:sp>
+    </p:spTree>
+    <p:extLst>
+      <p:ext uri="{BB962C8B-B14F-4D97-AF65-F5344CB8AC3E}">
+        <p14:creationId xmlns:p14="http://schemas.microsoft.com/office/powerpoint/2010/main" val="4166101393"/>
+      </p:ext>
+    </p:extLst>
+  </p:cSld>
+  <p:clrMapOvr>
+    <a:masterClrMapping/>
+  </p:clrMapOvr>
+  <mc:AlternateContent xmlns:mc="http://schemas.openxmlformats.org/markup-compatibility/2006" xmlns:p14="http://schemas.microsoft.com/office/powerpoint/2010/main">
+    <mc:Choice Requires="p14">
+      <p:transition spd="slow" p14:dur="1500">
+        <p:blinds dir="vert"/>
+      </p:transition>
+    </mc:Choice>
+    <mc:Fallback xmlns="">
+      <p:transition spd="slow">
+        <p:blinds dir="vert"/>
+      </p:transition>
+    </mc:Fallback>
+  </mc:AlternateContent>
+  <p:timing>
+    <p:tnLst>
+      <p:par>
+        <p:cTn id="1" dur="indefinite" restart="never" nodeType="tmRoot"/>
+      </p:par>
+    </p:tnLst>
+  </p:timing>
+</p:sld>
+</file>
+
+<file path=ppt/slides/slide14.xml><?xml version="1.0" encoding="utf-8"?>
+<p:sld xmlns:a="http://schemas.openxmlformats.org/drawingml/2006/main" xmlns:r="http://schemas.openxmlformats.org/officeDocument/2006/relationships" xmlns:p="http://schemas.openxmlformats.org/presentationml/2006/main">
+  <p:cSld>
+    <p:spTree>
+      <p:nvGrpSpPr>
+        <p:cNvPr id="1" name=""/>
+        <p:cNvGrpSpPr/>
+        <p:nvPr/>
+      </p:nvGrpSpPr>
+      <p:grpSpPr>
+        <a:xfrm>
+          <a:off x="0" y="0"/>
+          <a:ext cx="0" cy="0"/>
+          <a:chOff x="0" y="0"/>
+          <a:chExt cx="0" cy="0"/>
+        </a:xfrm>
+      </p:grpSpPr>
+      <p:grpSp>
+        <p:nvGrpSpPr>
+          <p:cNvPr id="32" name="组合 31"/>
+          <p:cNvGrpSpPr/>
+          <p:nvPr/>
+        </p:nvGrpSpPr>
+        <p:grpSpPr>
+          <a:xfrm>
+            <a:off x="346076" y="323047"/>
+            <a:ext cx="2073215" cy="548814"/>
+            <a:chOff x="384176" y="265897"/>
+            <a:chExt cx="2073215" cy="548814"/>
+          </a:xfrm>
+        </p:grpSpPr>
+        <p:grpSp>
+          <p:nvGrpSpPr>
+            <p:cNvPr id="16" name="组合 15"/>
+            <p:cNvGrpSpPr/>
+            <p:nvPr/>
+          </p:nvGrpSpPr>
+          <p:grpSpPr>
+            <a:xfrm>
+              <a:off x="384176" y="307549"/>
+              <a:ext cx="377371" cy="507162"/>
+              <a:chOff x="899886" y="361978"/>
+              <a:chExt cx="377371" cy="507162"/>
+            </a:xfrm>
+          </p:grpSpPr>
+          <p:sp>
+            <p:nvSpPr>
+              <p:cNvPr id="14" name="等腰三角形 13"/>
+              <p:cNvSpPr/>
+              <p:nvPr/>
+            </p:nvSpPr>
+            <p:spPr>
+              <a:xfrm>
+                <a:off x="899886" y="613178"/>
+                <a:ext cx="377371" cy="255962"/>
+              </a:xfrm>
+              <a:prstGeom prst="triangle">
+                <a:avLst/>
+              </a:prstGeom>
+              <a:solidFill>
+                <a:srgbClr val="526188"/>
+              </a:solidFill>
+              <a:ln>
+                <a:noFill/>
+              </a:ln>
+            </p:spPr>
+            <p:style>
+              <a:lnRef idx="2">
+                <a:schemeClr val="accent1">
+                  <a:shade val="50000"/>
+                </a:schemeClr>
+              </a:lnRef>
+              <a:fillRef idx="1">
+                <a:schemeClr val="accent1"/>
+              </a:fillRef>
+              <a:effectRef idx="0">
+                <a:schemeClr val="accent1"/>
+              </a:effectRef>
+              <a:fontRef idx="minor">
+                <a:schemeClr val="lt1"/>
+              </a:fontRef>
+            </p:style>
+            <p:txBody>
+              <a:bodyPr rtlCol="0" anchor="ctr"/>
+              <a:lstStyle/>
+              <a:p>
+                <a:pPr algn="ctr"/>
+                <a:endParaRPr lang="zh-CN" altLang="en-US"/>
+              </a:p>
+            </p:txBody>
+          </p:sp>
+          <p:sp>
+            <p:nvSpPr>
+              <p:cNvPr id="15" name="等腰三角形 14"/>
+              <p:cNvSpPr/>
+              <p:nvPr/>
+            </p:nvSpPr>
+            <p:spPr>
+              <a:xfrm rot="10800000">
+                <a:off x="899886" y="361978"/>
+                <a:ext cx="377371" cy="255962"/>
+              </a:xfrm>
+              <a:prstGeom prst="triangle">
+                <a:avLst/>
+              </a:prstGeom>
+              <a:solidFill>
+                <a:srgbClr val="E7C7A0"/>
+              </a:solidFill>
+              <a:ln>
+                <a:noFill/>
+              </a:ln>
+            </p:spPr>
+            <p:style>
+              <a:lnRef idx="2">
+                <a:schemeClr val="accent1">
+                  <a:shade val="50000"/>
+                </a:schemeClr>
+              </a:lnRef>
+              <a:fillRef idx="1">
+                <a:schemeClr val="accent1"/>
+              </a:fillRef>
+              <a:effectRef idx="0">
+                <a:schemeClr val="accent1"/>
+              </a:effectRef>
+              <a:fontRef idx="minor">
+                <a:schemeClr val="lt1"/>
+              </a:fontRef>
+            </p:style>
+            <p:txBody>
+              <a:bodyPr rtlCol="0" anchor="ctr"/>
+              <a:lstStyle/>
+              <a:p>
+                <a:pPr algn="ctr"/>
+                <a:endParaRPr lang="zh-CN" altLang="en-US"/>
+              </a:p>
+            </p:txBody>
+          </p:sp>
+        </p:grpSp>
+        <p:sp>
+          <p:nvSpPr>
+            <p:cNvPr id="29" name="文本框 28"/>
+            <p:cNvSpPr txBox="1"/>
+            <p:nvPr/>
+          </p:nvSpPr>
+          <p:spPr>
+            <a:xfrm>
+              <a:off x="825047" y="265897"/>
+              <a:ext cx="1632344" cy="400110"/>
+            </a:xfrm>
+            <a:prstGeom prst="rect">
+              <a:avLst/>
+            </a:prstGeom>
+            <a:noFill/>
+          </p:spPr>
+          <p:txBody>
+            <a:bodyPr wrap="square" rtlCol="0">
+              <a:spAutoFit/>
+            </a:bodyPr>
+            <a:lstStyle/>
+            <a:p>
+              <a:pPr algn="just"/>
+              <a:r>
+                <a:rPr lang="zh-TW" altLang="en-US" sz="2000" b="1" dirty="0" smtClean="0">
+                  <a:solidFill>
+                    <a:srgbClr val="526188"/>
+                  </a:solidFill>
+                  <a:latin typeface="微软雅黑" panose="020B0503020204020204" pitchFamily="34" charset="-122"/>
+                  <a:ea typeface="微软雅黑" panose="020B0503020204020204" pitchFamily="34" charset="-122"/>
+                  <a:cs typeface="文泉驿等宽微米黑" panose="020B0606030804020204" pitchFamily="34" charset="-122"/>
+                </a:rPr>
+                <a:t>結語</a:t>
+              </a:r>
+              <a:endParaRPr lang="zh-CN" altLang="en-US" sz="2000" b="1" dirty="0">
+                <a:solidFill>
+                  <a:srgbClr val="526188"/>
+                </a:solidFill>
+                <a:latin typeface="微软雅黑" panose="020B0503020204020204" pitchFamily="34" charset="-122"/>
+                <a:ea typeface="微软雅黑" panose="020B0503020204020204" pitchFamily="34" charset="-122"/>
+                <a:cs typeface="文泉驿等宽微米黑" panose="020B0606030804020204" pitchFamily="34" charset="-122"/>
+              </a:endParaRPr>
+            </a:p>
+          </p:txBody>
+        </p:sp>
+      </p:grpSp>
+      <p:sp>
+        <p:nvSpPr>
+          <p:cNvPr id="12" name="任意多边形: 形状 11"/>
+          <p:cNvSpPr/>
+          <p:nvPr/>
+        </p:nvSpPr>
+        <p:spPr bwMode="auto">
+          <a:xfrm flipH="1">
+            <a:off x="0" y="5871029"/>
+            <a:ext cx="12192000" cy="1012232"/>
+          </a:xfrm>
+          <a:custGeom>
+            <a:avLst/>
+            <a:gdLst>
+              <a:gd name="connsiteX0" fmla="*/ 2457949 w 12192000"/>
+              <a:gd name="connsiteY0" fmla="*/ 0 h 1012232"/>
+              <a:gd name="connsiteX1" fmla="*/ 9057549 w 12192000"/>
+              <a:gd name="connsiteY1" fmla="*/ 610553 h 1012232"/>
+              <a:gd name="connsiteX2" fmla="*/ 12192000 w 12192000"/>
+              <a:gd name="connsiteY2" fmla="*/ 305277 h 1012232"/>
+              <a:gd name="connsiteX3" fmla="*/ 12192000 w 12192000"/>
+              <a:gd name="connsiteY3" fmla="*/ 1012232 h 1012232"/>
+              <a:gd name="connsiteX4" fmla="*/ 114300 w 12192000"/>
+              <a:gd name="connsiteY4" fmla="*/ 1012232 h 1012232"/>
+              <a:gd name="connsiteX5" fmla="*/ 0 w 12192000"/>
+              <a:gd name="connsiteY5" fmla="*/ 1012232 h 1012232"/>
+              <a:gd name="connsiteX6" fmla="*/ 0 w 12192000"/>
+              <a:gd name="connsiteY6" fmla="*/ 160434 h 1012232"/>
+              <a:gd name="connsiteX7" fmla="*/ 270087 w 12192000"/>
+              <a:gd name="connsiteY7" fmla="*/ 129128 h 1012232"/>
+              <a:gd name="connsiteX8" fmla="*/ 2457949 w 12192000"/>
+              <a:gd name="connsiteY8" fmla="*/ 0 h 1012232"/>
+            </a:gdLst>
+            <a:ahLst/>
+            <a:cxnLst>
+              <a:cxn ang="0">
+                <a:pos x="connsiteX0" y="connsiteY0"/>
+              </a:cxn>
+              <a:cxn ang="0">
+                <a:pos x="connsiteX1" y="connsiteY1"/>
+              </a:cxn>
+              <a:cxn ang="0">
+                <a:pos x="connsiteX2" y="connsiteY2"/>
+              </a:cxn>
+              <a:cxn ang="0">
+                <a:pos x="connsiteX3" y="connsiteY3"/>
+              </a:cxn>
+              <a:cxn ang="0">
+                <a:pos x="connsiteX4" y="connsiteY4"/>
+              </a:cxn>
+              <a:cxn ang="0">
+                <a:pos x="connsiteX5" y="connsiteY5"/>
+              </a:cxn>
+              <a:cxn ang="0">
+                <a:pos x="connsiteX6" y="connsiteY6"/>
+              </a:cxn>
+              <a:cxn ang="0">
+                <a:pos x="connsiteX7" y="connsiteY7"/>
+              </a:cxn>
+              <a:cxn ang="0">
+                <a:pos x="connsiteX8" y="connsiteY8"/>
+              </a:cxn>
+            </a:cxnLst>
+            <a:rect l="l" t="t" r="r" b="b"/>
+            <a:pathLst>
+              <a:path w="12192000" h="1012232">
+                <a:moveTo>
+                  <a:pt x="2457949" y="0"/>
+                </a:moveTo>
+                <a:cubicBezTo>
+                  <a:pt x="4506845" y="0"/>
+                  <a:pt x="7360920" y="610553"/>
+                  <a:pt x="9057549" y="610553"/>
+                </a:cubicBezTo>
+                <a:cubicBezTo>
+                  <a:pt x="10754179" y="610553"/>
+                  <a:pt x="12192000" y="305277"/>
+                  <a:pt x="12192000" y="305277"/>
+                </a:cubicBezTo>
+                <a:cubicBezTo>
+                  <a:pt x="12192000" y="1012232"/>
+                  <a:pt x="12192000" y="1012232"/>
+                  <a:pt x="12192000" y="1012232"/>
+                </a:cubicBezTo>
+                <a:cubicBezTo>
+                  <a:pt x="5290457" y="1012232"/>
+                  <a:pt x="1839686" y="1012232"/>
+                  <a:pt x="114300" y="1012232"/>
+                </a:cubicBezTo>
+                <a:lnTo>
+                  <a:pt x="0" y="1012232"/>
+                </a:lnTo>
+                <a:lnTo>
+                  <a:pt x="0" y="160434"/>
+                </a:lnTo>
+                <a:lnTo>
+                  <a:pt x="270087" y="129128"/>
+                </a:lnTo>
+                <a:cubicBezTo>
+                  <a:pt x="925321" y="57390"/>
+                  <a:pt x="1689613" y="0"/>
+                  <a:pt x="2457949" y="0"/>
+                </a:cubicBezTo>
+                <a:close/>
+              </a:path>
+            </a:pathLst>
+          </a:custGeom>
+          <a:solidFill>
+            <a:srgbClr val="526188"/>
+          </a:solidFill>
+          <a:ln>
+            <a:noFill/>
+          </a:ln>
+        </p:spPr>
+        <p:style>
+          <a:lnRef idx="2">
+            <a:schemeClr val="accent1">
+              <a:shade val="50000"/>
+            </a:schemeClr>
+          </a:lnRef>
+          <a:fillRef idx="1">
+            <a:schemeClr val="accent1"/>
+          </a:fillRef>
+          <a:effectRef idx="0">
+            <a:schemeClr val="accent1"/>
+          </a:effectRef>
+          <a:fontRef idx="minor">
+            <a:schemeClr val="lt1"/>
+          </a:fontRef>
+        </p:style>
+        <p:txBody>
+          <a:bodyPr rot="0" spcFirstLastPara="0" vertOverflow="overflow" horzOverflow="overflow" vert="horz" wrap="square" lIns="91440" tIns="45720" rIns="91440" bIns="45720" numCol="1" spcCol="0" rtlCol="0" fromWordArt="0" anchor="ctr" anchorCtr="0" forceAA="0" compatLnSpc="1">
+            <a:noAutofit/>
+          </a:bodyPr>
+          <a:lstStyle/>
+          <a:p>
+            <a:pPr algn="ctr"/>
+            <a:endParaRPr kumimoji="1" lang="zh-CN" altLang="en-US">
+              <a:solidFill>
+                <a:schemeClr val="lt1"/>
+              </a:solidFill>
+              <a:latin typeface="Arial" panose="020B0604020202020204" pitchFamily="34" charset="0"/>
+              <a:ea typeface="思源黑体 CN Normal" panose="020B0400000000000000" pitchFamily="34" charset="-122"/>
+              <a:sym typeface="Arial" panose="020B0604020202020204" pitchFamily="34" charset="0"/>
+            </a:endParaRPr>
+          </a:p>
+        </p:txBody>
+      </p:sp>
+    </p:spTree>
+    <p:extLst>
+      <p:ext uri="{BB962C8B-B14F-4D97-AF65-F5344CB8AC3E}">
+        <p14:creationId xmlns:p14="http://schemas.microsoft.com/office/powerpoint/2010/main" val="379223672"/>
+      </p:ext>
+    </p:extLst>
+  </p:cSld>
+  <p:clrMapOvr>
+    <a:masterClrMapping/>
+  </p:clrMapOvr>
+  <mc:AlternateContent xmlns:mc="http://schemas.openxmlformats.org/markup-compatibility/2006" xmlns:p14="http://schemas.microsoft.com/office/powerpoint/2010/main">
+    <mc:Choice Requires="p14">
+      <p:transition spd="slow" p14:dur="1250">
+        <p14:flip dir="r"/>
       </p:transition>
     </mc:Choice>
     <mc:Fallback xmlns="">
@@ -5625,6 +8043,381 @@
           <a:chExt cx="0" cy="0"/>
         </a:xfrm>
       </p:grpSpPr>
+      <p:grpSp>
+        <p:nvGrpSpPr>
+          <p:cNvPr id="32" name="组合 31"/>
+          <p:cNvGrpSpPr/>
+          <p:nvPr/>
+        </p:nvGrpSpPr>
+        <p:grpSpPr>
+          <a:xfrm>
+            <a:off x="346076" y="323047"/>
+            <a:ext cx="2073215" cy="548814"/>
+            <a:chOff x="384176" y="265897"/>
+            <a:chExt cx="2073215" cy="548814"/>
+          </a:xfrm>
+        </p:grpSpPr>
+        <p:grpSp>
+          <p:nvGrpSpPr>
+            <p:cNvPr id="16" name="组合 15"/>
+            <p:cNvGrpSpPr/>
+            <p:nvPr/>
+          </p:nvGrpSpPr>
+          <p:grpSpPr>
+            <a:xfrm>
+              <a:off x="384176" y="307549"/>
+              <a:ext cx="377371" cy="507162"/>
+              <a:chOff x="899886" y="361978"/>
+              <a:chExt cx="377371" cy="507162"/>
+            </a:xfrm>
+          </p:grpSpPr>
+          <p:sp>
+            <p:nvSpPr>
+              <p:cNvPr id="14" name="等腰三角形 13"/>
+              <p:cNvSpPr/>
+              <p:nvPr/>
+            </p:nvSpPr>
+            <p:spPr>
+              <a:xfrm>
+                <a:off x="899886" y="613178"/>
+                <a:ext cx="377371" cy="255962"/>
+              </a:xfrm>
+              <a:prstGeom prst="triangle">
+                <a:avLst/>
+              </a:prstGeom>
+              <a:solidFill>
+                <a:srgbClr val="526188"/>
+              </a:solidFill>
+              <a:ln>
+                <a:noFill/>
+              </a:ln>
+            </p:spPr>
+            <p:style>
+              <a:lnRef idx="2">
+                <a:schemeClr val="accent1">
+                  <a:shade val="50000"/>
+                </a:schemeClr>
+              </a:lnRef>
+              <a:fillRef idx="1">
+                <a:schemeClr val="accent1"/>
+              </a:fillRef>
+              <a:effectRef idx="0">
+                <a:schemeClr val="accent1"/>
+              </a:effectRef>
+              <a:fontRef idx="minor">
+                <a:schemeClr val="lt1"/>
+              </a:fontRef>
+            </p:style>
+            <p:txBody>
+              <a:bodyPr rtlCol="0" anchor="ctr"/>
+              <a:lstStyle/>
+              <a:p>
+                <a:pPr algn="ctr"/>
+                <a:endParaRPr lang="zh-CN" altLang="en-US"/>
+              </a:p>
+            </p:txBody>
+          </p:sp>
+          <p:sp>
+            <p:nvSpPr>
+              <p:cNvPr id="15" name="等腰三角形 14"/>
+              <p:cNvSpPr/>
+              <p:nvPr/>
+            </p:nvSpPr>
+            <p:spPr>
+              <a:xfrm rot="10800000">
+                <a:off x="899886" y="361978"/>
+                <a:ext cx="377371" cy="255962"/>
+              </a:xfrm>
+              <a:prstGeom prst="triangle">
+                <a:avLst/>
+              </a:prstGeom>
+              <a:solidFill>
+                <a:srgbClr val="E7C7A0"/>
+              </a:solidFill>
+              <a:ln>
+                <a:noFill/>
+              </a:ln>
+            </p:spPr>
+            <p:style>
+              <a:lnRef idx="2">
+                <a:schemeClr val="accent1">
+                  <a:shade val="50000"/>
+                </a:schemeClr>
+              </a:lnRef>
+              <a:fillRef idx="1">
+                <a:schemeClr val="accent1"/>
+              </a:fillRef>
+              <a:effectRef idx="0">
+                <a:schemeClr val="accent1"/>
+              </a:effectRef>
+              <a:fontRef idx="minor">
+                <a:schemeClr val="lt1"/>
+              </a:fontRef>
+            </p:style>
+            <p:txBody>
+              <a:bodyPr rtlCol="0" anchor="ctr"/>
+              <a:lstStyle/>
+              <a:p>
+                <a:pPr algn="ctr"/>
+                <a:endParaRPr lang="zh-CN" altLang="en-US"/>
+              </a:p>
+            </p:txBody>
+          </p:sp>
+        </p:grpSp>
+        <p:sp>
+          <p:nvSpPr>
+            <p:cNvPr id="29" name="文本框 28"/>
+            <p:cNvSpPr txBox="1"/>
+            <p:nvPr/>
+          </p:nvSpPr>
+          <p:spPr>
+            <a:xfrm>
+              <a:off x="825047" y="265897"/>
+              <a:ext cx="1632344" cy="400110"/>
+            </a:xfrm>
+            <a:prstGeom prst="rect">
+              <a:avLst/>
+            </a:prstGeom>
+            <a:noFill/>
+          </p:spPr>
+          <p:txBody>
+            <a:bodyPr wrap="square" rtlCol="0">
+              <a:spAutoFit/>
+            </a:bodyPr>
+            <a:lstStyle/>
+            <a:p>
+              <a:pPr algn="just"/>
+              <a:r>
+                <a:rPr lang="zh-TW" altLang="en-US" sz="2000" b="1" dirty="0" smtClean="0">
+                  <a:solidFill>
+                    <a:srgbClr val="526188"/>
+                  </a:solidFill>
+                  <a:latin typeface="微软雅黑" panose="020B0503020204020204" pitchFamily="34" charset="-122"/>
+                  <a:ea typeface="微软雅黑" panose="020B0503020204020204" pitchFamily="34" charset="-122"/>
+                  <a:cs typeface="文泉驿等宽微米黑" panose="020B0606030804020204" pitchFamily="34" charset="-122"/>
+                </a:rPr>
+                <a:t>動</a:t>
+              </a:r>
+              <a:r>
+                <a:rPr lang="zh-TW" altLang="en-US" sz="2000" b="1" dirty="0">
+                  <a:solidFill>
+                    <a:srgbClr val="526188"/>
+                  </a:solidFill>
+                  <a:latin typeface="微软雅黑" panose="020B0503020204020204" pitchFamily="34" charset="-122"/>
+                  <a:ea typeface="微软雅黑" panose="020B0503020204020204" pitchFamily="34" charset="-122"/>
+                  <a:cs typeface="文泉驿等宽微米黑" panose="020B0606030804020204" pitchFamily="34" charset="-122"/>
+                </a:rPr>
+                <a:t>機</a:t>
+              </a:r>
+              <a:endParaRPr lang="zh-CN" altLang="en-US" sz="2000" b="1" dirty="0">
+                <a:solidFill>
+                  <a:srgbClr val="526188"/>
+                </a:solidFill>
+                <a:latin typeface="微软雅黑" panose="020B0503020204020204" pitchFamily="34" charset="-122"/>
+                <a:ea typeface="微软雅黑" panose="020B0503020204020204" pitchFamily="34" charset="-122"/>
+                <a:cs typeface="文泉驿等宽微米黑" panose="020B0606030804020204" pitchFamily="34" charset="-122"/>
+              </a:endParaRPr>
+            </a:p>
+          </p:txBody>
+        </p:sp>
+      </p:grpSp>
+      <p:sp>
+        <p:nvSpPr>
+          <p:cNvPr id="12" name="任意多边形: 形状 11"/>
+          <p:cNvSpPr/>
+          <p:nvPr/>
+        </p:nvSpPr>
+        <p:spPr bwMode="auto">
+          <a:xfrm flipH="1">
+            <a:off x="0" y="5871029"/>
+            <a:ext cx="12192000" cy="1012232"/>
+          </a:xfrm>
+          <a:custGeom>
+            <a:avLst/>
+            <a:gdLst>
+              <a:gd name="connsiteX0" fmla="*/ 2457949 w 12192000"/>
+              <a:gd name="connsiteY0" fmla="*/ 0 h 1012232"/>
+              <a:gd name="connsiteX1" fmla="*/ 9057549 w 12192000"/>
+              <a:gd name="connsiteY1" fmla="*/ 610553 h 1012232"/>
+              <a:gd name="connsiteX2" fmla="*/ 12192000 w 12192000"/>
+              <a:gd name="connsiteY2" fmla="*/ 305277 h 1012232"/>
+              <a:gd name="connsiteX3" fmla="*/ 12192000 w 12192000"/>
+              <a:gd name="connsiteY3" fmla="*/ 1012232 h 1012232"/>
+              <a:gd name="connsiteX4" fmla="*/ 114300 w 12192000"/>
+              <a:gd name="connsiteY4" fmla="*/ 1012232 h 1012232"/>
+              <a:gd name="connsiteX5" fmla="*/ 0 w 12192000"/>
+              <a:gd name="connsiteY5" fmla="*/ 1012232 h 1012232"/>
+              <a:gd name="connsiteX6" fmla="*/ 0 w 12192000"/>
+              <a:gd name="connsiteY6" fmla="*/ 160434 h 1012232"/>
+              <a:gd name="connsiteX7" fmla="*/ 270087 w 12192000"/>
+              <a:gd name="connsiteY7" fmla="*/ 129128 h 1012232"/>
+              <a:gd name="connsiteX8" fmla="*/ 2457949 w 12192000"/>
+              <a:gd name="connsiteY8" fmla="*/ 0 h 1012232"/>
+            </a:gdLst>
+            <a:ahLst/>
+            <a:cxnLst>
+              <a:cxn ang="0">
+                <a:pos x="connsiteX0" y="connsiteY0"/>
+              </a:cxn>
+              <a:cxn ang="0">
+                <a:pos x="connsiteX1" y="connsiteY1"/>
+              </a:cxn>
+              <a:cxn ang="0">
+                <a:pos x="connsiteX2" y="connsiteY2"/>
+              </a:cxn>
+              <a:cxn ang="0">
+                <a:pos x="connsiteX3" y="connsiteY3"/>
+              </a:cxn>
+              <a:cxn ang="0">
+                <a:pos x="connsiteX4" y="connsiteY4"/>
+              </a:cxn>
+              <a:cxn ang="0">
+                <a:pos x="connsiteX5" y="connsiteY5"/>
+              </a:cxn>
+              <a:cxn ang="0">
+                <a:pos x="connsiteX6" y="connsiteY6"/>
+              </a:cxn>
+              <a:cxn ang="0">
+                <a:pos x="connsiteX7" y="connsiteY7"/>
+              </a:cxn>
+              <a:cxn ang="0">
+                <a:pos x="connsiteX8" y="connsiteY8"/>
+              </a:cxn>
+            </a:cxnLst>
+            <a:rect l="l" t="t" r="r" b="b"/>
+            <a:pathLst>
+              <a:path w="12192000" h="1012232">
+                <a:moveTo>
+                  <a:pt x="2457949" y="0"/>
+                </a:moveTo>
+                <a:cubicBezTo>
+                  <a:pt x="4506845" y="0"/>
+                  <a:pt x="7360920" y="610553"/>
+                  <a:pt x="9057549" y="610553"/>
+                </a:cubicBezTo>
+                <a:cubicBezTo>
+                  <a:pt x="10754179" y="610553"/>
+                  <a:pt x="12192000" y="305277"/>
+                  <a:pt x="12192000" y="305277"/>
+                </a:cubicBezTo>
+                <a:cubicBezTo>
+                  <a:pt x="12192000" y="1012232"/>
+                  <a:pt x="12192000" y="1012232"/>
+                  <a:pt x="12192000" y="1012232"/>
+                </a:cubicBezTo>
+                <a:cubicBezTo>
+                  <a:pt x="5290457" y="1012232"/>
+                  <a:pt x="1839686" y="1012232"/>
+                  <a:pt x="114300" y="1012232"/>
+                </a:cubicBezTo>
+                <a:lnTo>
+                  <a:pt x="0" y="1012232"/>
+                </a:lnTo>
+                <a:lnTo>
+                  <a:pt x="0" y="160434"/>
+                </a:lnTo>
+                <a:lnTo>
+                  <a:pt x="270087" y="129128"/>
+                </a:lnTo>
+                <a:cubicBezTo>
+                  <a:pt x="925321" y="57390"/>
+                  <a:pt x="1689613" y="0"/>
+                  <a:pt x="2457949" y="0"/>
+                </a:cubicBezTo>
+                <a:close/>
+              </a:path>
+            </a:pathLst>
+          </a:custGeom>
+          <a:solidFill>
+            <a:srgbClr val="526188"/>
+          </a:solidFill>
+          <a:ln>
+            <a:noFill/>
+          </a:ln>
+        </p:spPr>
+        <p:style>
+          <a:lnRef idx="2">
+            <a:schemeClr val="accent1">
+              <a:shade val="50000"/>
+            </a:schemeClr>
+          </a:lnRef>
+          <a:fillRef idx="1">
+            <a:schemeClr val="accent1"/>
+          </a:fillRef>
+          <a:effectRef idx="0">
+            <a:schemeClr val="accent1"/>
+          </a:effectRef>
+          <a:fontRef idx="minor">
+            <a:schemeClr val="lt1"/>
+          </a:fontRef>
+        </p:style>
+        <p:txBody>
+          <a:bodyPr rot="0" spcFirstLastPara="0" vertOverflow="overflow" horzOverflow="overflow" vert="horz" wrap="square" lIns="91440" tIns="45720" rIns="91440" bIns="45720" numCol="1" spcCol="0" rtlCol="0" fromWordArt="0" anchor="ctr" anchorCtr="0" forceAA="0" compatLnSpc="1">
+            <a:noAutofit/>
+          </a:bodyPr>
+          <a:lstStyle/>
+          <a:p>
+            <a:pPr algn="ctr"/>
+            <a:endParaRPr kumimoji="1" lang="zh-CN" altLang="en-US">
+              <a:solidFill>
+                <a:schemeClr val="lt1"/>
+              </a:solidFill>
+              <a:latin typeface="Arial" panose="020B0604020202020204" pitchFamily="34" charset="0"/>
+              <a:ea typeface="思源黑体 CN Normal" panose="020B0400000000000000" pitchFamily="34" charset="-122"/>
+              <a:sym typeface="Arial" panose="020B0604020202020204" pitchFamily="34" charset="0"/>
+            </a:endParaRPr>
+          </a:p>
+        </p:txBody>
+      </p:sp>
+    </p:spTree>
+    <p:extLst>
+      <p:ext uri="{BB962C8B-B14F-4D97-AF65-F5344CB8AC3E}">
+        <p14:creationId xmlns:p14="http://schemas.microsoft.com/office/powerpoint/2010/main" val="3726679555"/>
+      </p:ext>
+    </p:extLst>
+  </p:cSld>
+  <p:clrMapOvr>
+    <a:masterClrMapping/>
+  </p:clrMapOvr>
+  <mc:AlternateContent xmlns:mc="http://schemas.openxmlformats.org/markup-compatibility/2006" xmlns:p14="http://schemas.microsoft.com/office/powerpoint/2010/main">
+    <mc:Choice Requires="p14">
+      <p:transition spd="slow" p14:dur="1250">
+        <p14:flip dir="r"/>
+      </p:transition>
+    </mc:Choice>
+    <mc:Fallback xmlns="">
+      <p:transition spd="slow">
+        <p:fade/>
+      </p:transition>
+    </mc:Fallback>
+  </mc:AlternateContent>
+  <p:timing>
+    <p:tnLst>
+      <p:par>
+        <p:cTn id="1" dur="indefinite" restart="never" nodeType="tmRoot"/>
+      </p:par>
+    </p:tnLst>
+  </p:timing>
+</p:sld>
+</file>
+
+<file path=ppt/slides/slide5.xml><?xml version="1.0" encoding="utf-8"?>
+<p:sld xmlns:a="http://schemas.openxmlformats.org/drawingml/2006/main" xmlns:r="http://schemas.openxmlformats.org/officeDocument/2006/relationships" xmlns:p="http://schemas.openxmlformats.org/presentationml/2006/main">
+  <p:cSld>
+    <p:spTree>
+      <p:nvGrpSpPr>
+        <p:cNvPr id="1" name=""/>
+        <p:cNvGrpSpPr/>
+        <p:nvPr/>
+      </p:nvGrpSpPr>
+      <p:grpSpPr>
+        <a:xfrm>
+          <a:off x="0" y="0"/>
+          <a:ext cx="0" cy="0"/>
+          <a:chOff x="0" y="0"/>
+          <a:chExt cx="0" cy="0"/>
+        </a:xfrm>
+      </p:grpSpPr>
       <p:sp>
         <p:nvSpPr>
           <p:cNvPr id="5" name="任意多边形: 形状 4"/>
@@ -6011,7 +8804,371 @@
 </p:sld>
 </file>
 
-<file path=ppt/slides/slide5.xml><?xml version="1.0" encoding="utf-8"?>
+<file path=ppt/slides/slide6.xml><?xml version="1.0" encoding="utf-8"?>
+<p:sld xmlns:a="http://schemas.openxmlformats.org/drawingml/2006/main" xmlns:r="http://schemas.openxmlformats.org/officeDocument/2006/relationships" xmlns:p="http://schemas.openxmlformats.org/presentationml/2006/main">
+  <p:cSld>
+    <p:spTree>
+      <p:nvGrpSpPr>
+        <p:cNvPr id="1" name=""/>
+        <p:cNvGrpSpPr/>
+        <p:nvPr/>
+      </p:nvGrpSpPr>
+      <p:grpSpPr>
+        <a:xfrm>
+          <a:off x="0" y="0"/>
+          <a:ext cx="0" cy="0"/>
+          <a:chOff x="0" y="0"/>
+          <a:chExt cx="0" cy="0"/>
+        </a:xfrm>
+      </p:grpSpPr>
+      <p:grpSp>
+        <p:nvGrpSpPr>
+          <p:cNvPr id="32" name="组合 31"/>
+          <p:cNvGrpSpPr/>
+          <p:nvPr/>
+        </p:nvGrpSpPr>
+        <p:grpSpPr>
+          <a:xfrm>
+            <a:off x="346076" y="323047"/>
+            <a:ext cx="2073215" cy="548814"/>
+            <a:chOff x="384176" y="265897"/>
+            <a:chExt cx="2073215" cy="548814"/>
+          </a:xfrm>
+        </p:grpSpPr>
+        <p:grpSp>
+          <p:nvGrpSpPr>
+            <p:cNvPr id="16" name="组合 15"/>
+            <p:cNvGrpSpPr/>
+            <p:nvPr/>
+          </p:nvGrpSpPr>
+          <p:grpSpPr>
+            <a:xfrm>
+              <a:off x="384176" y="307549"/>
+              <a:ext cx="377371" cy="507162"/>
+              <a:chOff x="899886" y="361978"/>
+              <a:chExt cx="377371" cy="507162"/>
+            </a:xfrm>
+          </p:grpSpPr>
+          <p:sp>
+            <p:nvSpPr>
+              <p:cNvPr id="14" name="等腰三角形 13"/>
+              <p:cNvSpPr/>
+              <p:nvPr/>
+            </p:nvSpPr>
+            <p:spPr>
+              <a:xfrm>
+                <a:off x="899886" y="613178"/>
+                <a:ext cx="377371" cy="255962"/>
+              </a:xfrm>
+              <a:prstGeom prst="triangle">
+                <a:avLst/>
+              </a:prstGeom>
+              <a:solidFill>
+                <a:srgbClr val="526188"/>
+              </a:solidFill>
+              <a:ln>
+                <a:noFill/>
+              </a:ln>
+            </p:spPr>
+            <p:style>
+              <a:lnRef idx="2">
+                <a:schemeClr val="accent1">
+                  <a:shade val="50000"/>
+                </a:schemeClr>
+              </a:lnRef>
+              <a:fillRef idx="1">
+                <a:schemeClr val="accent1"/>
+              </a:fillRef>
+              <a:effectRef idx="0">
+                <a:schemeClr val="accent1"/>
+              </a:effectRef>
+              <a:fontRef idx="minor">
+                <a:schemeClr val="lt1"/>
+              </a:fontRef>
+            </p:style>
+            <p:txBody>
+              <a:bodyPr rtlCol="0" anchor="ctr"/>
+              <a:lstStyle/>
+              <a:p>
+                <a:pPr algn="ctr"/>
+                <a:endParaRPr lang="zh-CN" altLang="en-US"/>
+              </a:p>
+            </p:txBody>
+          </p:sp>
+          <p:sp>
+            <p:nvSpPr>
+              <p:cNvPr id="15" name="等腰三角形 14"/>
+              <p:cNvSpPr/>
+              <p:nvPr/>
+            </p:nvSpPr>
+            <p:spPr>
+              <a:xfrm rot="10800000">
+                <a:off x="899886" y="361978"/>
+                <a:ext cx="377371" cy="255962"/>
+              </a:xfrm>
+              <a:prstGeom prst="triangle">
+                <a:avLst/>
+              </a:prstGeom>
+              <a:solidFill>
+                <a:srgbClr val="E7C7A0"/>
+              </a:solidFill>
+              <a:ln>
+                <a:noFill/>
+              </a:ln>
+            </p:spPr>
+            <p:style>
+              <a:lnRef idx="2">
+                <a:schemeClr val="accent1">
+                  <a:shade val="50000"/>
+                </a:schemeClr>
+              </a:lnRef>
+              <a:fillRef idx="1">
+                <a:schemeClr val="accent1"/>
+              </a:fillRef>
+              <a:effectRef idx="0">
+                <a:schemeClr val="accent1"/>
+              </a:effectRef>
+              <a:fontRef idx="minor">
+                <a:schemeClr val="lt1"/>
+              </a:fontRef>
+            </p:style>
+            <p:txBody>
+              <a:bodyPr rtlCol="0" anchor="ctr"/>
+              <a:lstStyle/>
+              <a:p>
+                <a:pPr algn="ctr"/>
+                <a:endParaRPr lang="zh-CN" altLang="en-US"/>
+              </a:p>
+            </p:txBody>
+          </p:sp>
+        </p:grpSp>
+        <p:sp>
+          <p:nvSpPr>
+            <p:cNvPr id="29" name="文本框 28"/>
+            <p:cNvSpPr txBox="1"/>
+            <p:nvPr/>
+          </p:nvSpPr>
+          <p:spPr>
+            <a:xfrm>
+              <a:off x="825047" y="265897"/>
+              <a:ext cx="1632344" cy="400110"/>
+            </a:xfrm>
+            <a:prstGeom prst="rect">
+              <a:avLst/>
+            </a:prstGeom>
+            <a:noFill/>
+          </p:spPr>
+          <p:txBody>
+            <a:bodyPr wrap="square" rtlCol="0">
+              <a:spAutoFit/>
+            </a:bodyPr>
+            <a:lstStyle/>
+            <a:p>
+              <a:pPr algn="just"/>
+              <a:r>
+                <a:rPr lang="zh-TW" altLang="en-US" sz="2000" b="1" dirty="0" smtClean="0">
+                  <a:solidFill>
+                    <a:srgbClr val="526188"/>
+                  </a:solidFill>
+                  <a:latin typeface="微软雅黑" panose="020B0503020204020204" pitchFamily="34" charset="-122"/>
+                  <a:ea typeface="微软雅黑" panose="020B0503020204020204" pitchFamily="34" charset="-122"/>
+                  <a:cs typeface="文泉驿等宽微米黑" panose="020B0606030804020204" pitchFamily="34" charset="-122"/>
+                </a:rPr>
+                <a:t>網頁功能</a:t>
+              </a:r>
+              <a:endParaRPr lang="zh-CN" altLang="en-US" sz="2000" b="1" dirty="0">
+                <a:solidFill>
+                  <a:srgbClr val="526188"/>
+                </a:solidFill>
+                <a:latin typeface="微软雅黑" panose="020B0503020204020204" pitchFamily="34" charset="-122"/>
+                <a:ea typeface="微软雅黑" panose="020B0503020204020204" pitchFamily="34" charset="-122"/>
+                <a:cs typeface="文泉驿等宽微米黑" panose="020B0606030804020204" pitchFamily="34" charset="-122"/>
+              </a:endParaRPr>
+            </a:p>
+          </p:txBody>
+        </p:sp>
+      </p:grpSp>
+      <p:sp>
+        <p:nvSpPr>
+          <p:cNvPr id="12" name="任意多边形: 形状 11"/>
+          <p:cNvSpPr/>
+          <p:nvPr/>
+        </p:nvSpPr>
+        <p:spPr bwMode="auto">
+          <a:xfrm flipH="1">
+            <a:off x="0" y="5871029"/>
+            <a:ext cx="12192000" cy="1012232"/>
+          </a:xfrm>
+          <a:custGeom>
+            <a:avLst/>
+            <a:gdLst>
+              <a:gd name="connsiteX0" fmla="*/ 2457949 w 12192000"/>
+              <a:gd name="connsiteY0" fmla="*/ 0 h 1012232"/>
+              <a:gd name="connsiteX1" fmla="*/ 9057549 w 12192000"/>
+              <a:gd name="connsiteY1" fmla="*/ 610553 h 1012232"/>
+              <a:gd name="connsiteX2" fmla="*/ 12192000 w 12192000"/>
+              <a:gd name="connsiteY2" fmla="*/ 305277 h 1012232"/>
+              <a:gd name="connsiteX3" fmla="*/ 12192000 w 12192000"/>
+              <a:gd name="connsiteY3" fmla="*/ 1012232 h 1012232"/>
+              <a:gd name="connsiteX4" fmla="*/ 114300 w 12192000"/>
+              <a:gd name="connsiteY4" fmla="*/ 1012232 h 1012232"/>
+              <a:gd name="connsiteX5" fmla="*/ 0 w 12192000"/>
+              <a:gd name="connsiteY5" fmla="*/ 1012232 h 1012232"/>
+              <a:gd name="connsiteX6" fmla="*/ 0 w 12192000"/>
+              <a:gd name="connsiteY6" fmla="*/ 160434 h 1012232"/>
+              <a:gd name="connsiteX7" fmla="*/ 270087 w 12192000"/>
+              <a:gd name="connsiteY7" fmla="*/ 129128 h 1012232"/>
+              <a:gd name="connsiteX8" fmla="*/ 2457949 w 12192000"/>
+              <a:gd name="connsiteY8" fmla="*/ 0 h 1012232"/>
+            </a:gdLst>
+            <a:ahLst/>
+            <a:cxnLst>
+              <a:cxn ang="0">
+                <a:pos x="connsiteX0" y="connsiteY0"/>
+              </a:cxn>
+              <a:cxn ang="0">
+                <a:pos x="connsiteX1" y="connsiteY1"/>
+              </a:cxn>
+              <a:cxn ang="0">
+                <a:pos x="connsiteX2" y="connsiteY2"/>
+              </a:cxn>
+              <a:cxn ang="0">
+                <a:pos x="connsiteX3" y="connsiteY3"/>
+              </a:cxn>
+              <a:cxn ang="0">
+                <a:pos x="connsiteX4" y="connsiteY4"/>
+              </a:cxn>
+              <a:cxn ang="0">
+                <a:pos x="connsiteX5" y="connsiteY5"/>
+              </a:cxn>
+              <a:cxn ang="0">
+                <a:pos x="connsiteX6" y="connsiteY6"/>
+              </a:cxn>
+              <a:cxn ang="0">
+                <a:pos x="connsiteX7" y="connsiteY7"/>
+              </a:cxn>
+              <a:cxn ang="0">
+                <a:pos x="connsiteX8" y="connsiteY8"/>
+              </a:cxn>
+            </a:cxnLst>
+            <a:rect l="l" t="t" r="r" b="b"/>
+            <a:pathLst>
+              <a:path w="12192000" h="1012232">
+                <a:moveTo>
+                  <a:pt x="2457949" y="0"/>
+                </a:moveTo>
+                <a:cubicBezTo>
+                  <a:pt x="4506845" y="0"/>
+                  <a:pt x="7360920" y="610553"/>
+                  <a:pt x="9057549" y="610553"/>
+                </a:cubicBezTo>
+                <a:cubicBezTo>
+                  <a:pt x="10754179" y="610553"/>
+                  <a:pt x="12192000" y="305277"/>
+                  <a:pt x="12192000" y="305277"/>
+                </a:cubicBezTo>
+                <a:cubicBezTo>
+                  <a:pt x="12192000" y="1012232"/>
+                  <a:pt x="12192000" y="1012232"/>
+                  <a:pt x="12192000" y="1012232"/>
+                </a:cubicBezTo>
+                <a:cubicBezTo>
+                  <a:pt x="5290457" y="1012232"/>
+                  <a:pt x="1839686" y="1012232"/>
+                  <a:pt x="114300" y="1012232"/>
+                </a:cubicBezTo>
+                <a:lnTo>
+                  <a:pt x="0" y="1012232"/>
+                </a:lnTo>
+                <a:lnTo>
+                  <a:pt x="0" y="160434"/>
+                </a:lnTo>
+                <a:lnTo>
+                  <a:pt x="270087" y="129128"/>
+                </a:lnTo>
+                <a:cubicBezTo>
+                  <a:pt x="925321" y="57390"/>
+                  <a:pt x="1689613" y="0"/>
+                  <a:pt x="2457949" y="0"/>
+                </a:cubicBezTo>
+                <a:close/>
+              </a:path>
+            </a:pathLst>
+          </a:custGeom>
+          <a:solidFill>
+            <a:srgbClr val="526188"/>
+          </a:solidFill>
+          <a:ln>
+            <a:noFill/>
+          </a:ln>
+        </p:spPr>
+        <p:style>
+          <a:lnRef idx="2">
+            <a:schemeClr val="accent1">
+              <a:shade val="50000"/>
+            </a:schemeClr>
+          </a:lnRef>
+          <a:fillRef idx="1">
+            <a:schemeClr val="accent1"/>
+          </a:fillRef>
+          <a:effectRef idx="0">
+            <a:schemeClr val="accent1"/>
+          </a:effectRef>
+          <a:fontRef idx="minor">
+            <a:schemeClr val="lt1"/>
+          </a:fontRef>
+        </p:style>
+        <p:txBody>
+          <a:bodyPr rot="0" spcFirstLastPara="0" vertOverflow="overflow" horzOverflow="overflow" vert="horz" wrap="square" lIns="91440" tIns="45720" rIns="91440" bIns="45720" numCol="1" spcCol="0" rtlCol="0" fromWordArt="0" anchor="ctr" anchorCtr="0" forceAA="0" compatLnSpc="1">
+            <a:noAutofit/>
+          </a:bodyPr>
+          <a:lstStyle/>
+          <a:p>
+            <a:pPr algn="ctr"/>
+            <a:endParaRPr kumimoji="1" lang="zh-CN" altLang="en-US">
+              <a:solidFill>
+                <a:schemeClr val="lt1"/>
+              </a:solidFill>
+              <a:latin typeface="Arial" panose="020B0604020202020204" pitchFamily="34" charset="0"/>
+              <a:ea typeface="思源黑体 CN Normal" panose="020B0400000000000000" pitchFamily="34" charset="-122"/>
+              <a:sym typeface="Arial" panose="020B0604020202020204" pitchFamily="34" charset="0"/>
+            </a:endParaRPr>
+          </a:p>
+        </p:txBody>
+      </p:sp>
+    </p:spTree>
+    <p:extLst>
+      <p:ext uri="{BB962C8B-B14F-4D97-AF65-F5344CB8AC3E}">
+        <p14:creationId xmlns:p14="http://schemas.microsoft.com/office/powerpoint/2010/main" val="807537555"/>
+      </p:ext>
+    </p:extLst>
+  </p:cSld>
+  <p:clrMapOvr>
+    <a:masterClrMapping/>
+  </p:clrMapOvr>
+  <mc:AlternateContent xmlns:mc="http://schemas.openxmlformats.org/markup-compatibility/2006" xmlns:p14="http://schemas.microsoft.com/office/powerpoint/2010/main">
+    <mc:Choice Requires="p14">
+      <p:transition spd="slow" p14:dur="1250">
+        <p14:flip dir="r"/>
+      </p:transition>
+    </mc:Choice>
+    <mc:Fallback xmlns="">
+      <p:transition spd="slow">
+        <p:fade/>
+      </p:transition>
+    </mc:Fallback>
+  </mc:AlternateContent>
+  <p:timing>
+    <p:tnLst>
+      <p:par>
+        <p:cTn id="1" dur="indefinite" restart="never" nodeType="tmRoot"/>
+      </p:par>
+    </p:tnLst>
+  </p:timing>
+</p:sld>
+</file>
+
+<file path=ppt/slides/slide7.xml><?xml version="1.0" encoding="utf-8"?>
 <p:sld xmlns:a="http://schemas.openxmlformats.org/drawingml/2006/main" xmlns:r="http://schemas.openxmlformats.org/officeDocument/2006/relationships" xmlns:p="http://schemas.openxmlformats.org/presentationml/2006/main">
   <p:cSld>
     <p:spTree>
@@ -6414,7 +9571,371 @@
 </p:sld>
 </file>
 
-<file path=ppt/slides/slide6.xml><?xml version="1.0" encoding="utf-8"?>
+<file path=ppt/slides/slide8.xml><?xml version="1.0" encoding="utf-8"?>
+<p:sld xmlns:a="http://schemas.openxmlformats.org/drawingml/2006/main" xmlns:r="http://schemas.openxmlformats.org/officeDocument/2006/relationships" xmlns:p="http://schemas.openxmlformats.org/presentationml/2006/main">
+  <p:cSld>
+    <p:spTree>
+      <p:nvGrpSpPr>
+        <p:cNvPr id="1" name=""/>
+        <p:cNvGrpSpPr/>
+        <p:nvPr/>
+      </p:nvGrpSpPr>
+      <p:grpSpPr>
+        <a:xfrm>
+          <a:off x="0" y="0"/>
+          <a:ext cx="0" cy="0"/>
+          <a:chOff x="0" y="0"/>
+          <a:chExt cx="0" cy="0"/>
+        </a:xfrm>
+      </p:grpSpPr>
+      <p:grpSp>
+        <p:nvGrpSpPr>
+          <p:cNvPr id="32" name="组合 31"/>
+          <p:cNvGrpSpPr/>
+          <p:nvPr/>
+        </p:nvGrpSpPr>
+        <p:grpSpPr>
+          <a:xfrm>
+            <a:off x="346076" y="323047"/>
+            <a:ext cx="2073215" cy="548814"/>
+            <a:chOff x="384176" y="265897"/>
+            <a:chExt cx="2073215" cy="548814"/>
+          </a:xfrm>
+        </p:grpSpPr>
+        <p:grpSp>
+          <p:nvGrpSpPr>
+            <p:cNvPr id="16" name="组合 15"/>
+            <p:cNvGrpSpPr/>
+            <p:nvPr/>
+          </p:nvGrpSpPr>
+          <p:grpSpPr>
+            <a:xfrm>
+              <a:off x="384176" y="307549"/>
+              <a:ext cx="377371" cy="507162"/>
+              <a:chOff x="899886" y="361978"/>
+              <a:chExt cx="377371" cy="507162"/>
+            </a:xfrm>
+          </p:grpSpPr>
+          <p:sp>
+            <p:nvSpPr>
+              <p:cNvPr id="14" name="等腰三角形 13"/>
+              <p:cNvSpPr/>
+              <p:nvPr/>
+            </p:nvSpPr>
+            <p:spPr>
+              <a:xfrm>
+                <a:off x="899886" y="613178"/>
+                <a:ext cx="377371" cy="255962"/>
+              </a:xfrm>
+              <a:prstGeom prst="triangle">
+                <a:avLst/>
+              </a:prstGeom>
+              <a:solidFill>
+                <a:srgbClr val="526188"/>
+              </a:solidFill>
+              <a:ln>
+                <a:noFill/>
+              </a:ln>
+            </p:spPr>
+            <p:style>
+              <a:lnRef idx="2">
+                <a:schemeClr val="accent1">
+                  <a:shade val="50000"/>
+                </a:schemeClr>
+              </a:lnRef>
+              <a:fillRef idx="1">
+                <a:schemeClr val="accent1"/>
+              </a:fillRef>
+              <a:effectRef idx="0">
+                <a:schemeClr val="accent1"/>
+              </a:effectRef>
+              <a:fontRef idx="minor">
+                <a:schemeClr val="lt1"/>
+              </a:fontRef>
+            </p:style>
+            <p:txBody>
+              <a:bodyPr rtlCol="0" anchor="ctr"/>
+              <a:lstStyle/>
+              <a:p>
+                <a:pPr algn="ctr"/>
+                <a:endParaRPr lang="zh-CN" altLang="en-US"/>
+              </a:p>
+            </p:txBody>
+          </p:sp>
+          <p:sp>
+            <p:nvSpPr>
+              <p:cNvPr id="15" name="等腰三角形 14"/>
+              <p:cNvSpPr/>
+              <p:nvPr/>
+            </p:nvSpPr>
+            <p:spPr>
+              <a:xfrm rot="10800000">
+                <a:off x="899886" y="361978"/>
+                <a:ext cx="377371" cy="255962"/>
+              </a:xfrm>
+              <a:prstGeom prst="triangle">
+                <a:avLst/>
+              </a:prstGeom>
+              <a:solidFill>
+                <a:srgbClr val="E7C7A0"/>
+              </a:solidFill>
+              <a:ln>
+                <a:noFill/>
+              </a:ln>
+            </p:spPr>
+            <p:style>
+              <a:lnRef idx="2">
+                <a:schemeClr val="accent1">
+                  <a:shade val="50000"/>
+                </a:schemeClr>
+              </a:lnRef>
+              <a:fillRef idx="1">
+                <a:schemeClr val="accent1"/>
+              </a:fillRef>
+              <a:effectRef idx="0">
+                <a:schemeClr val="accent1"/>
+              </a:effectRef>
+              <a:fontRef idx="minor">
+                <a:schemeClr val="lt1"/>
+              </a:fontRef>
+            </p:style>
+            <p:txBody>
+              <a:bodyPr rtlCol="0" anchor="ctr"/>
+              <a:lstStyle/>
+              <a:p>
+                <a:pPr algn="ctr"/>
+                <a:endParaRPr lang="zh-CN" altLang="en-US"/>
+              </a:p>
+            </p:txBody>
+          </p:sp>
+        </p:grpSp>
+        <p:sp>
+          <p:nvSpPr>
+            <p:cNvPr id="29" name="文本框 28"/>
+            <p:cNvSpPr txBox="1"/>
+            <p:nvPr/>
+          </p:nvSpPr>
+          <p:spPr>
+            <a:xfrm>
+              <a:off x="825047" y="265897"/>
+              <a:ext cx="1632344" cy="400110"/>
+            </a:xfrm>
+            <a:prstGeom prst="rect">
+              <a:avLst/>
+            </a:prstGeom>
+            <a:noFill/>
+          </p:spPr>
+          <p:txBody>
+            <a:bodyPr wrap="square" rtlCol="0">
+              <a:spAutoFit/>
+            </a:bodyPr>
+            <a:lstStyle/>
+            <a:p>
+              <a:pPr algn="just"/>
+              <a:r>
+                <a:rPr lang="zh-TW" altLang="en-US" sz="2000" b="1" dirty="0" smtClean="0">
+                  <a:solidFill>
+                    <a:srgbClr val="526188"/>
+                  </a:solidFill>
+                  <a:latin typeface="微软雅黑" panose="020B0503020204020204" pitchFamily="34" charset="-122"/>
+                  <a:ea typeface="微软雅黑" panose="020B0503020204020204" pitchFamily="34" charset="-122"/>
+                  <a:cs typeface="文泉驿等宽微米黑" panose="020B0606030804020204" pitchFamily="34" charset="-122"/>
+                </a:rPr>
+                <a:t>功能介紹</a:t>
+              </a:r>
+              <a:endParaRPr lang="zh-CN" altLang="en-US" sz="2000" b="1" dirty="0">
+                <a:solidFill>
+                  <a:srgbClr val="526188"/>
+                </a:solidFill>
+                <a:latin typeface="微软雅黑" panose="020B0503020204020204" pitchFamily="34" charset="-122"/>
+                <a:ea typeface="微软雅黑" panose="020B0503020204020204" pitchFamily="34" charset="-122"/>
+                <a:cs typeface="文泉驿等宽微米黑" panose="020B0606030804020204" pitchFamily="34" charset="-122"/>
+              </a:endParaRPr>
+            </a:p>
+          </p:txBody>
+        </p:sp>
+      </p:grpSp>
+      <p:sp>
+        <p:nvSpPr>
+          <p:cNvPr id="12" name="任意多边形: 形状 11"/>
+          <p:cNvSpPr/>
+          <p:nvPr/>
+        </p:nvSpPr>
+        <p:spPr bwMode="auto">
+          <a:xfrm flipH="1">
+            <a:off x="0" y="5871029"/>
+            <a:ext cx="12192000" cy="1012232"/>
+          </a:xfrm>
+          <a:custGeom>
+            <a:avLst/>
+            <a:gdLst>
+              <a:gd name="connsiteX0" fmla="*/ 2457949 w 12192000"/>
+              <a:gd name="connsiteY0" fmla="*/ 0 h 1012232"/>
+              <a:gd name="connsiteX1" fmla="*/ 9057549 w 12192000"/>
+              <a:gd name="connsiteY1" fmla="*/ 610553 h 1012232"/>
+              <a:gd name="connsiteX2" fmla="*/ 12192000 w 12192000"/>
+              <a:gd name="connsiteY2" fmla="*/ 305277 h 1012232"/>
+              <a:gd name="connsiteX3" fmla="*/ 12192000 w 12192000"/>
+              <a:gd name="connsiteY3" fmla="*/ 1012232 h 1012232"/>
+              <a:gd name="connsiteX4" fmla="*/ 114300 w 12192000"/>
+              <a:gd name="connsiteY4" fmla="*/ 1012232 h 1012232"/>
+              <a:gd name="connsiteX5" fmla="*/ 0 w 12192000"/>
+              <a:gd name="connsiteY5" fmla="*/ 1012232 h 1012232"/>
+              <a:gd name="connsiteX6" fmla="*/ 0 w 12192000"/>
+              <a:gd name="connsiteY6" fmla="*/ 160434 h 1012232"/>
+              <a:gd name="connsiteX7" fmla="*/ 270087 w 12192000"/>
+              <a:gd name="connsiteY7" fmla="*/ 129128 h 1012232"/>
+              <a:gd name="connsiteX8" fmla="*/ 2457949 w 12192000"/>
+              <a:gd name="connsiteY8" fmla="*/ 0 h 1012232"/>
+            </a:gdLst>
+            <a:ahLst/>
+            <a:cxnLst>
+              <a:cxn ang="0">
+                <a:pos x="connsiteX0" y="connsiteY0"/>
+              </a:cxn>
+              <a:cxn ang="0">
+                <a:pos x="connsiteX1" y="connsiteY1"/>
+              </a:cxn>
+              <a:cxn ang="0">
+                <a:pos x="connsiteX2" y="connsiteY2"/>
+              </a:cxn>
+              <a:cxn ang="0">
+                <a:pos x="connsiteX3" y="connsiteY3"/>
+              </a:cxn>
+              <a:cxn ang="0">
+                <a:pos x="connsiteX4" y="connsiteY4"/>
+              </a:cxn>
+              <a:cxn ang="0">
+                <a:pos x="connsiteX5" y="connsiteY5"/>
+              </a:cxn>
+              <a:cxn ang="0">
+                <a:pos x="connsiteX6" y="connsiteY6"/>
+              </a:cxn>
+              <a:cxn ang="0">
+                <a:pos x="connsiteX7" y="connsiteY7"/>
+              </a:cxn>
+              <a:cxn ang="0">
+                <a:pos x="connsiteX8" y="connsiteY8"/>
+              </a:cxn>
+            </a:cxnLst>
+            <a:rect l="l" t="t" r="r" b="b"/>
+            <a:pathLst>
+              <a:path w="12192000" h="1012232">
+                <a:moveTo>
+                  <a:pt x="2457949" y="0"/>
+                </a:moveTo>
+                <a:cubicBezTo>
+                  <a:pt x="4506845" y="0"/>
+                  <a:pt x="7360920" y="610553"/>
+                  <a:pt x="9057549" y="610553"/>
+                </a:cubicBezTo>
+                <a:cubicBezTo>
+                  <a:pt x="10754179" y="610553"/>
+                  <a:pt x="12192000" y="305277"/>
+                  <a:pt x="12192000" y="305277"/>
+                </a:cubicBezTo>
+                <a:cubicBezTo>
+                  <a:pt x="12192000" y="1012232"/>
+                  <a:pt x="12192000" y="1012232"/>
+                  <a:pt x="12192000" y="1012232"/>
+                </a:cubicBezTo>
+                <a:cubicBezTo>
+                  <a:pt x="5290457" y="1012232"/>
+                  <a:pt x="1839686" y="1012232"/>
+                  <a:pt x="114300" y="1012232"/>
+                </a:cubicBezTo>
+                <a:lnTo>
+                  <a:pt x="0" y="1012232"/>
+                </a:lnTo>
+                <a:lnTo>
+                  <a:pt x="0" y="160434"/>
+                </a:lnTo>
+                <a:lnTo>
+                  <a:pt x="270087" y="129128"/>
+                </a:lnTo>
+                <a:cubicBezTo>
+                  <a:pt x="925321" y="57390"/>
+                  <a:pt x="1689613" y="0"/>
+                  <a:pt x="2457949" y="0"/>
+                </a:cubicBezTo>
+                <a:close/>
+              </a:path>
+            </a:pathLst>
+          </a:custGeom>
+          <a:solidFill>
+            <a:srgbClr val="526188"/>
+          </a:solidFill>
+          <a:ln>
+            <a:noFill/>
+          </a:ln>
+        </p:spPr>
+        <p:style>
+          <a:lnRef idx="2">
+            <a:schemeClr val="accent1">
+              <a:shade val="50000"/>
+            </a:schemeClr>
+          </a:lnRef>
+          <a:fillRef idx="1">
+            <a:schemeClr val="accent1"/>
+          </a:fillRef>
+          <a:effectRef idx="0">
+            <a:schemeClr val="accent1"/>
+          </a:effectRef>
+          <a:fontRef idx="minor">
+            <a:schemeClr val="lt1"/>
+          </a:fontRef>
+        </p:style>
+        <p:txBody>
+          <a:bodyPr rot="0" spcFirstLastPara="0" vertOverflow="overflow" horzOverflow="overflow" vert="horz" wrap="square" lIns="91440" tIns="45720" rIns="91440" bIns="45720" numCol="1" spcCol="0" rtlCol="0" fromWordArt="0" anchor="ctr" anchorCtr="0" forceAA="0" compatLnSpc="1">
+            <a:noAutofit/>
+          </a:bodyPr>
+          <a:lstStyle/>
+          <a:p>
+            <a:pPr algn="ctr"/>
+            <a:endParaRPr kumimoji="1" lang="zh-CN" altLang="en-US">
+              <a:solidFill>
+                <a:schemeClr val="lt1"/>
+              </a:solidFill>
+              <a:latin typeface="Arial" panose="020B0604020202020204" pitchFamily="34" charset="0"/>
+              <a:ea typeface="思源黑体 CN Normal" panose="020B0400000000000000" pitchFamily="34" charset="-122"/>
+              <a:sym typeface="Arial" panose="020B0604020202020204" pitchFamily="34" charset="0"/>
+            </a:endParaRPr>
+          </a:p>
+        </p:txBody>
+      </p:sp>
+    </p:spTree>
+    <p:extLst>
+      <p:ext uri="{BB962C8B-B14F-4D97-AF65-F5344CB8AC3E}">
+        <p14:creationId xmlns:p14="http://schemas.microsoft.com/office/powerpoint/2010/main" val="834163654"/>
+      </p:ext>
+    </p:extLst>
+  </p:cSld>
+  <p:clrMapOvr>
+    <a:masterClrMapping/>
+  </p:clrMapOvr>
+  <mc:AlternateContent xmlns:mc="http://schemas.openxmlformats.org/markup-compatibility/2006" xmlns:p14="http://schemas.microsoft.com/office/powerpoint/2010/main">
+    <mc:Choice Requires="p14">
+      <p:transition spd="slow" p14:dur="1250">
+        <p14:flip dir="r"/>
+      </p:transition>
+    </mc:Choice>
+    <mc:Fallback xmlns="">
+      <p:transition spd="slow">
+        <p:fade/>
+      </p:transition>
+    </mc:Fallback>
+  </mc:AlternateContent>
+  <p:timing>
+    <p:tnLst>
+      <p:par>
+        <p:cTn id="1" dur="indefinite" restart="never" nodeType="tmRoot"/>
+      </p:par>
+    </p:tnLst>
+  </p:timing>
+</p:sld>
+</file>
+
+<file path=ppt/slides/slide9.xml><?xml version="1.0" encoding="utf-8"?>
 <p:sld xmlns:a="http://schemas.openxmlformats.org/drawingml/2006/main" xmlns:r="http://schemas.openxmlformats.org/officeDocument/2006/relationships" xmlns:p="http://schemas.openxmlformats.org/presentationml/2006/main">
   <p:cSld>
     <p:spTree>
@@ -6791,822 +10312,6 @@
         </p:txBody>
       </p:sp>
     </p:spTree>
-  </p:cSld>
-  <p:clrMapOvr>
-    <a:masterClrMapping/>
-  </p:clrMapOvr>
-  <mc:AlternateContent xmlns:mc="http://schemas.openxmlformats.org/markup-compatibility/2006" xmlns:p14="http://schemas.microsoft.com/office/powerpoint/2010/main">
-    <mc:Choice Requires="p14">
-      <p:transition spd="slow" p14:dur="1500">
-        <p:blinds dir="vert"/>
-      </p:transition>
-    </mc:Choice>
-    <mc:Fallback xmlns="">
-      <p:transition spd="slow">
-        <p:blinds dir="vert"/>
-      </p:transition>
-    </mc:Fallback>
-  </mc:AlternateContent>
-  <p:timing>
-    <p:tnLst>
-      <p:par>
-        <p:cTn id="1" dur="indefinite" restart="never" nodeType="tmRoot"/>
-      </p:par>
-    </p:tnLst>
-  </p:timing>
-</p:sld>
-</file>
-
-<file path=ppt/slides/slide7.xml><?xml version="1.0" encoding="utf-8"?>
-<p:sld xmlns:a="http://schemas.openxmlformats.org/drawingml/2006/main" xmlns:r="http://schemas.openxmlformats.org/officeDocument/2006/relationships" xmlns:p="http://schemas.openxmlformats.org/presentationml/2006/main">
-  <p:cSld>
-    <p:spTree>
-      <p:nvGrpSpPr>
-        <p:cNvPr id="1" name=""/>
-        <p:cNvGrpSpPr/>
-        <p:nvPr/>
-      </p:nvGrpSpPr>
-      <p:grpSpPr>
-        <a:xfrm>
-          <a:off x="0" y="0"/>
-          <a:ext cx="0" cy="0"/>
-          <a:chOff x="0" y="0"/>
-          <a:chExt cx="0" cy="0"/>
-        </a:xfrm>
-      </p:grpSpPr>
-      <p:sp>
-        <p:nvSpPr>
-          <p:cNvPr id="5" name="任意多边形: 形状 4"/>
-          <p:cNvSpPr/>
-          <p:nvPr/>
-        </p:nvSpPr>
-        <p:spPr bwMode="auto">
-          <a:xfrm flipH="1">
-            <a:off x="0" y="5871029"/>
-            <a:ext cx="12192000" cy="1012232"/>
-          </a:xfrm>
-          <a:custGeom>
-            <a:avLst/>
-            <a:gdLst>
-              <a:gd name="connsiteX0" fmla="*/ 2457949 w 12192000"/>
-              <a:gd name="connsiteY0" fmla="*/ 0 h 1012232"/>
-              <a:gd name="connsiteX1" fmla="*/ 9057549 w 12192000"/>
-              <a:gd name="connsiteY1" fmla="*/ 610553 h 1012232"/>
-              <a:gd name="connsiteX2" fmla="*/ 12192000 w 12192000"/>
-              <a:gd name="connsiteY2" fmla="*/ 305277 h 1012232"/>
-              <a:gd name="connsiteX3" fmla="*/ 12192000 w 12192000"/>
-              <a:gd name="connsiteY3" fmla="*/ 1012232 h 1012232"/>
-              <a:gd name="connsiteX4" fmla="*/ 114300 w 12192000"/>
-              <a:gd name="connsiteY4" fmla="*/ 1012232 h 1012232"/>
-              <a:gd name="connsiteX5" fmla="*/ 0 w 12192000"/>
-              <a:gd name="connsiteY5" fmla="*/ 1012232 h 1012232"/>
-              <a:gd name="connsiteX6" fmla="*/ 0 w 12192000"/>
-              <a:gd name="connsiteY6" fmla="*/ 160434 h 1012232"/>
-              <a:gd name="connsiteX7" fmla="*/ 270087 w 12192000"/>
-              <a:gd name="connsiteY7" fmla="*/ 129128 h 1012232"/>
-              <a:gd name="connsiteX8" fmla="*/ 2457949 w 12192000"/>
-              <a:gd name="connsiteY8" fmla="*/ 0 h 1012232"/>
-            </a:gdLst>
-            <a:ahLst/>
-            <a:cxnLst>
-              <a:cxn ang="0">
-                <a:pos x="connsiteX0" y="connsiteY0"/>
-              </a:cxn>
-              <a:cxn ang="0">
-                <a:pos x="connsiteX1" y="connsiteY1"/>
-              </a:cxn>
-              <a:cxn ang="0">
-                <a:pos x="connsiteX2" y="connsiteY2"/>
-              </a:cxn>
-              <a:cxn ang="0">
-                <a:pos x="connsiteX3" y="connsiteY3"/>
-              </a:cxn>
-              <a:cxn ang="0">
-                <a:pos x="connsiteX4" y="connsiteY4"/>
-              </a:cxn>
-              <a:cxn ang="0">
-                <a:pos x="connsiteX5" y="connsiteY5"/>
-              </a:cxn>
-              <a:cxn ang="0">
-                <a:pos x="connsiteX6" y="connsiteY6"/>
-              </a:cxn>
-              <a:cxn ang="0">
-                <a:pos x="connsiteX7" y="connsiteY7"/>
-              </a:cxn>
-              <a:cxn ang="0">
-                <a:pos x="connsiteX8" y="connsiteY8"/>
-              </a:cxn>
-            </a:cxnLst>
-            <a:rect l="l" t="t" r="r" b="b"/>
-            <a:pathLst>
-              <a:path w="12192000" h="1012232">
-                <a:moveTo>
-                  <a:pt x="2457949" y="0"/>
-                </a:moveTo>
-                <a:cubicBezTo>
-                  <a:pt x="4506845" y="0"/>
-                  <a:pt x="7360920" y="610553"/>
-                  <a:pt x="9057549" y="610553"/>
-                </a:cubicBezTo>
-                <a:cubicBezTo>
-                  <a:pt x="10754179" y="610553"/>
-                  <a:pt x="12192000" y="305277"/>
-                  <a:pt x="12192000" y="305277"/>
-                </a:cubicBezTo>
-                <a:cubicBezTo>
-                  <a:pt x="12192000" y="1012232"/>
-                  <a:pt x="12192000" y="1012232"/>
-                  <a:pt x="12192000" y="1012232"/>
-                </a:cubicBezTo>
-                <a:cubicBezTo>
-                  <a:pt x="5290457" y="1012232"/>
-                  <a:pt x="1839686" y="1012232"/>
-                  <a:pt x="114300" y="1012232"/>
-                </a:cubicBezTo>
-                <a:lnTo>
-                  <a:pt x="0" y="1012232"/>
-                </a:lnTo>
-                <a:lnTo>
-                  <a:pt x="0" y="160434"/>
-                </a:lnTo>
-                <a:lnTo>
-                  <a:pt x="270087" y="129128"/>
-                </a:lnTo>
-                <a:cubicBezTo>
-                  <a:pt x="925321" y="57390"/>
-                  <a:pt x="1689613" y="0"/>
-                  <a:pt x="2457949" y="0"/>
-                </a:cubicBezTo>
-                <a:close/>
-              </a:path>
-            </a:pathLst>
-          </a:custGeom>
-          <a:solidFill>
-            <a:srgbClr val="526188"/>
-          </a:solidFill>
-          <a:ln>
-            <a:noFill/>
-          </a:ln>
-        </p:spPr>
-        <p:style>
-          <a:lnRef idx="2">
-            <a:schemeClr val="accent1">
-              <a:shade val="50000"/>
-            </a:schemeClr>
-          </a:lnRef>
-          <a:fillRef idx="1">
-            <a:schemeClr val="accent1"/>
-          </a:fillRef>
-          <a:effectRef idx="0">
-            <a:schemeClr val="accent1"/>
-          </a:effectRef>
-          <a:fontRef idx="minor">
-            <a:schemeClr val="lt1"/>
-          </a:fontRef>
-        </p:style>
-        <p:txBody>
-          <a:bodyPr rot="0" spcFirstLastPara="0" vertOverflow="overflow" horzOverflow="overflow" vert="horz" wrap="square" lIns="91440" tIns="45720" rIns="91440" bIns="45720" numCol="1" spcCol="0" rtlCol="0" fromWordArt="0" anchor="ctr" anchorCtr="0" forceAA="0" compatLnSpc="1">
-            <a:noAutofit/>
-          </a:bodyPr>
-          <a:lstStyle/>
-          <a:p>
-            <a:pPr algn="ctr"/>
-            <a:endParaRPr kumimoji="1" lang="zh-CN" altLang="en-US">
-              <a:solidFill>
-                <a:schemeClr val="lt1"/>
-              </a:solidFill>
-              <a:latin typeface="Arial" panose="020B0604020202020204" pitchFamily="34" charset="0"/>
-              <a:ea typeface="思源黑体 CN Normal" panose="020B0400000000000000" pitchFamily="34" charset="-122"/>
-              <a:sym typeface="Arial" panose="020B0604020202020204" pitchFamily="34" charset="0"/>
-            </a:endParaRPr>
-          </a:p>
-        </p:txBody>
-      </p:sp>
-      <p:grpSp>
-        <p:nvGrpSpPr>
-          <p:cNvPr id="6" name="组合 5"/>
-          <p:cNvGrpSpPr/>
-          <p:nvPr/>
-        </p:nvGrpSpPr>
-        <p:grpSpPr>
-          <a:xfrm>
-            <a:off x="574686" y="530846"/>
-            <a:ext cx="5376171" cy="5485135"/>
-            <a:chOff x="6698566" y="879190"/>
-            <a:chExt cx="5376171" cy="5485135"/>
-          </a:xfrm>
-        </p:grpSpPr>
-        <p:pic>
-          <p:nvPicPr>
-            <p:cNvPr id="7" name="图片 6"/>
-            <p:cNvPicPr>
-              <a:picLocks noChangeAspect="1"/>
-            </p:cNvPicPr>
-            <p:nvPr/>
-          </p:nvPicPr>
-          <p:blipFill>
-            <a:blip r:embed="rId2"/>
-            <a:stretch>
-              <a:fillRect/>
-            </a:stretch>
-          </p:blipFill>
-          <p:spPr>
-            <a:xfrm>
-              <a:off x="8811925" y="5470844"/>
-              <a:ext cx="573074" cy="652329"/>
-            </a:xfrm>
-            <a:prstGeom prst="rect">
-              <a:avLst/>
-            </a:prstGeom>
-          </p:spPr>
-        </p:pic>
-        <p:pic>
-          <p:nvPicPr>
-            <p:cNvPr id="8" name="图片 7"/>
-            <p:cNvPicPr>
-              <a:picLocks noChangeAspect="1"/>
-            </p:cNvPicPr>
-            <p:nvPr/>
-          </p:nvPicPr>
-          <p:blipFill>
-            <a:blip r:embed="rId3"/>
-            <a:stretch>
-              <a:fillRect/>
-            </a:stretch>
-          </p:blipFill>
-          <p:spPr>
-            <a:xfrm>
-              <a:off x="7483297" y="4565510"/>
-              <a:ext cx="1438781" cy="1231499"/>
-            </a:xfrm>
-            <a:prstGeom prst="rect">
-              <a:avLst/>
-            </a:prstGeom>
-          </p:spPr>
-        </p:pic>
-        <p:pic>
-          <p:nvPicPr>
-            <p:cNvPr id="9" name="图片 8"/>
-            <p:cNvPicPr>
-              <a:picLocks noChangeAspect="1"/>
-            </p:cNvPicPr>
-            <p:nvPr/>
-          </p:nvPicPr>
-          <p:blipFill>
-            <a:blip r:embed="rId4"/>
-            <a:stretch>
-              <a:fillRect/>
-            </a:stretch>
-          </p:blipFill>
-          <p:spPr>
-            <a:xfrm>
-              <a:off x="6698566" y="879190"/>
-              <a:ext cx="3828620" cy="3298222"/>
-            </a:xfrm>
-            <a:prstGeom prst="rect">
-              <a:avLst/>
-            </a:prstGeom>
-          </p:spPr>
-        </p:pic>
-        <p:pic>
-          <p:nvPicPr>
-            <p:cNvPr id="10" name="图片 9"/>
-            <p:cNvPicPr>
-              <a:picLocks noChangeAspect="1"/>
-            </p:cNvPicPr>
-            <p:nvPr/>
-          </p:nvPicPr>
-          <p:blipFill>
-            <a:blip r:embed="rId5">
-              <a:duotone>
-                <a:prstClr val="black"/>
-                <a:srgbClr val="D9C3A5">
-                  <a:tint val="50000"/>
-                  <a:satMod val="180000"/>
-                </a:srgbClr>
-              </a:duotone>
-            </a:blip>
-            <a:stretch>
-              <a:fillRect/>
-            </a:stretch>
-          </p:blipFill>
-          <p:spPr>
-            <a:xfrm>
-              <a:off x="8574362" y="1163521"/>
-              <a:ext cx="2962913" cy="2091109"/>
-            </a:xfrm>
-            <a:prstGeom prst="rect">
-              <a:avLst/>
-            </a:prstGeom>
-          </p:spPr>
-        </p:pic>
-        <p:pic>
-          <p:nvPicPr>
-            <p:cNvPr id="11" name="图片 10"/>
-            <p:cNvPicPr>
-              <a:picLocks noChangeAspect="1"/>
-            </p:cNvPicPr>
-            <p:nvPr/>
-          </p:nvPicPr>
-          <p:blipFill>
-            <a:blip r:embed="rId6"/>
-            <a:stretch>
-              <a:fillRect/>
-            </a:stretch>
-          </p:blipFill>
-          <p:spPr>
-            <a:xfrm>
-              <a:off x="8520461" y="3297771"/>
-              <a:ext cx="3554276" cy="3066554"/>
-            </a:xfrm>
-            <a:prstGeom prst="rect">
-              <a:avLst/>
-            </a:prstGeom>
-          </p:spPr>
-        </p:pic>
-      </p:grpSp>
-      <p:sp>
-        <p:nvSpPr>
-          <p:cNvPr id="12" name="文本框 11"/>
-          <p:cNvSpPr txBox="1"/>
-          <p:nvPr/>
-        </p:nvSpPr>
-        <p:spPr>
-          <a:xfrm>
-            <a:off x="6493184" y="2321004"/>
-            <a:ext cx="5058736" cy="2123658"/>
-          </a:xfrm>
-          <a:prstGeom prst="rect">
-            <a:avLst/>
-          </a:prstGeom>
-          <a:noFill/>
-          <a:ln>
-            <a:noFill/>
-          </a:ln>
-          <a:effectLst/>
-          <a:scene3d>
-            <a:camera prst="orthographicFront">
-              <a:rot lat="0" lon="0" rev="0"/>
-            </a:camera>
-            <a:lightRig rig="contrasting" dir="t">
-              <a:rot lat="0" lon="0" rev="7800000"/>
-            </a:lightRig>
-          </a:scene3d>
-          <a:sp3d>
-            <a:bevelT w="139700" h="139700"/>
-          </a:sp3d>
-        </p:spPr>
-        <p:txBody>
-          <a:bodyPr wrap="square" rtlCol="0">
-            <a:spAutoFit/>
-          </a:bodyPr>
-          <a:lstStyle/>
-          <a:p>
-            <a:pPr algn="just"/>
-            <a:r>
-              <a:rPr lang="zh-TW" altLang="en-US" sz="6600" dirty="0" smtClean="0">
-                <a:effectLst>
-                  <a:outerShdw blurRad="50800" dist="38100" dir="5400000" algn="t" rotWithShape="0">
-                    <a:prstClr val="black">
-                      <a:alpha val="40000"/>
-                    </a:prstClr>
-                  </a:outerShdw>
-                </a:effectLst>
-                <a:latin typeface="微软雅黑" panose="020B0503020204020204" pitchFamily="34" charset="-122"/>
-                <a:ea typeface="微软雅黑" panose="020B0503020204020204" pitchFamily="34" charset="-122"/>
-                <a:cs typeface="文泉驿等宽微米黑" panose="020B0606030804020204" pitchFamily="34" charset="-122"/>
-              </a:rPr>
-              <a:t>遇到最困難的地方</a:t>
-            </a:r>
-            <a:endParaRPr lang="zh-CN" altLang="en-US" sz="6600" dirty="0">
-              <a:effectLst>
-                <a:outerShdw blurRad="50800" dist="38100" dir="5400000" algn="t" rotWithShape="0">
-                  <a:prstClr val="black">
-                    <a:alpha val="40000"/>
-                  </a:prstClr>
-                </a:outerShdw>
-              </a:effectLst>
-              <a:latin typeface="微软雅黑" panose="020B0503020204020204" pitchFamily="34" charset="-122"/>
-              <a:ea typeface="微软雅黑" panose="020B0503020204020204" pitchFamily="34" charset="-122"/>
-              <a:cs typeface="文泉驿等宽微米黑" panose="020B0606030804020204" pitchFamily="34" charset="-122"/>
-            </a:endParaRPr>
-          </a:p>
-        </p:txBody>
-      </p:sp>
-    </p:spTree>
-    <p:extLst>
-      <p:ext uri="{BB962C8B-B14F-4D97-AF65-F5344CB8AC3E}">
-        <p14:creationId xmlns:p14="http://schemas.microsoft.com/office/powerpoint/2010/main" val="140848786"/>
-      </p:ext>
-    </p:extLst>
-  </p:cSld>
-  <p:clrMapOvr>
-    <a:masterClrMapping/>
-  </p:clrMapOvr>
-  <mc:AlternateContent xmlns:mc="http://schemas.openxmlformats.org/markup-compatibility/2006" xmlns:p14="http://schemas.microsoft.com/office/powerpoint/2010/main">
-    <mc:Choice Requires="p14">
-      <p:transition spd="slow" p14:dur="1500">
-        <p:blinds dir="vert"/>
-      </p:transition>
-    </mc:Choice>
-    <mc:Fallback xmlns="">
-      <p:transition spd="slow">
-        <p:blinds dir="vert"/>
-      </p:transition>
-    </mc:Fallback>
-  </mc:AlternateContent>
-  <p:timing>
-    <p:tnLst>
-      <p:par>
-        <p:cTn id="1" dur="indefinite" restart="never" nodeType="tmRoot"/>
-      </p:par>
-    </p:tnLst>
-  </p:timing>
-</p:sld>
-</file>
-
-<file path=ppt/slides/slide8.xml><?xml version="1.0" encoding="utf-8"?>
-<p:sld xmlns:a="http://schemas.openxmlformats.org/drawingml/2006/main" xmlns:r="http://schemas.openxmlformats.org/officeDocument/2006/relationships" xmlns:p="http://schemas.openxmlformats.org/presentationml/2006/main">
-  <p:cSld>
-    <p:spTree>
-      <p:nvGrpSpPr>
-        <p:cNvPr id="1" name=""/>
-        <p:cNvGrpSpPr/>
-        <p:nvPr/>
-      </p:nvGrpSpPr>
-      <p:grpSpPr>
-        <a:xfrm>
-          <a:off x="0" y="0"/>
-          <a:ext cx="0" cy="0"/>
-          <a:chOff x="0" y="0"/>
-          <a:chExt cx="0" cy="0"/>
-        </a:xfrm>
-      </p:grpSpPr>
-      <p:sp>
-        <p:nvSpPr>
-          <p:cNvPr id="5" name="任意多边形: 形状 4"/>
-          <p:cNvSpPr/>
-          <p:nvPr/>
-        </p:nvSpPr>
-        <p:spPr bwMode="auto">
-          <a:xfrm flipH="1">
-            <a:off x="0" y="5871029"/>
-            <a:ext cx="12192000" cy="1012232"/>
-          </a:xfrm>
-          <a:custGeom>
-            <a:avLst/>
-            <a:gdLst>
-              <a:gd name="connsiteX0" fmla="*/ 2457949 w 12192000"/>
-              <a:gd name="connsiteY0" fmla="*/ 0 h 1012232"/>
-              <a:gd name="connsiteX1" fmla="*/ 9057549 w 12192000"/>
-              <a:gd name="connsiteY1" fmla="*/ 610553 h 1012232"/>
-              <a:gd name="connsiteX2" fmla="*/ 12192000 w 12192000"/>
-              <a:gd name="connsiteY2" fmla="*/ 305277 h 1012232"/>
-              <a:gd name="connsiteX3" fmla="*/ 12192000 w 12192000"/>
-              <a:gd name="connsiteY3" fmla="*/ 1012232 h 1012232"/>
-              <a:gd name="connsiteX4" fmla="*/ 114300 w 12192000"/>
-              <a:gd name="connsiteY4" fmla="*/ 1012232 h 1012232"/>
-              <a:gd name="connsiteX5" fmla="*/ 0 w 12192000"/>
-              <a:gd name="connsiteY5" fmla="*/ 1012232 h 1012232"/>
-              <a:gd name="connsiteX6" fmla="*/ 0 w 12192000"/>
-              <a:gd name="connsiteY6" fmla="*/ 160434 h 1012232"/>
-              <a:gd name="connsiteX7" fmla="*/ 270087 w 12192000"/>
-              <a:gd name="connsiteY7" fmla="*/ 129128 h 1012232"/>
-              <a:gd name="connsiteX8" fmla="*/ 2457949 w 12192000"/>
-              <a:gd name="connsiteY8" fmla="*/ 0 h 1012232"/>
-            </a:gdLst>
-            <a:ahLst/>
-            <a:cxnLst>
-              <a:cxn ang="0">
-                <a:pos x="connsiteX0" y="connsiteY0"/>
-              </a:cxn>
-              <a:cxn ang="0">
-                <a:pos x="connsiteX1" y="connsiteY1"/>
-              </a:cxn>
-              <a:cxn ang="0">
-                <a:pos x="connsiteX2" y="connsiteY2"/>
-              </a:cxn>
-              <a:cxn ang="0">
-                <a:pos x="connsiteX3" y="connsiteY3"/>
-              </a:cxn>
-              <a:cxn ang="0">
-                <a:pos x="connsiteX4" y="connsiteY4"/>
-              </a:cxn>
-              <a:cxn ang="0">
-                <a:pos x="connsiteX5" y="connsiteY5"/>
-              </a:cxn>
-              <a:cxn ang="0">
-                <a:pos x="connsiteX6" y="connsiteY6"/>
-              </a:cxn>
-              <a:cxn ang="0">
-                <a:pos x="connsiteX7" y="connsiteY7"/>
-              </a:cxn>
-              <a:cxn ang="0">
-                <a:pos x="connsiteX8" y="connsiteY8"/>
-              </a:cxn>
-            </a:cxnLst>
-            <a:rect l="l" t="t" r="r" b="b"/>
-            <a:pathLst>
-              <a:path w="12192000" h="1012232">
-                <a:moveTo>
-                  <a:pt x="2457949" y="0"/>
-                </a:moveTo>
-                <a:cubicBezTo>
-                  <a:pt x="4506845" y="0"/>
-                  <a:pt x="7360920" y="610553"/>
-                  <a:pt x="9057549" y="610553"/>
-                </a:cubicBezTo>
-                <a:cubicBezTo>
-                  <a:pt x="10754179" y="610553"/>
-                  <a:pt x="12192000" y="305277"/>
-                  <a:pt x="12192000" y="305277"/>
-                </a:cubicBezTo>
-                <a:cubicBezTo>
-                  <a:pt x="12192000" y="1012232"/>
-                  <a:pt x="12192000" y="1012232"/>
-                  <a:pt x="12192000" y="1012232"/>
-                </a:cubicBezTo>
-                <a:cubicBezTo>
-                  <a:pt x="5290457" y="1012232"/>
-                  <a:pt x="1839686" y="1012232"/>
-                  <a:pt x="114300" y="1012232"/>
-                </a:cubicBezTo>
-                <a:lnTo>
-                  <a:pt x="0" y="1012232"/>
-                </a:lnTo>
-                <a:lnTo>
-                  <a:pt x="0" y="160434"/>
-                </a:lnTo>
-                <a:lnTo>
-                  <a:pt x="270087" y="129128"/>
-                </a:lnTo>
-                <a:cubicBezTo>
-                  <a:pt x="925321" y="57390"/>
-                  <a:pt x="1689613" y="0"/>
-                  <a:pt x="2457949" y="0"/>
-                </a:cubicBezTo>
-                <a:close/>
-              </a:path>
-            </a:pathLst>
-          </a:custGeom>
-          <a:solidFill>
-            <a:srgbClr val="526188"/>
-          </a:solidFill>
-          <a:ln>
-            <a:noFill/>
-          </a:ln>
-        </p:spPr>
-        <p:style>
-          <a:lnRef idx="2">
-            <a:schemeClr val="accent1">
-              <a:shade val="50000"/>
-            </a:schemeClr>
-          </a:lnRef>
-          <a:fillRef idx="1">
-            <a:schemeClr val="accent1"/>
-          </a:fillRef>
-          <a:effectRef idx="0">
-            <a:schemeClr val="accent1"/>
-          </a:effectRef>
-          <a:fontRef idx="minor">
-            <a:schemeClr val="lt1"/>
-          </a:fontRef>
-        </p:style>
-        <p:txBody>
-          <a:bodyPr rot="0" spcFirstLastPara="0" vertOverflow="overflow" horzOverflow="overflow" vert="horz" wrap="square" lIns="91440" tIns="45720" rIns="91440" bIns="45720" numCol="1" spcCol="0" rtlCol="0" fromWordArt="0" anchor="ctr" anchorCtr="0" forceAA="0" compatLnSpc="1">
-            <a:noAutofit/>
-          </a:bodyPr>
-          <a:lstStyle/>
-          <a:p>
-            <a:pPr algn="ctr"/>
-            <a:endParaRPr kumimoji="1" lang="zh-CN" altLang="en-US">
-              <a:solidFill>
-                <a:schemeClr val="lt1"/>
-              </a:solidFill>
-              <a:latin typeface="Arial" panose="020B0604020202020204" pitchFamily="34" charset="0"/>
-              <a:ea typeface="思源黑体 CN Normal" panose="020B0400000000000000" pitchFamily="34" charset="-122"/>
-              <a:sym typeface="Arial" panose="020B0604020202020204" pitchFamily="34" charset="0"/>
-            </a:endParaRPr>
-          </a:p>
-        </p:txBody>
-      </p:sp>
-      <p:grpSp>
-        <p:nvGrpSpPr>
-          <p:cNvPr id="6" name="组合 5"/>
-          <p:cNvGrpSpPr/>
-          <p:nvPr/>
-        </p:nvGrpSpPr>
-        <p:grpSpPr>
-          <a:xfrm>
-            <a:off x="574686" y="530846"/>
-            <a:ext cx="5376171" cy="5485135"/>
-            <a:chOff x="6698566" y="879190"/>
-            <a:chExt cx="5376171" cy="5485135"/>
-          </a:xfrm>
-        </p:grpSpPr>
-        <p:pic>
-          <p:nvPicPr>
-            <p:cNvPr id="7" name="图片 6"/>
-            <p:cNvPicPr>
-              <a:picLocks noChangeAspect="1"/>
-            </p:cNvPicPr>
-            <p:nvPr/>
-          </p:nvPicPr>
-          <p:blipFill>
-            <a:blip r:embed="rId2"/>
-            <a:stretch>
-              <a:fillRect/>
-            </a:stretch>
-          </p:blipFill>
-          <p:spPr>
-            <a:xfrm>
-              <a:off x="8811925" y="5470844"/>
-              <a:ext cx="573074" cy="652329"/>
-            </a:xfrm>
-            <a:prstGeom prst="rect">
-              <a:avLst/>
-            </a:prstGeom>
-          </p:spPr>
-        </p:pic>
-        <p:pic>
-          <p:nvPicPr>
-            <p:cNvPr id="8" name="图片 7"/>
-            <p:cNvPicPr>
-              <a:picLocks noChangeAspect="1"/>
-            </p:cNvPicPr>
-            <p:nvPr/>
-          </p:nvPicPr>
-          <p:blipFill>
-            <a:blip r:embed="rId3"/>
-            <a:stretch>
-              <a:fillRect/>
-            </a:stretch>
-          </p:blipFill>
-          <p:spPr>
-            <a:xfrm>
-              <a:off x="7483297" y="4565510"/>
-              <a:ext cx="1438781" cy="1231499"/>
-            </a:xfrm>
-            <a:prstGeom prst="rect">
-              <a:avLst/>
-            </a:prstGeom>
-          </p:spPr>
-        </p:pic>
-        <p:pic>
-          <p:nvPicPr>
-            <p:cNvPr id="9" name="图片 8"/>
-            <p:cNvPicPr>
-              <a:picLocks noChangeAspect="1"/>
-            </p:cNvPicPr>
-            <p:nvPr/>
-          </p:nvPicPr>
-          <p:blipFill>
-            <a:blip r:embed="rId4"/>
-            <a:stretch>
-              <a:fillRect/>
-            </a:stretch>
-          </p:blipFill>
-          <p:spPr>
-            <a:xfrm>
-              <a:off x="6698566" y="879190"/>
-              <a:ext cx="3828620" cy="3298222"/>
-            </a:xfrm>
-            <a:prstGeom prst="rect">
-              <a:avLst/>
-            </a:prstGeom>
-          </p:spPr>
-        </p:pic>
-        <p:pic>
-          <p:nvPicPr>
-            <p:cNvPr id="10" name="图片 9"/>
-            <p:cNvPicPr>
-              <a:picLocks noChangeAspect="1"/>
-            </p:cNvPicPr>
-            <p:nvPr/>
-          </p:nvPicPr>
-          <p:blipFill>
-            <a:blip r:embed="rId5">
-              <a:duotone>
-                <a:prstClr val="black"/>
-                <a:srgbClr val="D9C3A5">
-                  <a:tint val="50000"/>
-                  <a:satMod val="180000"/>
-                </a:srgbClr>
-              </a:duotone>
-            </a:blip>
-            <a:stretch>
-              <a:fillRect/>
-            </a:stretch>
-          </p:blipFill>
-          <p:spPr>
-            <a:xfrm>
-              <a:off x="8574362" y="1163521"/>
-              <a:ext cx="2962913" cy="2091109"/>
-            </a:xfrm>
-            <a:prstGeom prst="rect">
-              <a:avLst/>
-            </a:prstGeom>
-          </p:spPr>
-        </p:pic>
-        <p:pic>
-          <p:nvPicPr>
-            <p:cNvPr id="11" name="图片 10"/>
-            <p:cNvPicPr>
-              <a:picLocks noChangeAspect="1"/>
-            </p:cNvPicPr>
-            <p:nvPr/>
-          </p:nvPicPr>
-          <p:blipFill>
-            <a:blip r:embed="rId6"/>
-            <a:stretch>
-              <a:fillRect/>
-            </a:stretch>
-          </p:blipFill>
-          <p:spPr>
-            <a:xfrm>
-              <a:off x="8520461" y="3297771"/>
-              <a:ext cx="3554276" cy="3066554"/>
-            </a:xfrm>
-            <a:prstGeom prst="rect">
-              <a:avLst/>
-            </a:prstGeom>
-          </p:spPr>
-        </p:pic>
-      </p:grpSp>
-      <p:sp>
-        <p:nvSpPr>
-          <p:cNvPr id="12" name="文本框 11"/>
-          <p:cNvSpPr txBox="1"/>
-          <p:nvPr/>
-        </p:nvSpPr>
-        <p:spPr>
-          <a:xfrm>
-            <a:off x="6493184" y="2321004"/>
-            <a:ext cx="5058736" cy="1107996"/>
-          </a:xfrm>
-          <a:prstGeom prst="rect">
-            <a:avLst/>
-          </a:prstGeom>
-          <a:noFill/>
-          <a:ln>
-            <a:noFill/>
-          </a:ln>
-          <a:effectLst/>
-          <a:scene3d>
-            <a:camera prst="orthographicFront">
-              <a:rot lat="0" lon="0" rev="0"/>
-            </a:camera>
-            <a:lightRig rig="contrasting" dir="t">
-              <a:rot lat="0" lon="0" rev="7800000"/>
-            </a:lightRig>
-          </a:scene3d>
-          <a:sp3d>
-            <a:bevelT w="139700" h="139700"/>
-          </a:sp3d>
-        </p:spPr>
-        <p:txBody>
-          <a:bodyPr wrap="square" rtlCol="0">
-            <a:spAutoFit/>
-          </a:bodyPr>
-          <a:lstStyle/>
-          <a:p>
-            <a:pPr algn="just"/>
-            <a:r>
-              <a:rPr lang="zh-TW" altLang="en-US" sz="6600" dirty="0" smtClean="0">
-                <a:effectLst>
-                  <a:outerShdw blurRad="50800" dist="38100" dir="5400000" algn="t" rotWithShape="0">
-                    <a:prstClr val="black">
-                      <a:alpha val="40000"/>
-                    </a:prstClr>
-                  </a:outerShdw>
-                </a:effectLst>
-                <a:latin typeface="微软雅黑" panose="020B0503020204020204" pitchFamily="34" charset="-122"/>
-                <a:ea typeface="微软雅黑" panose="020B0503020204020204" pitchFamily="34" charset="-122"/>
-                <a:cs typeface="文泉驿等宽微米黑" panose="020B0606030804020204" pitchFamily="34" charset="-122"/>
-              </a:rPr>
-              <a:t>結語</a:t>
-            </a:r>
-            <a:endParaRPr lang="zh-CN" altLang="en-US" sz="6600" dirty="0">
-              <a:effectLst>
-                <a:outerShdw blurRad="50800" dist="38100" dir="5400000" algn="t" rotWithShape="0">
-                  <a:prstClr val="black">
-                    <a:alpha val="40000"/>
-                  </a:prstClr>
-                </a:outerShdw>
-              </a:effectLst>
-              <a:latin typeface="微软雅黑" panose="020B0503020204020204" pitchFamily="34" charset="-122"/>
-              <a:ea typeface="微软雅黑" panose="020B0503020204020204" pitchFamily="34" charset="-122"/>
-              <a:cs typeface="文泉驿等宽微米黑" panose="020B0606030804020204" pitchFamily="34" charset="-122"/>
-            </a:endParaRPr>
-          </a:p>
-        </p:txBody>
-      </p:sp>
-    </p:spTree>
-    <p:extLst>
-      <p:ext uri="{BB962C8B-B14F-4D97-AF65-F5344CB8AC3E}">
-        <p14:creationId xmlns:p14="http://schemas.microsoft.com/office/powerpoint/2010/main" val="4166101393"/>
-      </p:ext>
-    </p:extLst>
   </p:cSld>
   <p:clrMapOvr>
     <a:masterClrMapping/>

--- a/系統分析PPT.pptx
+++ b/系統分析PPT.pptx
@@ -238,7 +238,7 @@
           <a:p>
             <a:fld id="{3D37EDBB-4C7E-458C-8081-732E81F2C989}" type="datetimeFigureOut">
               <a:rPr lang="zh-CN" altLang="en-US" smtClean="0"/>
-              <a:t>2022/6/17</a:t>
+              <a:t>2022/6/18</a:t>
             </a:fld>
             <a:endParaRPr lang="zh-CN" altLang="en-US"/>
           </a:p>
@@ -2650,7 +2650,7 @@
           <a:p>
             <a:fld id="{A640CAB6-B07E-4BA4-BC4B-DDB8D129D594}" type="datetimeFigureOut">
               <a:rPr lang="zh-CN" altLang="en-US" smtClean="0"/>
-              <a:t>2022/6/17</a:t>
+              <a:t>2022/6/18</a:t>
             </a:fld>
             <a:endParaRPr lang="zh-CN" altLang="en-US"/>
           </a:p>
@@ -2825,7 +2825,7 @@
           <a:p>
             <a:fld id="{A640CAB6-B07E-4BA4-BC4B-DDB8D129D594}" type="datetimeFigureOut">
               <a:rPr lang="zh-CN" altLang="en-US" smtClean="0"/>
-              <a:t>2022/6/17</a:t>
+              <a:t>2022/6/18</a:t>
             </a:fld>
             <a:endParaRPr lang="zh-CN" altLang="en-US"/>
           </a:p>
@@ -3010,7 +3010,7 @@
           <a:p>
             <a:fld id="{A640CAB6-B07E-4BA4-BC4B-DDB8D129D594}" type="datetimeFigureOut">
               <a:rPr lang="zh-CN" altLang="en-US" smtClean="0"/>
-              <a:t>2022/6/17</a:t>
+              <a:t>2022/6/18</a:t>
             </a:fld>
             <a:endParaRPr lang="zh-CN" altLang="en-US"/>
           </a:p>
@@ -3185,7 +3185,7 @@
           <a:p>
             <a:fld id="{A640CAB6-B07E-4BA4-BC4B-DDB8D129D594}" type="datetimeFigureOut">
               <a:rPr lang="zh-CN" altLang="en-US" smtClean="0"/>
-              <a:t>2022/6/17</a:t>
+              <a:t>2022/6/18</a:t>
             </a:fld>
             <a:endParaRPr lang="zh-CN" altLang="en-US"/>
           </a:p>
@@ -3437,7 +3437,7 @@
           <a:p>
             <a:fld id="{A640CAB6-B07E-4BA4-BC4B-DDB8D129D594}" type="datetimeFigureOut">
               <a:rPr lang="zh-CN" altLang="en-US" smtClean="0"/>
-              <a:t>2022/6/17</a:t>
+              <a:t>2022/6/18</a:t>
             </a:fld>
             <a:endParaRPr lang="zh-CN" altLang="en-US"/>
           </a:p>
@@ -3673,7 +3673,7 @@
           <a:p>
             <a:fld id="{A640CAB6-B07E-4BA4-BC4B-DDB8D129D594}" type="datetimeFigureOut">
               <a:rPr lang="zh-CN" altLang="en-US" smtClean="0"/>
-              <a:t>2022/6/17</a:t>
+              <a:t>2022/6/18</a:t>
             </a:fld>
             <a:endParaRPr lang="zh-CN" altLang="en-US"/>
           </a:p>
@@ -4044,7 +4044,7 @@
           <a:p>
             <a:fld id="{A640CAB6-B07E-4BA4-BC4B-DDB8D129D594}" type="datetimeFigureOut">
               <a:rPr lang="zh-CN" altLang="en-US" smtClean="0"/>
-              <a:t>2022/6/17</a:t>
+              <a:t>2022/6/18</a:t>
             </a:fld>
             <a:endParaRPr lang="zh-CN" altLang="en-US"/>
           </a:p>
@@ -4168,7 +4168,7 @@
           <a:p>
             <a:fld id="{A640CAB6-B07E-4BA4-BC4B-DDB8D129D594}" type="datetimeFigureOut">
               <a:rPr lang="zh-CN" altLang="en-US" smtClean="0"/>
-              <a:t>2022/6/17</a:t>
+              <a:t>2022/6/18</a:t>
             </a:fld>
             <a:endParaRPr lang="zh-CN" altLang="en-US"/>
           </a:p>
@@ -4270,7 +4270,7 @@
           <a:p>
             <a:fld id="{A640CAB6-B07E-4BA4-BC4B-DDB8D129D594}" type="datetimeFigureOut">
               <a:rPr lang="zh-CN" altLang="en-US" smtClean="0"/>
-              <a:t>2022/6/17</a:t>
+              <a:t>2022/6/18</a:t>
             </a:fld>
             <a:endParaRPr lang="zh-CN" altLang="en-US"/>
           </a:p>
@@ -4552,7 +4552,7 @@
           <a:p>
             <a:fld id="{A640CAB6-B07E-4BA4-BC4B-DDB8D129D594}" type="datetimeFigureOut">
               <a:rPr lang="zh-CN" altLang="en-US" smtClean="0"/>
-              <a:t>2022/6/17</a:t>
+              <a:t>2022/6/18</a:t>
             </a:fld>
             <a:endParaRPr lang="zh-CN" altLang="en-US"/>
           </a:p>
@@ -4811,7 +4811,7 @@
           <a:p>
             <a:fld id="{A640CAB6-B07E-4BA4-BC4B-DDB8D129D594}" type="datetimeFigureOut">
               <a:rPr lang="zh-CN" altLang="en-US" smtClean="0"/>
-              <a:t>2022/6/17</a:t>
+              <a:t>2022/6/18</a:t>
             </a:fld>
             <a:endParaRPr lang="zh-CN" altLang="en-US"/>
           </a:p>
@@ -5032,7 +5032,7 @@
           <a:p>
             <a:fld id="{A640CAB6-B07E-4BA4-BC4B-DDB8D129D594}" type="datetimeFigureOut">
               <a:rPr lang="zh-CN" altLang="en-US" smtClean="0"/>
-              <a:t>2022/6/17</a:t>
+              <a:t>2022/6/18</a:t>
             </a:fld>
             <a:endParaRPr lang="zh-CN" altLang="en-US"/>
           </a:p>
@@ -5468,7 +5468,7 @@
           <a:p>
             <a:pPr algn="dist"/>
             <a:r>
-              <a:rPr lang="zh-TW" altLang="en-US" sz="5200" b="1" dirty="0" smtClean="0">
+              <a:rPr lang="zh-TW" altLang="en-US" sz="5200" b="1" dirty="0">
                 <a:solidFill>
                   <a:srgbClr val="526188"/>
                 </a:solidFill>
@@ -5478,7 +5478,7 @@
               <a:t>系統分析</a:t>
             </a:r>
             <a:r>
-              <a:rPr lang="en-US" altLang="zh-TW" sz="5200" b="1" dirty="0" smtClean="0">
+              <a:rPr lang="en-US" altLang="zh-TW" sz="5200" b="1" dirty="0">
                 <a:solidFill>
                   <a:srgbClr val="526188"/>
                 </a:solidFill>
@@ -5488,16 +5488,6 @@
               <a:t>-</a:t>
             </a:r>
             <a:r>
-              <a:rPr lang="zh-TW" altLang="en-US" sz="5200" b="1" dirty="0" smtClean="0">
-                <a:solidFill>
-                  <a:srgbClr val="526188"/>
-                </a:solidFill>
-                <a:latin typeface="微软雅黑" panose="020B0503020204020204" pitchFamily="34" charset="-122"/>
-                <a:ea typeface="微软雅黑" panose="020B0503020204020204" pitchFamily="34" charset="-122"/>
-              </a:rPr>
-              <a:t>第一</a:t>
-            </a:r>
-            <a:r>
               <a:rPr lang="zh-TW" altLang="en-US" sz="5200" b="1" dirty="0">
                 <a:solidFill>
                   <a:srgbClr val="526188"/>
@@ -5505,9 +5495,9 @@
                 <a:latin typeface="微软雅黑" panose="020B0503020204020204" pitchFamily="34" charset="-122"/>
                 <a:ea typeface="微软雅黑" panose="020B0503020204020204" pitchFamily="34" charset="-122"/>
               </a:rPr>
-              <a:t>組</a:t>
+              <a:t>第一組</a:t>
             </a:r>
-            <a:endParaRPr lang="en-US" altLang="zh-TW" sz="5200" b="1" dirty="0" smtClean="0">
+            <a:endParaRPr lang="en-US" altLang="zh-TW" sz="5200" b="1" dirty="0">
               <a:solidFill>
                 <a:srgbClr val="526188"/>
               </a:solidFill>
@@ -5541,7 +5531,7 @@
           <a:p>
             <a:pPr algn="dist"/>
             <a:r>
-              <a:rPr lang="zh-TW" altLang="en-US" sz="2800" dirty="0" smtClean="0">
+              <a:rPr lang="zh-TW" altLang="en-US" sz="2800" dirty="0">
                 <a:solidFill>
                   <a:schemeClr val="bg2">
                     <a:lumMod val="50000"/>
@@ -5625,7 +5615,7 @@
           <a:p>
             <a:pPr algn="dist"/>
             <a:r>
-              <a:rPr lang="zh-TW" altLang="en-US" sz="1600" b="1" dirty="0" smtClean="0">
+              <a:rPr lang="zh-TW" altLang="en-US" sz="1600" b="1" dirty="0">
                 <a:solidFill>
                   <a:schemeClr val="bg2">
                     <a:lumMod val="50000"/>
@@ -5638,7 +5628,7 @@
               <a:t>報告日期：</a:t>
             </a:r>
             <a:r>
-              <a:rPr lang="en-US" altLang="zh-TW" sz="1600" b="1" dirty="0" smtClean="0">
+              <a:rPr lang="en-US" altLang="zh-TW" sz="1600" b="1" dirty="0">
                 <a:solidFill>
                   <a:schemeClr val="bg2">
                     <a:lumMod val="50000"/>
@@ -5865,7 +5855,7 @@
           <a:p>
             <a:pPr algn="just"/>
             <a:r>
-              <a:rPr lang="zh-TW" altLang="en-US" sz="4400" dirty="0" smtClean="0">
+              <a:rPr lang="zh-TW" altLang="en-US" sz="4400" dirty="0">
                 <a:solidFill>
                   <a:srgbClr val="526188"/>
                 </a:solidFill>
@@ -5875,7 +5865,7 @@
               <a:t>主題：</a:t>
             </a:r>
             <a:r>
-              <a:rPr lang="en-US" altLang="zh-TW" sz="4400" kern="0" dirty="0" smtClean="0">
+              <a:rPr lang="en-US" altLang="zh-TW" sz="4400" kern="0" dirty="0">
                 <a:solidFill>
                   <a:srgbClr val="526188"/>
                 </a:solidFill>
@@ -5904,13 +5894,6 @@
       </p:transition>
     </mc:Fallback>
   </mc:AlternateContent>
-  <p:timing>
-    <p:tnLst>
-      <p:par>
-        <p:cTn id="1" dur="indefinite" restart="never" nodeType="tmRoot"/>
-      </p:par>
-    </p:tnLst>
-  </p:timing>
 </p:sld>
 </file>
 
@@ -6076,7 +6059,7 @@
             <a:p>
               <a:pPr algn="just"/>
               <a:r>
-                <a:rPr lang="zh-TW" altLang="en-US" sz="2000" b="1" dirty="0" smtClean="0">
+                <a:rPr lang="zh-TW" altLang="en-US" sz="2000" b="1" dirty="0">
                   <a:solidFill>
                     <a:srgbClr val="526188"/>
                   </a:solidFill>
@@ -6354,13 +6337,6 @@
       </p:transition>
     </mc:Fallback>
   </mc:AlternateContent>
-  <p:timing>
-    <p:tnLst>
-      <p:par>
-        <p:cTn id="1" dur="indefinite" restart="never" nodeType="tmRoot"/>
-      </p:par>
-    </p:tnLst>
-  </p:timing>
 </p:sld>
 </file>
 
@@ -6526,7 +6502,7 @@
             <a:p>
               <a:pPr algn="just"/>
               <a:r>
-                <a:rPr lang="zh-TW" altLang="en-US" sz="2000" b="1" dirty="0" smtClean="0">
+                <a:rPr lang="zh-TW" altLang="en-US" sz="2000" b="1" dirty="0">
                   <a:solidFill>
                     <a:srgbClr val="526188"/>
                   </a:solidFill>
@@ -6780,13 +6756,6 @@
       </p:transition>
     </mc:Fallback>
   </mc:AlternateContent>
-  <p:timing>
-    <p:tnLst>
-      <p:par>
-        <p:cTn id="1" dur="indefinite" restart="never" nodeType="tmRoot"/>
-      </p:par>
-    </p:tnLst>
-  </p:timing>
 </p:sld>
 </file>
 
@@ -6952,7 +6921,7 @@
             <a:p>
               <a:pPr algn="just"/>
               <a:r>
-                <a:rPr lang="zh-TW" altLang="en-US" sz="2000" b="1" dirty="0" smtClean="0">
+                <a:rPr lang="zh-TW" altLang="en-US" sz="2000" b="1" dirty="0">
                   <a:solidFill>
                     <a:srgbClr val="526188"/>
                   </a:solidFill>
@@ -7206,13 +7175,6 @@
       </p:transition>
     </mc:Fallback>
   </mc:AlternateContent>
-  <p:timing>
-    <p:tnLst>
-      <p:par>
-        <p:cTn id="1" dur="indefinite" restart="never" nodeType="tmRoot"/>
-      </p:par>
-    </p:tnLst>
-  </p:timing>
 </p:sld>
 </file>
 
@@ -7378,7 +7340,7 @@
             <a:p>
               <a:pPr algn="just"/>
               <a:r>
-                <a:rPr lang="zh-TW" altLang="en-US" sz="2000" b="1" dirty="0" smtClean="0">
+                <a:rPr lang="zh-TW" altLang="en-US" sz="2000" b="1" dirty="0">
                   <a:solidFill>
                     <a:srgbClr val="526188"/>
                   </a:solidFill>
@@ -7632,13 +7594,6 @@
       </p:transition>
     </mc:Fallback>
   </mc:AlternateContent>
-  <p:timing>
-    <p:tnLst>
-      <p:par>
-        <p:cTn id="1" dur="indefinite" restart="never" nodeType="tmRoot"/>
-      </p:par>
-    </p:tnLst>
-  </p:timing>
 </p:sld>
 </file>
 
@@ -7804,7 +7759,7 @@
             <a:p>
               <a:pPr algn="just"/>
               <a:r>
-                <a:rPr lang="zh-TW" altLang="en-US" sz="2000" b="1" dirty="0" smtClean="0">
+                <a:rPr lang="zh-TW" altLang="en-US" sz="2000" b="1" dirty="0">
                   <a:solidFill>
                     <a:srgbClr val="526188"/>
                   </a:solidFill>
@@ -8058,13 +8013,6 @@
       </p:transition>
     </mc:Fallback>
   </mc:AlternateContent>
-  <p:timing>
-    <p:tnLst>
-      <p:par>
-        <p:cTn id="1" dur="indefinite" restart="never" nodeType="tmRoot"/>
-      </p:par>
-    </p:tnLst>
-  </p:timing>
 </p:sld>
 </file>
 
@@ -8415,21 +8363,6 @@
           <a:p>
             <a:pPr algn="just"/>
             <a:r>
-              <a:rPr lang="zh-TW" altLang="en-US" sz="6600" dirty="0" smtClean="0">
-                <a:effectLst>
-                  <a:outerShdw blurRad="50800" dist="38100" dir="5400000" algn="t" rotWithShape="0">
-                    <a:prstClr val="black">
-                      <a:alpha val="40000"/>
-                    </a:prstClr>
-                  </a:outerShdw>
-                </a:effectLst>
-                <a:latin typeface="微软雅黑" panose="020B0503020204020204" pitchFamily="34" charset="-122"/>
-                <a:ea typeface="微软雅黑" panose="020B0503020204020204" pitchFamily="34" charset="-122"/>
-                <a:cs typeface="文泉驿等宽微米黑" panose="020B0606030804020204" pitchFamily="34" charset="-122"/>
-              </a:rPr>
-              <a:t>規格</a:t>
-            </a:r>
-            <a:r>
               <a:rPr lang="zh-TW" altLang="en-US" sz="6600" dirty="0">
                 <a:effectLst>
                   <a:outerShdw blurRad="50800" dist="38100" dir="5400000" algn="t" rotWithShape="0">
@@ -8442,7 +8375,7 @@
                 <a:ea typeface="微软雅黑" panose="020B0503020204020204" pitchFamily="34" charset="-122"/>
                 <a:cs typeface="文泉驿等宽微米黑" panose="020B0606030804020204" pitchFamily="34" charset="-122"/>
               </a:rPr>
-              <a:t>書</a:t>
+              <a:t>規格書</a:t>
             </a:r>
             <a:endParaRPr lang="zh-CN" altLang="en-US" sz="6600" dirty="0">
               <a:effectLst>
@@ -8476,13 +8409,6 @@
       </p:transition>
     </mc:Fallback>
   </mc:AlternateContent>
-  <p:timing>
-    <p:tnLst>
-      <p:par>
-        <p:cTn id="1" dur="indefinite" restart="never" nodeType="tmRoot"/>
-      </p:par>
-    </p:tnLst>
-  </p:timing>
 </p:sld>
 </file>
 
@@ -8648,7 +8574,7 @@
             <a:p>
               <a:pPr algn="just"/>
               <a:r>
-                <a:rPr lang="zh-TW" altLang="en-US" sz="2000" b="1" dirty="0" smtClean="0">
+                <a:rPr lang="zh-TW" altLang="en-US" sz="2000" b="1" dirty="0">
                   <a:solidFill>
                     <a:srgbClr val="526188"/>
                   </a:solidFill>
@@ -8659,7 +8585,7 @@
                 <a:t>規格書</a:t>
               </a:r>
               <a:r>
-                <a:rPr lang="en-US" altLang="zh-TW" sz="2000" b="1" dirty="0" smtClean="0">
+                <a:rPr lang="en-US" altLang="zh-TW" sz="2000" b="1" dirty="0">
                   <a:solidFill>
                     <a:srgbClr val="526188"/>
                   </a:solidFill>
@@ -8670,7 +8596,7 @@
                 <a:t>-</a:t>
               </a:r>
               <a:r>
-                <a:rPr lang="zh-TW" altLang="en-US" sz="2000" b="1" dirty="0" smtClean="0">
+                <a:rPr lang="zh-TW" altLang="en-US" sz="2000" b="1" dirty="0">
                   <a:solidFill>
                     <a:srgbClr val="526188"/>
                   </a:solidFill>
@@ -8934,13 +8860,6 @@
       </p:transition>
     </mc:Fallback>
   </mc:AlternateContent>
-  <p:timing>
-    <p:tnLst>
-      <p:par>
-        <p:cTn id="1" dur="indefinite" restart="never" nodeType="tmRoot"/>
-      </p:par>
-    </p:tnLst>
-  </p:timing>
 </p:sld>
 </file>
 
@@ -9106,7 +9025,7 @@
             <a:p>
               <a:pPr algn="just"/>
               <a:r>
-                <a:rPr lang="zh-TW" altLang="en-US" sz="2000" b="1" dirty="0" smtClean="0">
+                <a:rPr lang="zh-TW" altLang="en-US" sz="2000" b="1" dirty="0">
                   <a:solidFill>
                     <a:srgbClr val="526188"/>
                   </a:solidFill>
@@ -9117,7 +9036,7 @@
                 <a:t>規格書</a:t>
               </a:r>
               <a:r>
-                <a:rPr lang="en-US" altLang="zh-TW" sz="2000" b="1" dirty="0" smtClean="0">
+                <a:rPr lang="en-US" altLang="zh-TW" sz="2000" b="1" dirty="0">
                   <a:solidFill>
                     <a:srgbClr val="526188"/>
                   </a:solidFill>
@@ -9128,7 +9047,7 @@
                 <a:t>-</a:t>
               </a:r>
               <a:r>
-                <a:rPr lang="zh-TW" altLang="en-US" sz="2000" b="1" dirty="0" smtClean="0">
+                <a:rPr lang="zh-TW" altLang="en-US" sz="2000" b="1" dirty="0">
                   <a:solidFill>
                     <a:srgbClr val="526188"/>
                   </a:solidFill>
@@ -9368,13 +9287,6 @@
       </p:transition>
     </mc:Fallback>
   </mc:AlternateContent>
-  <p:timing>
-    <p:tnLst>
-      <p:par>
-        <p:cTn id="1" dur="indefinite" restart="never" nodeType="tmRoot"/>
-      </p:par>
-    </p:tnLst>
-  </p:timing>
 </p:sld>
 </file>
 
@@ -9540,7 +9452,7 @@
             <a:p>
               <a:pPr algn="just"/>
               <a:r>
-                <a:rPr lang="zh-TW" altLang="en-US" sz="2000" b="1" dirty="0" smtClean="0">
+                <a:rPr lang="zh-TW" altLang="en-US" sz="2000" b="1" dirty="0">
                   <a:solidFill>
                     <a:srgbClr val="526188"/>
                   </a:solidFill>
@@ -9551,7 +9463,7 @@
                 <a:t>規格書</a:t>
               </a:r>
               <a:r>
-                <a:rPr lang="en-US" altLang="zh-TW" sz="2000" b="1" dirty="0" smtClean="0">
+                <a:rPr lang="en-US" altLang="zh-TW" sz="2000" b="1" dirty="0">
                   <a:solidFill>
                     <a:srgbClr val="526188"/>
                   </a:solidFill>
@@ -9562,17 +9474,6 @@
                 <a:t>-</a:t>
               </a:r>
               <a:r>
-                <a:rPr lang="zh-TW" altLang="en-US" sz="2000" b="1" dirty="0" smtClean="0">
-                  <a:solidFill>
-                    <a:srgbClr val="526188"/>
-                  </a:solidFill>
-                  <a:latin typeface="微软雅黑" panose="020B0503020204020204" pitchFamily="34" charset="-122"/>
-                  <a:ea typeface="微软雅黑" panose="020B0503020204020204" pitchFamily="34" charset="-122"/>
-                  <a:cs typeface="文泉驿等宽微米黑" panose="020B0606030804020204" pitchFamily="34" charset="-122"/>
-                </a:rPr>
-                <a:t>使用案</a:t>
-              </a:r>
-              <a:r>
                 <a:rPr lang="zh-TW" altLang="en-US" sz="2000" b="1" dirty="0">
                   <a:solidFill>
                     <a:srgbClr val="526188"/>
@@ -9581,7 +9482,7 @@
                   <a:ea typeface="微软雅黑" panose="020B0503020204020204" pitchFamily="34" charset="-122"/>
                   <a:cs typeface="文泉驿等宽微米黑" panose="020B0606030804020204" pitchFamily="34" charset="-122"/>
                 </a:rPr>
-                <a:t>例</a:t>
+                <a:t>使用案例</a:t>
               </a:r>
               <a:endParaRPr lang="zh-CN" altLang="en-US" sz="2000" b="1" dirty="0">
                 <a:solidFill>
@@ -9813,13 +9714,6 @@
       </p:transition>
     </mc:Fallback>
   </mc:AlternateContent>
-  <p:timing>
-    <p:tnLst>
-      <p:par>
-        <p:cTn id="1" dur="indefinite" restart="never" nodeType="tmRoot"/>
-      </p:par>
-    </p:tnLst>
-  </p:timing>
 </p:sld>
 </file>
 
@@ -9985,7 +9879,7 @@
             <a:p>
               <a:pPr algn="just"/>
               <a:r>
-                <a:rPr lang="zh-TW" altLang="en-US" sz="2000" b="1" dirty="0" smtClean="0">
+                <a:rPr lang="zh-TW" altLang="en-US" sz="2000" b="1" dirty="0">
                   <a:solidFill>
                     <a:srgbClr val="526188"/>
                   </a:solidFill>
@@ -9996,7 +9890,7 @@
                 <a:t>規格書</a:t>
               </a:r>
               <a:r>
-                <a:rPr lang="en-US" altLang="zh-TW" sz="2000" b="1" dirty="0" smtClean="0">
+                <a:rPr lang="en-US" altLang="zh-TW" sz="2000" b="1" dirty="0">
                   <a:solidFill>
                     <a:srgbClr val="526188"/>
                   </a:solidFill>
@@ -10007,17 +9901,6 @@
                 <a:t>-</a:t>
               </a:r>
               <a:r>
-                <a:rPr lang="zh-TW" altLang="en-US" sz="2000" b="1" dirty="0" smtClean="0">
-                  <a:solidFill>
-                    <a:srgbClr val="526188"/>
-                  </a:solidFill>
-                  <a:latin typeface="微软雅黑" panose="020B0503020204020204" pitchFamily="34" charset="-122"/>
-                  <a:ea typeface="微软雅黑" panose="020B0503020204020204" pitchFamily="34" charset="-122"/>
-                  <a:cs typeface="文泉驿等宽微米黑" panose="020B0606030804020204" pitchFamily="34" charset="-122"/>
-                </a:rPr>
-                <a:t>使用案</a:t>
-              </a:r>
-              <a:r>
                 <a:rPr lang="zh-TW" altLang="en-US" sz="2000" b="1" dirty="0">
                   <a:solidFill>
                     <a:srgbClr val="526188"/>
@@ -10026,7 +9909,7 @@
                   <a:ea typeface="微软雅黑" panose="020B0503020204020204" pitchFamily="34" charset="-122"/>
                   <a:cs typeface="文泉驿等宽微米黑" panose="020B0606030804020204" pitchFamily="34" charset="-122"/>
                 </a:rPr>
-                <a:t>例</a:t>
+                <a:t>使用案例</a:t>
               </a:r>
               <a:endParaRPr lang="zh-CN" altLang="en-US" sz="2000" b="1" dirty="0">
                 <a:solidFill>
@@ -10258,13 +10141,6 @@
       </p:transition>
     </mc:Fallback>
   </mc:AlternateContent>
-  <p:timing>
-    <p:tnLst>
-      <p:par>
-        <p:cTn id="1" dur="indefinite" restart="never" nodeType="tmRoot"/>
-      </p:par>
-    </p:tnLst>
-  </p:timing>
 </p:sld>
 </file>
 
@@ -10560,7 +10436,7 @@
           <a:p>
             <a:pPr algn="dist"/>
             <a:r>
-              <a:rPr lang="zh-TW" altLang="en-US" sz="5200" b="1" dirty="0" smtClean="0">
+              <a:rPr lang="zh-TW" altLang="en-US" sz="5200" b="1" dirty="0">
                 <a:solidFill>
                   <a:srgbClr val="526188"/>
                 </a:solidFill>
@@ -10970,7 +10846,7 @@
           <a:p>
             <a:pPr algn="just"/>
             <a:r>
-              <a:rPr lang="zh-TW" altLang="en-US" sz="3000" dirty="0" smtClean="0">
+              <a:rPr lang="zh-TW" altLang="en-US" sz="3000" dirty="0">
                 <a:solidFill>
                   <a:srgbClr val="526188"/>
                 </a:solidFill>
@@ -11030,7 +10906,7 @@
           <a:p>
             <a:pPr algn="dist"/>
             <a:r>
-              <a:rPr lang="zh-TW" altLang="en-US" sz="3000" dirty="0" smtClean="0">
+              <a:rPr lang="zh-TW" altLang="en-US" sz="3000" dirty="0">
                 <a:solidFill>
                   <a:srgbClr val="526188"/>
                 </a:solidFill>
@@ -11090,7 +10966,7 @@
           <a:p>
             <a:pPr algn="just"/>
             <a:r>
-              <a:rPr lang="zh-TW" altLang="en-US" sz="3000" dirty="0" smtClean="0">
+              <a:rPr lang="zh-TW" altLang="en-US" sz="3000" dirty="0">
                 <a:solidFill>
                   <a:srgbClr val="526188"/>
                 </a:solidFill>
@@ -11150,7 +11026,7 @@
           <a:p>
             <a:pPr algn="dist"/>
             <a:r>
-              <a:rPr lang="zh-TW" altLang="en-US" sz="3000" dirty="0" smtClean="0">
+              <a:rPr lang="zh-TW" altLang="en-US" sz="3000" dirty="0">
                 <a:solidFill>
                   <a:srgbClr val="526188"/>
                 </a:solidFill>
@@ -11239,7 +11115,7 @@
             <a:lstStyle/>
             <a:p>
               <a:r>
-                <a:rPr lang="en-US" altLang="zh-CN" sz="2000" b="1" dirty="0" smtClean="0">
+                <a:rPr lang="en-US" altLang="zh-CN" sz="2000" b="1" dirty="0">
                   <a:solidFill>
                     <a:srgbClr val="526188"/>
                   </a:solidFill>
@@ -11249,7 +11125,7 @@
                 <a:t>0</a:t>
               </a:r>
               <a:r>
-                <a:rPr lang="en-US" altLang="zh-TW" sz="2000" b="1" dirty="0" smtClean="0">
+                <a:rPr lang="en-US" altLang="zh-TW" sz="2000" b="1" dirty="0">
                   <a:solidFill>
                     <a:srgbClr val="526188"/>
                   </a:solidFill>
@@ -11337,7 +11213,7 @@
             <a:lstStyle/>
             <a:p>
               <a:r>
-                <a:rPr lang="en-US" altLang="zh-CN" sz="2000" b="1" dirty="0" smtClean="0">
+                <a:rPr lang="en-US" altLang="zh-CN" sz="2000" b="1" dirty="0">
                   <a:solidFill>
                     <a:srgbClr val="526188"/>
                   </a:solidFill>
@@ -11347,7 +11223,7 @@
                 <a:t>0</a:t>
               </a:r>
               <a:r>
-                <a:rPr lang="en-US" altLang="zh-TW" sz="2000" b="1" dirty="0" smtClean="0">
+                <a:rPr lang="en-US" altLang="zh-TW" sz="2000" b="1" dirty="0">
                   <a:solidFill>
                     <a:srgbClr val="526188"/>
                   </a:solidFill>
@@ -11406,7 +11282,7 @@
           <a:p>
             <a:pPr algn="just"/>
             <a:r>
-              <a:rPr lang="zh-TW" altLang="en-US" sz="3000" dirty="0" smtClean="0">
+              <a:rPr lang="zh-TW" altLang="en-US" sz="3000" dirty="0">
                 <a:solidFill>
                   <a:srgbClr val="526188"/>
                 </a:solidFill>
@@ -11466,7 +11342,7 @@
           <a:p>
             <a:pPr algn="just"/>
             <a:r>
-              <a:rPr lang="zh-TW" altLang="en-US" sz="3000" dirty="0" smtClean="0">
+              <a:rPr lang="zh-TW" altLang="en-US" sz="3000" dirty="0">
                 <a:solidFill>
                   <a:srgbClr val="526188"/>
                 </a:solidFill>
@@ -11504,13 +11380,6 @@
       </p:transition>
     </mc:Fallback>
   </mc:AlternateContent>
-  <p:timing>
-    <p:tnLst>
-      <p:par>
-        <p:cTn id="1" dur="indefinite" restart="never" nodeType="tmRoot"/>
-      </p:par>
-    </p:tnLst>
-  </p:timing>
 </p:sld>
 </file>
 
@@ -11676,7 +11545,7 @@
             <a:p>
               <a:pPr algn="just"/>
               <a:r>
-                <a:rPr lang="zh-TW" altLang="en-US" sz="2000" b="1" dirty="0" smtClean="0">
+                <a:rPr lang="zh-TW" altLang="en-US" sz="2000" b="1" dirty="0">
                   <a:solidFill>
                     <a:srgbClr val="526188"/>
                   </a:solidFill>
@@ -11687,7 +11556,7 @@
                 <a:t>規格書</a:t>
               </a:r>
               <a:r>
-                <a:rPr lang="en-US" altLang="zh-TW" sz="2000" b="1" dirty="0" smtClean="0">
+                <a:rPr lang="en-US" altLang="zh-TW" sz="2000" b="1" dirty="0">
                   <a:solidFill>
                     <a:srgbClr val="526188"/>
                   </a:solidFill>
@@ -11698,17 +11567,6 @@
                 <a:t>-</a:t>
               </a:r>
               <a:r>
-                <a:rPr lang="zh-TW" altLang="en-US" sz="2000" b="1" dirty="0" smtClean="0">
-                  <a:solidFill>
-                    <a:srgbClr val="526188"/>
-                  </a:solidFill>
-                  <a:latin typeface="微软雅黑" panose="020B0503020204020204" pitchFamily="34" charset="-122"/>
-                  <a:ea typeface="微软雅黑" panose="020B0503020204020204" pitchFamily="34" charset="-122"/>
-                  <a:cs typeface="文泉驿等宽微米黑" panose="020B0606030804020204" pitchFamily="34" charset="-122"/>
-                </a:rPr>
-                <a:t>使用案</a:t>
-              </a:r>
-              <a:r>
                 <a:rPr lang="zh-TW" altLang="en-US" sz="2000" b="1" dirty="0">
                   <a:solidFill>
                     <a:srgbClr val="526188"/>
@@ -11717,7 +11575,7 @@
                   <a:ea typeface="微软雅黑" panose="020B0503020204020204" pitchFamily="34" charset="-122"/>
                   <a:cs typeface="文泉驿等宽微米黑" panose="020B0606030804020204" pitchFamily="34" charset="-122"/>
                 </a:rPr>
-                <a:t>例</a:t>
+                <a:t>使用案例</a:t>
               </a:r>
               <a:endParaRPr lang="zh-CN" altLang="en-US" sz="2000" b="1" dirty="0">
                 <a:solidFill>
@@ -11949,13 +11807,6 @@
       </p:transition>
     </mc:Fallback>
   </mc:AlternateContent>
-  <p:timing>
-    <p:tnLst>
-      <p:par>
-        <p:cTn id="1" dur="indefinite" restart="never" nodeType="tmRoot"/>
-      </p:par>
-    </p:tnLst>
-  </p:timing>
 </p:sld>
 </file>
 
@@ -12121,7 +11972,7 @@
             <a:p>
               <a:pPr algn="just"/>
               <a:r>
-                <a:rPr lang="zh-TW" altLang="en-US" sz="2000" b="1" dirty="0" smtClean="0">
+                <a:rPr lang="zh-TW" altLang="en-US" sz="2000" b="1" dirty="0">
                   <a:solidFill>
                     <a:srgbClr val="526188"/>
                   </a:solidFill>
@@ -12132,7 +11983,7 @@
                 <a:t>規格書</a:t>
               </a:r>
               <a:r>
-                <a:rPr lang="en-US" altLang="zh-TW" sz="2000" b="1" dirty="0" smtClean="0">
+                <a:rPr lang="en-US" altLang="zh-TW" sz="2000" b="1" dirty="0">
                   <a:solidFill>
                     <a:srgbClr val="526188"/>
                   </a:solidFill>
@@ -12143,7 +11994,7 @@
                 <a:t>-</a:t>
               </a:r>
               <a:r>
-                <a:rPr lang="zh-TW" altLang="en-US" sz="2000" b="1" dirty="0" smtClean="0">
+                <a:rPr lang="zh-TW" altLang="en-US" sz="2000" b="1" dirty="0">
                   <a:solidFill>
                     <a:srgbClr val="526188"/>
                   </a:solidFill>
@@ -12359,13 +12210,6 @@
       </p:transition>
     </mc:Fallback>
   </mc:AlternateContent>
-  <p:timing>
-    <p:tnLst>
-      <p:par>
-        <p:cTn id="1" dur="indefinite" restart="never" nodeType="tmRoot"/>
-      </p:par>
-    </p:tnLst>
-  </p:timing>
 </p:sld>
 </file>
 
@@ -12531,7 +12375,7 @@
             <a:p>
               <a:pPr algn="just"/>
               <a:r>
-                <a:rPr lang="zh-TW" altLang="en-US" sz="2000" b="1" dirty="0" smtClean="0">
+                <a:rPr lang="zh-TW" altLang="en-US" sz="2000" b="1" dirty="0">
                   <a:solidFill>
                     <a:srgbClr val="526188"/>
                   </a:solidFill>
@@ -12542,7 +12386,7 @@
                 <a:t>規格書</a:t>
               </a:r>
               <a:r>
-                <a:rPr lang="en-US" altLang="zh-TW" sz="2000" b="1" dirty="0" smtClean="0">
+                <a:rPr lang="en-US" altLang="zh-TW" sz="2000" b="1" dirty="0">
                   <a:solidFill>
                     <a:srgbClr val="526188"/>
                   </a:solidFill>
@@ -12553,7 +12397,7 @@
                 <a:t>-</a:t>
               </a:r>
               <a:r>
-                <a:rPr lang="zh-TW" altLang="en-US" sz="2000" b="1" dirty="0" smtClean="0">
+                <a:rPr lang="zh-TW" altLang="en-US" sz="2000" b="1" dirty="0">
                   <a:solidFill>
                     <a:srgbClr val="526188"/>
                   </a:solidFill>
@@ -12769,13 +12613,6 @@
       </p:transition>
     </mc:Fallback>
   </mc:AlternateContent>
-  <p:timing>
-    <p:tnLst>
-      <p:par>
-        <p:cTn id="1" dur="indefinite" restart="never" nodeType="tmRoot"/>
-      </p:par>
-    </p:tnLst>
-  </p:timing>
 </p:sld>
 </file>
 
@@ -12941,7 +12778,7 @@
             <a:p>
               <a:pPr algn="just"/>
               <a:r>
-                <a:rPr lang="zh-TW" altLang="en-US" sz="2000" b="1" dirty="0" smtClean="0">
+                <a:rPr lang="zh-TW" altLang="en-US" sz="2000" b="1" dirty="0">
                   <a:solidFill>
                     <a:srgbClr val="526188"/>
                   </a:solidFill>
@@ -12952,7 +12789,7 @@
                 <a:t>規格書</a:t>
               </a:r>
               <a:r>
-                <a:rPr lang="en-US" altLang="zh-TW" sz="2000" b="1" dirty="0" smtClean="0">
+                <a:rPr lang="en-US" altLang="zh-TW" sz="2000" b="1" dirty="0">
                   <a:solidFill>
                     <a:srgbClr val="526188"/>
                   </a:solidFill>
@@ -12963,7 +12800,7 @@
                 <a:t>-</a:t>
               </a:r>
               <a:r>
-                <a:rPr lang="zh-TW" altLang="en-US" sz="2000" b="1" dirty="0" smtClean="0">
+                <a:rPr lang="zh-TW" altLang="en-US" sz="2000" b="1" dirty="0">
                   <a:solidFill>
                     <a:srgbClr val="526188"/>
                   </a:solidFill>
@@ -13179,13 +13016,6 @@
       </p:transition>
     </mc:Fallback>
   </mc:AlternateContent>
-  <p:timing>
-    <p:tnLst>
-      <p:par>
-        <p:cTn id="1" dur="indefinite" restart="never" nodeType="tmRoot"/>
-      </p:par>
-    </p:tnLst>
-  </p:timing>
 </p:sld>
 </file>
 
@@ -13351,7 +13181,7 @@
             <a:p>
               <a:pPr algn="just"/>
               <a:r>
-                <a:rPr lang="zh-TW" altLang="en-US" sz="2000" b="1" dirty="0" smtClean="0">
+                <a:rPr lang="zh-TW" altLang="en-US" sz="2000" b="1" dirty="0">
                   <a:solidFill>
                     <a:srgbClr val="526188"/>
                   </a:solidFill>
@@ -13362,7 +13192,7 @@
                 <a:t>規格書</a:t>
               </a:r>
               <a:r>
-                <a:rPr lang="en-US" altLang="zh-TW" sz="2000" b="1" dirty="0" smtClean="0">
+                <a:rPr lang="en-US" altLang="zh-TW" sz="2000" b="1" dirty="0">
                   <a:solidFill>
                     <a:srgbClr val="526188"/>
                   </a:solidFill>
@@ -13373,7 +13203,7 @@
                 <a:t>-</a:t>
               </a:r>
               <a:r>
-                <a:rPr lang="zh-TW" altLang="en-US" sz="2000" b="1" dirty="0" smtClean="0">
+                <a:rPr lang="zh-TW" altLang="en-US" sz="2000" b="1" dirty="0">
                   <a:solidFill>
                     <a:srgbClr val="526188"/>
                   </a:solidFill>
@@ -13589,13 +13419,6 @@
       </p:transition>
     </mc:Fallback>
   </mc:AlternateContent>
-  <p:timing>
-    <p:tnLst>
-      <p:par>
-        <p:cTn id="1" dur="indefinite" restart="never" nodeType="tmRoot"/>
-      </p:par>
-    </p:tnLst>
-  </p:timing>
 </p:sld>
 </file>
 
@@ -13761,7 +13584,7 @@
             <a:p>
               <a:pPr algn="just"/>
               <a:r>
-                <a:rPr lang="zh-TW" altLang="en-US" sz="2000" b="1" dirty="0" smtClean="0">
+                <a:rPr lang="zh-TW" altLang="en-US" sz="2000" b="1" dirty="0">
                   <a:solidFill>
                     <a:srgbClr val="526188"/>
                   </a:solidFill>
@@ -13772,7 +13595,7 @@
                 <a:t>規格書</a:t>
               </a:r>
               <a:r>
-                <a:rPr lang="en-US" altLang="zh-TW" sz="2000" b="1" dirty="0" smtClean="0">
+                <a:rPr lang="en-US" altLang="zh-TW" sz="2000" b="1" dirty="0">
                   <a:solidFill>
                     <a:srgbClr val="526188"/>
                   </a:solidFill>
@@ -13783,7 +13606,7 @@
                 <a:t>-</a:t>
               </a:r>
               <a:r>
-                <a:rPr lang="zh-TW" altLang="en-US" sz="2000" b="1" dirty="0" smtClean="0">
+                <a:rPr lang="zh-TW" altLang="en-US" sz="2000" b="1" dirty="0">
                   <a:solidFill>
                     <a:srgbClr val="526188"/>
                   </a:solidFill>
@@ -13953,6 +13776,66 @@
           </a:p>
         </p:txBody>
       </p:sp>
+      <p:pic>
+        <p:nvPicPr>
+          <p:cNvPr id="3" name="圖片 2">
+            <a:extLst>
+              <a:ext uri="{FF2B5EF4-FFF2-40B4-BE49-F238E27FC236}">
+                <a16:creationId xmlns:a16="http://schemas.microsoft.com/office/drawing/2014/main" id="{C8E31184-0978-BE7C-BF65-9401659F1BF0}"/>
+              </a:ext>
+            </a:extLst>
+          </p:cNvPr>
+          <p:cNvPicPr>
+            <a:picLocks noChangeAspect="1"/>
+          </p:cNvPicPr>
+          <p:nvPr/>
+        </p:nvPicPr>
+        <p:blipFill>
+          <a:blip r:embed="rId3"/>
+          <a:stretch>
+            <a:fillRect/>
+          </a:stretch>
+        </p:blipFill>
+        <p:spPr>
+          <a:xfrm>
+            <a:off x="2386794" y="0"/>
+            <a:ext cx="5019846" cy="6089904"/>
+          </a:xfrm>
+          <a:prstGeom prst="rect">
+            <a:avLst/>
+          </a:prstGeom>
+        </p:spPr>
+      </p:pic>
+      <p:pic>
+        <p:nvPicPr>
+          <p:cNvPr id="5" name="圖片 4">
+            <a:extLst>
+              <a:ext uri="{FF2B5EF4-FFF2-40B4-BE49-F238E27FC236}">
+                <a16:creationId xmlns:a16="http://schemas.microsoft.com/office/drawing/2014/main" id="{591440E7-3193-2EE2-B8D6-00EBE0CE4761}"/>
+              </a:ext>
+            </a:extLst>
+          </p:cNvPr>
+          <p:cNvPicPr>
+            <a:picLocks noChangeAspect="1"/>
+          </p:cNvPicPr>
+          <p:nvPr/>
+        </p:nvPicPr>
+        <p:blipFill>
+          <a:blip r:embed="rId4"/>
+          <a:stretch>
+            <a:fillRect/>
+          </a:stretch>
+        </p:blipFill>
+        <p:spPr>
+          <a:xfrm>
+            <a:off x="7626097" y="0"/>
+            <a:ext cx="4151376" cy="6089904"/>
+          </a:xfrm>
+          <a:prstGeom prst="rect">
+            <a:avLst/>
+          </a:prstGeom>
+        </p:spPr>
+      </p:pic>
     </p:spTree>
     <p:extLst>
       <p:ext uri="{BB962C8B-B14F-4D97-AF65-F5344CB8AC3E}">
@@ -13975,13 +13858,6 @@
       </p:transition>
     </mc:Fallback>
   </mc:AlternateContent>
-  <p:timing>
-    <p:tnLst>
-      <p:par>
-        <p:cTn id="1" dur="indefinite" restart="never" nodeType="tmRoot"/>
-      </p:par>
-    </p:tnLst>
-  </p:timing>
 </p:sld>
 </file>
 
@@ -14332,7 +14208,7 @@
           <a:p>
             <a:pPr algn="just"/>
             <a:r>
-              <a:rPr lang="zh-TW" altLang="en-US" sz="6600" dirty="0" smtClean="0">
+              <a:rPr lang="zh-TW" altLang="en-US" sz="6600" dirty="0">
                 <a:effectLst>
                   <a:outerShdw blurRad="50800" dist="38100" dir="5400000" algn="t" rotWithShape="0">
                     <a:prstClr val="black">
@@ -14378,13 +14254,6 @@
       </p:transition>
     </mc:Fallback>
   </mc:AlternateContent>
-  <p:timing>
-    <p:tnLst>
-      <p:par>
-        <p:cTn id="1" dur="indefinite" restart="never" nodeType="tmRoot"/>
-      </p:par>
-    </p:tnLst>
-  </p:timing>
 </p:sld>
 </file>
 
@@ -14550,7 +14419,7 @@
             <a:p>
               <a:pPr algn="just"/>
               <a:r>
-                <a:rPr lang="zh-TW" altLang="en-US" sz="2000" b="1" dirty="0" smtClean="0">
+                <a:rPr lang="zh-TW" altLang="en-US" sz="2000" b="1" dirty="0">
                   <a:solidFill>
                     <a:srgbClr val="526188"/>
                   </a:solidFill>
@@ -14767,13 +14636,13 @@
                     <a:lstStyle/>
                     <a:p>
                       <a:r>
-                        <a:rPr lang="zh-TW" altLang="en-US" baseline="0" dirty="0" smtClean="0">
+                        <a:rPr lang="zh-TW" altLang="en-US" baseline="0" dirty="0">
                           <a:latin typeface="Arial" panose="020B0604020202020204" pitchFamily="34" charset="0"/>
                           <a:ea typeface="微軟正黑體" panose="020B0604030504040204" pitchFamily="34" charset="-120"/>
                         </a:rPr>
                         <a:t>組員</a:t>
                       </a:r>
-                      <a:endParaRPr lang="en-US" altLang="zh-TW" baseline="0" dirty="0" smtClean="0">
+                      <a:endParaRPr lang="en-US" altLang="zh-TW" baseline="0" dirty="0">
                         <a:latin typeface="Arial" panose="020B0604020202020204" pitchFamily="34" charset="0"/>
                         <a:ea typeface="微軟正黑體" panose="020B0604030504040204" pitchFamily="34" charset="-120"/>
                       </a:endParaRPr>
@@ -14793,16 +14662,12 @@
                     <a:lstStyle/>
                     <a:p>
                       <a:r>
-                        <a:rPr lang="zh-TW" altLang="en-US" baseline="0" dirty="0" smtClean="0">
+                        <a:rPr lang="zh-TW" altLang="en-US" baseline="0" dirty="0">
                           <a:latin typeface="Arial" panose="020B0604020202020204" pitchFamily="34" charset="0"/>
                           <a:ea typeface="微軟正黑體" panose="020B0604030504040204" pitchFamily="34" charset="-120"/>
                         </a:rPr>
                         <a:t>分工</a:t>
                       </a:r>
-                      <a:endParaRPr lang="zh-TW" altLang="en-US" baseline="0" dirty="0">
-                        <a:latin typeface="Arial" panose="020B0604020202020204" pitchFamily="34" charset="0"/>
-                        <a:ea typeface="微軟正黑體" panose="020B0604030504040204" pitchFamily="34" charset="-120"/>
-                      </a:endParaRPr>
                     </a:p>
                   </a:txBody>
                   <a:tcPr/>
@@ -14820,13 +14685,13 @@
                     <a:lstStyle/>
                     <a:p>
                       <a:r>
-                        <a:rPr lang="zh-TW" altLang="en-US" baseline="0" dirty="0" smtClean="0">
+                        <a:rPr lang="zh-TW" altLang="en-US" baseline="0" dirty="0">
                           <a:latin typeface="Arial" panose="020B0604020202020204" pitchFamily="34" charset="0"/>
                           <a:ea typeface="微軟正黑體" panose="020B0604030504040204" pitchFamily="34" charset="-120"/>
                         </a:rPr>
                         <a:t>邱韋翔</a:t>
                       </a:r>
-                      <a:endParaRPr lang="en-US" altLang="zh-TW" baseline="0" dirty="0" smtClean="0">
+                      <a:endParaRPr lang="en-US" altLang="zh-TW" baseline="0" dirty="0">
                         <a:latin typeface="Arial" panose="020B0604020202020204" pitchFamily="34" charset="0"/>
                         <a:ea typeface="微軟正黑體" panose="020B0604030504040204" pitchFamily="34" charset="-120"/>
                       </a:endParaRPr>
@@ -14840,7 +14705,7 @@
                     <a:lstStyle/>
                     <a:p>
                       <a:r>
-                        <a:rPr lang="en-US" altLang="zh-TW" baseline="0" dirty="0" smtClean="0">
+                        <a:rPr lang="en-US" altLang="zh-TW" baseline="0" dirty="0">
                           <a:latin typeface="Arial" panose="020B0604020202020204" pitchFamily="34" charset="0"/>
                           <a:ea typeface="微軟正黑體" panose="020B0604030504040204" pitchFamily="34" charset="-120"/>
                         </a:rPr>
@@ -14867,16 +14732,12 @@
                     <a:lstStyle/>
                     <a:p>
                       <a:r>
-                        <a:rPr lang="zh-TW" altLang="en-US" baseline="0" dirty="0" smtClean="0">
+                        <a:rPr lang="zh-TW" altLang="en-US" baseline="0" dirty="0">
                           <a:latin typeface="Arial" panose="020B0604020202020204" pitchFamily="34" charset="0"/>
                           <a:ea typeface="微軟正黑體" panose="020B0604030504040204" pitchFamily="34" charset="-120"/>
                         </a:rPr>
                         <a:t>陳宗誌</a:t>
                       </a:r>
-                      <a:endParaRPr lang="zh-TW" altLang="en-US" baseline="0" dirty="0">
-                        <a:latin typeface="Arial" panose="020B0604020202020204" pitchFamily="34" charset="0"/>
-                        <a:ea typeface="微軟正黑體" panose="020B0604030504040204" pitchFamily="34" charset="-120"/>
-                      </a:endParaRPr>
                     </a:p>
                   </a:txBody>
                   <a:tcPr/>
@@ -14887,7 +14748,7 @@
                     <a:lstStyle/>
                     <a:p>
                       <a:r>
-                        <a:rPr lang="en-US" altLang="zh-TW" baseline="0" dirty="0" smtClean="0">
+                        <a:rPr lang="en-US" altLang="zh-TW" baseline="0" dirty="0">
                           <a:latin typeface="Arial" panose="020B0604020202020204" pitchFamily="34" charset="0"/>
                           <a:ea typeface="微軟正黑體" panose="020B0604030504040204" pitchFamily="34" charset="-120"/>
                         </a:rPr>
@@ -14914,16 +14775,12 @@
                     <a:lstStyle/>
                     <a:p>
                       <a:r>
-                        <a:rPr lang="zh-TW" altLang="en-US" baseline="0" dirty="0" smtClean="0">
+                        <a:rPr lang="zh-TW" altLang="en-US" baseline="0" dirty="0">
                           <a:latin typeface="Arial" panose="020B0604020202020204" pitchFamily="34" charset="0"/>
                           <a:ea typeface="微軟正黑體" panose="020B0604030504040204" pitchFamily="34" charset="-120"/>
                         </a:rPr>
                         <a:t>蔡旻蓉</a:t>
                       </a:r>
-                      <a:endParaRPr lang="zh-TW" altLang="en-US" baseline="0" dirty="0">
-                        <a:latin typeface="Arial" panose="020B0604020202020204" pitchFamily="34" charset="0"/>
-                        <a:ea typeface="微軟正黑體" panose="020B0604030504040204" pitchFamily="34" charset="-120"/>
-                      </a:endParaRPr>
                     </a:p>
                   </a:txBody>
                   <a:tcPr/>
@@ -14934,7 +14791,7 @@
                     <a:lstStyle/>
                     <a:p>
                       <a:r>
-                        <a:rPr lang="en-US" altLang="zh-TW" baseline="0" dirty="0" smtClean="0">
+                        <a:rPr lang="en-US" altLang="zh-TW" baseline="0" dirty="0">
                           <a:latin typeface="Arial" panose="020B0604020202020204" pitchFamily="34" charset="0"/>
                           <a:ea typeface="微軟正黑體" panose="020B0604030504040204" pitchFamily="34" charset="-120"/>
                         </a:rPr>
@@ -14980,13 +14837,6 @@
       </p:transition>
     </mc:Fallback>
   </mc:AlternateContent>
-  <p:timing>
-    <p:tnLst>
-      <p:par>
-        <p:cTn id="1" dur="indefinite" restart="never" nodeType="tmRoot"/>
-      </p:par>
-    </p:tnLst>
-  </p:timing>
 </p:sld>
 </file>
 
@@ -15337,7 +15187,7 @@
           <a:p>
             <a:pPr algn="just"/>
             <a:r>
-              <a:rPr lang="zh-TW" altLang="en-US" sz="6600" dirty="0" smtClean="0">
+              <a:rPr lang="zh-TW" altLang="en-US" sz="6600" dirty="0">
                 <a:effectLst>
                   <a:outerShdw blurRad="50800" dist="38100" dir="5400000" algn="t" rotWithShape="0">
                     <a:prstClr val="black">
@@ -15388,13 +15238,6 @@
       </p:transition>
     </mc:Fallback>
   </mc:AlternateContent>
-  <p:timing>
-    <p:tnLst>
-      <p:par>
-        <p:cTn id="1" dur="indefinite" restart="never" nodeType="tmRoot"/>
-      </p:par>
-    </p:tnLst>
-  </p:timing>
 </p:sld>
 </file>
 
@@ -15560,7 +15403,7 @@
             <a:p>
               <a:pPr algn="just"/>
               <a:r>
-                <a:rPr lang="zh-TW" altLang="en-US" sz="2000" b="1" dirty="0" smtClean="0">
+                <a:rPr lang="zh-TW" altLang="en-US" sz="2000" b="1" dirty="0">
                   <a:solidFill>
                     <a:srgbClr val="526188"/>
                   </a:solidFill>
@@ -15730,6 +15573,54 @@
           </a:p>
         </p:txBody>
       </p:sp>
+      <p:sp>
+        <p:nvSpPr>
+          <p:cNvPr id="8" name="內容版面配置區 2">
+            <a:extLst>
+              <a:ext uri="{FF2B5EF4-FFF2-40B4-BE49-F238E27FC236}">
+                <a16:creationId xmlns:a16="http://schemas.microsoft.com/office/drawing/2014/main" id="{843747F3-17D2-4452-123D-3F49C14F35F0}"/>
+              </a:ext>
+            </a:extLst>
+          </p:cNvPr>
+          <p:cNvSpPr>
+            <a:spLocks noGrp="1"/>
+          </p:cNvSpPr>
+          <p:nvPr>
+            <p:ph idx="1"/>
+          </p:nvPr>
+        </p:nvSpPr>
+        <p:spPr>
+          <a:xfrm>
+            <a:off x="645391" y="1558985"/>
+            <a:ext cx="10901218" cy="3423907"/>
+          </a:xfrm>
+        </p:spPr>
+        <p:txBody>
+          <a:bodyPr>
+            <a:normAutofit/>
+          </a:bodyPr>
+          <a:lstStyle/>
+          <a:p>
+            <a:pPr marL="0" indent="457200" algn="just" eaLnBrk="0" hangingPunct="0">
+              <a:lnSpc>
+                <a:spcPct val="150000"/>
+              </a:lnSpc>
+              <a:buNone/>
+            </a:pPr>
+            <a:r>
+              <a:rPr lang="zh-TW" altLang="en-US" dirty="0">
+                <a:latin typeface="Arial" panose="020B0604020202020204" pitchFamily="34" charset="0"/>
+                <a:ea typeface="微軟正黑體" panose="020B0604030504040204" pitchFamily="34" charset="-120"/>
+              </a:rPr>
+              <a:t>我們這組做規格書遇到最困難的地方是規格書最後循序圖和合約的部分，因為是第一次做沒有經驗，所以做的過程中可能會遇到許多不會的部分，中途刪刪減減改了許多次，也有詢問老師怎麼去做的解決方法等，但還是有許多地方可能不是正確答案，所以我們還是硬著頭皮去嘗試去修改來盡可能完成循序圖和合約的部分</a:t>
+            </a:r>
+            <a:endParaRPr lang="en-US" altLang="zh-TW" dirty="0">
+              <a:latin typeface="Arial" panose="020B0604020202020204" pitchFamily="34" charset="0"/>
+              <a:ea typeface="微軟正黑體" panose="020B0604030504040204" pitchFamily="34" charset="-120"/>
+            </a:endParaRPr>
+          </a:p>
+        </p:txBody>
+      </p:sp>
     </p:spTree>
     <p:extLst>
       <p:ext uri="{BB962C8B-B14F-4D97-AF65-F5344CB8AC3E}">
@@ -15752,13 +15643,6 @@
       </p:transition>
     </mc:Fallback>
   </mc:AlternateContent>
-  <p:timing>
-    <p:tnLst>
-      <p:par>
-        <p:cTn id="1" dur="indefinite" restart="never" nodeType="tmRoot"/>
-      </p:par>
-    </p:tnLst>
-  </p:timing>
 </p:sld>
 </file>
 
@@ -16109,7 +15993,7 @@
           <a:p>
             <a:pPr algn="just"/>
             <a:r>
-              <a:rPr lang="zh-TW" altLang="en-US" sz="6600" dirty="0" smtClean="0">
+              <a:rPr lang="zh-TW" altLang="en-US" sz="6600" dirty="0">
                 <a:effectLst>
                   <a:outerShdw blurRad="50800" dist="38100" dir="5400000" algn="t" rotWithShape="0">
                     <a:prstClr val="black">
@@ -16155,13 +16039,6 @@
       </p:transition>
     </mc:Fallback>
   </mc:AlternateContent>
-  <p:timing>
-    <p:tnLst>
-      <p:par>
-        <p:cTn id="1" dur="indefinite" restart="never" nodeType="tmRoot"/>
-      </p:par>
-    </p:tnLst>
-  </p:timing>
 </p:sld>
 </file>
 
@@ -16512,7 +16389,7 @@
           <a:p>
             <a:pPr algn="just"/>
             <a:r>
-              <a:rPr lang="zh-TW" altLang="en-US" sz="6600" dirty="0" smtClean="0">
+              <a:rPr lang="zh-TW" altLang="en-US" sz="6600" dirty="0">
                 <a:effectLst>
                   <a:outerShdw blurRad="50800" dist="38100" dir="5400000" algn="t" rotWithShape="0">
                     <a:prstClr val="black">
@@ -16563,13 +16440,6 @@
       </p:transition>
     </mc:Fallback>
   </mc:AlternateContent>
-  <p:timing>
-    <p:tnLst>
-      <p:par>
-        <p:cTn id="1" dur="indefinite" restart="never" nodeType="tmRoot"/>
-      </p:par>
-    </p:tnLst>
-  </p:timing>
 </p:sld>
 </file>
 
@@ -16735,7 +16605,7 @@
             <a:p>
               <a:pPr algn="just"/>
               <a:r>
-                <a:rPr lang="zh-TW" altLang="en-US" sz="2000" b="1" dirty="0" smtClean="0">
+                <a:rPr lang="zh-TW" altLang="en-US" sz="2000" b="1" dirty="0">
                   <a:solidFill>
                     <a:srgbClr val="526188"/>
                   </a:solidFill>
@@ -16934,13 +16804,13 @@
               <a:buNone/>
             </a:pPr>
             <a:r>
-              <a:rPr lang="zh-TW" altLang="en-US" dirty="0" smtClean="0">
+              <a:rPr lang="zh-TW" altLang="en-US" dirty="0">
                 <a:latin typeface="Arial" panose="020B0604020202020204" pitchFamily="34" charset="0"/>
                 <a:ea typeface="微軟正黑體" panose="020B0604030504040204" pitchFamily="34" charset="-120"/>
               </a:rPr>
               <a:t>透過這次的期末分組，再次去了解到系統分析的規格書該怎麼寫，還好是小組去完成一份報告，遇到不懂的地方就求助組員，整個過程大家都齊心協力的去努力完成，有空就會約一個時間去討論今天要完成或是這禮拜要完成哪些部分，雖然說都有去完成老師給的作業，但實際要我們自己去從頭分析一個網頁，難度真的是直線上升，畢竟要花很多時間來解決這份報告，由於時間上的限制加上期末要準備的東西太多，所以沒辦法完美的呈現整份規格書的內容。</a:t>
             </a:r>
-            <a:endParaRPr lang="en-US" altLang="zh-TW" dirty="0" smtClean="0">
+            <a:endParaRPr lang="en-US" altLang="zh-TW" dirty="0">
               <a:latin typeface="Arial" panose="020B0604020202020204" pitchFamily="34" charset="0"/>
               <a:ea typeface="微軟正黑體" panose="020B0604030504040204" pitchFamily="34" charset="-120"/>
             </a:endParaRPr>
@@ -16969,13 +16839,6 @@
       </p:transition>
     </mc:Fallback>
   </mc:AlternateContent>
-  <p:timing>
-    <p:tnLst>
-      <p:par>
-        <p:cTn id="1" dur="indefinite" restart="never" nodeType="tmRoot"/>
-      </p:par>
-    </p:tnLst>
-  </p:timing>
 </p:sld>
 </file>
 
@@ -17141,17 +17004,6 @@
             <a:p>
               <a:pPr algn="just"/>
               <a:r>
-                <a:rPr lang="zh-TW" altLang="en-US" sz="2000" b="1" dirty="0" smtClean="0">
-                  <a:solidFill>
-                    <a:srgbClr val="526188"/>
-                  </a:solidFill>
-                  <a:latin typeface="微软雅黑" panose="020B0503020204020204" pitchFamily="34" charset="-122"/>
-                  <a:ea typeface="微软雅黑" panose="020B0503020204020204" pitchFamily="34" charset="-122"/>
-                  <a:cs typeface="文泉驿等宽微米黑" panose="020B0606030804020204" pitchFamily="34" charset="-122"/>
-                </a:rPr>
-                <a:t>動</a:t>
-              </a:r>
-              <a:r>
                 <a:rPr lang="zh-TW" altLang="en-US" sz="2000" b="1" dirty="0">
                   <a:solidFill>
                     <a:srgbClr val="526188"/>
@@ -17160,7 +17012,7 @@
                   <a:ea typeface="微软雅黑" panose="020B0503020204020204" pitchFamily="34" charset="-122"/>
                   <a:cs typeface="文泉驿等宽微米黑" panose="020B0606030804020204" pitchFamily="34" charset="-122"/>
                 </a:rPr>
-                <a:t>機</a:t>
+                <a:t>動機</a:t>
               </a:r>
               <a:endParaRPr lang="zh-CN" altLang="en-US" sz="2000" b="1" dirty="0">
                 <a:solidFill>
@@ -17457,27 +17309,7 @@
                 <a:latin typeface="Arial" panose="020B0604020202020204" pitchFamily="34" charset="0"/>
                 <a:ea typeface="微軟正黑體" panose="020B0604030504040204" pitchFamily="34" charset="-120"/>
               </a:rPr>
-              <a:t>版</a:t>
-            </a:r>
-            <a:r>
-              <a:rPr lang="zh-TW" altLang="en-US" dirty="0" smtClean="0">
-                <a:solidFill>
-                  <a:schemeClr val="tx1"/>
-                </a:solidFill>
-                <a:latin typeface="Arial" panose="020B0604020202020204" pitchFamily="34" charset="0"/>
-                <a:ea typeface="微軟正黑體" panose="020B0604030504040204" pitchFamily="34" charset="-120"/>
-              </a:rPr>
-              <a:t>搜尋</a:t>
-            </a:r>
-            <a:r>
-              <a:rPr lang="en-US" altLang="zh-TW" dirty="0" smtClean="0">
-                <a:solidFill>
-                  <a:schemeClr val="tx1"/>
-                </a:solidFill>
-                <a:latin typeface="Arial" panose="020B0604020202020204" pitchFamily="34" charset="0"/>
-                <a:ea typeface="微軟正黑體" panose="020B0604030504040204" pitchFamily="34" charset="-120"/>
-              </a:rPr>
-              <a:t>Spotify </a:t>
+              <a:t>版搜尋</a:t>
             </a:r>
             <a:r>
               <a:rPr lang="en-US" altLang="zh-TW" dirty="0">
@@ -17487,7 +17319,7 @@
                 <a:latin typeface="Arial" panose="020B0604020202020204" pitchFamily="34" charset="0"/>
                 <a:ea typeface="微軟正黑體" panose="020B0604030504040204" pitchFamily="34" charset="-120"/>
               </a:rPr>
-              <a:t>web</a:t>
+              <a:t>Spotify web</a:t>
             </a:r>
             <a:r>
               <a:rPr lang="zh-TW" altLang="en-US" dirty="0">
@@ -17497,27 +17329,7 @@
                 <a:latin typeface="Arial" panose="020B0604020202020204" pitchFamily="34" charset="0"/>
                 <a:ea typeface="微軟正黑體" panose="020B0604030504040204" pitchFamily="34" charset="-120"/>
               </a:rPr>
-              <a:t>聽歌，所以我們決定</a:t>
-            </a:r>
-            <a:r>
-              <a:rPr lang="zh-TW" altLang="en-US" dirty="0" smtClean="0">
-                <a:solidFill>
-                  <a:schemeClr val="tx1"/>
-                </a:solidFill>
-                <a:latin typeface="Arial" panose="020B0604020202020204" pitchFamily="34" charset="0"/>
-                <a:ea typeface="微軟正黑體" panose="020B0604030504040204" pitchFamily="34" charset="-120"/>
-              </a:rPr>
-              <a:t>拿</a:t>
-            </a:r>
-            <a:r>
-              <a:rPr lang="en-US" altLang="zh-TW" dirty="0" smtClean="0">
-                <a:solidFill>
-                  <a:schemeClr val="tx1"/>
-                </a:solidFill>
-                <a:latin typeface="Arial" panose="020B0604020202020204" pitchFamily="34" charset="0"/>
-                <a:ea typeface="微軟正黑體" panose="020B0604030504040204" pitchFamily="34" charset="-120"/>
-              </a:rPr>
-              <a:t>Spotify </a:t>
+              <a:t>聽歌，所以我們決定拿</a:t>
             </a:r>
             <a:r>
               <a:rPr lang="en-US" altLang="zh-TW" dirty="0">
@@ -17527,7 +17339,7 @@
                 <a:latin typeface="Arial" panose="020B0604020202020204" pitchFamily="34" charset="0"/>
                 <a:ea typeface="微軟正黑體" panose="020B0604030504040204" pitchFamily="34" charset="-120"/>
               </a:rPr>
-              <a:t>web</a:t>
+              <a:t>Spotify web</a:t>
             </a:r>
             <a:r>
               <a:rPr lang="zh-TW" altLang="en-US" dirty="0">
@@ -17629,13 +17441,6 @@
       </p:transition>
     </mc:Fallback>
   </mc:AlternateContent>
-  <p:timing>
-    <p:tnLst>
-      <p:par>
-        <p:cTn id="1" dur="indefinite" restart="never" nodeType="tmRoot"/>
-      </p:par>
-    </p:tnLst>
-  </p:timing>
 </p:sld>
 </file>
 
@@ -17986,7 +17791,7 @@
           <a:p>
             <a:pPr algn="just"/>
             <a:r>
-              <a:rPr lang="zh-TW" altLang="en-US" sz="6600" dirty="0" smtClean="0">
+              <a:rPr lang="zh-TW" altLang="en-US" sz="6600" dirty="0">
                 <a:effectLst>
                   <a:outerShdw blurRad="50800" dist="38100" dir="5400000" algn="t" rotWithShape="0">
                     <a:prstClr val="black">
@@ -18032,13 +17837,6 @@
       </p:transition>
     </mc:Fallback>
   </mc:AlternateContent>
-  <p:timing>
-    <p:tnLst>
-      <p:par>
-        <p:cTn id="1" dur="indefinite" restart="never" nodeType="tmRoot"/>
-      </p:par>
-    </p:tnLst>
-  </p:timing>
 </p:sld>
 </file>
 
@@ -18204,7 +18002,7 @@
             <a:p>
               <a:pPr algn="just"/>
               <a:r>
-                <a:rPr lang="zh-TW" altLang="en-US" sz="2000" b="1" dirty="0" smtClean="0">
+                <a:rPr lang="zh-TW" altLang="en-US" sz="2000" b="1" dirty="0">
                   <a:solidFill>
                     <a:srgbClr val="526188"/>
                   </a:solidFill>
@@ -18421,14 +18219,11 @@
           <a:lstStyle/>
           <a:p>
             <a:r>
-              <a:rPr lang="zh-TW" altLang="en-US" sz="3600" dirty="0" smtClean="0">
+              <a:rPr lang="zh-TW" altLang="en-US" sz="3600" dirty="0">
                 <a:ea typeface="微軟正黑體" panose="020B0604030504040204" pitchFamily="34" charset="-120"/>
               </a:rPr>
               <a:t>首頁功能</a:t>
             </a:r>
-            <a:endParaRPr lang="zh-TW" altLang="en-US" sz="3600" dirty="0">
-              <a:ea typeface="微軟正黑體" panose="020B0604030504040204" pitchFamily="34" charset="-120"/>
-            </a:endParaRPr>
           </a:p>
         </p:txBody>
       </p:sp>
@@ -18454,13 +18249,6 @@
       </p:transition>
     </mc:Fallback>
   </mc:AlternateContent>
-  <p:timing>
-    <p:tnLst>
-      <p:par>
-        <p:cTn id="1" dur="indefinite" restart="never" nodeType="tmRoot"/>
-      </p:par>
-    </p:tnLst>
-  </p:timing>
 </p:sld>
 </file>
 
@@ -18626,7 +18414,7 @@
             <a:p>
               <a:pPr algn="just"/>
               <a:r>
-                <a:rPr lang="zh-TW" altLang="en-US" sz="2000" b="1" dirty="0" smtClean="0">
+                <a:rPr lang="zh-TW" altLang="en-US" sz="2000" b="1" dirty="0">
                   <a:solidFill>
                     <a:srgbClr val="526188"/>
                   </a:solidFill>
@@ -18904,13 +18692,6 @@
       </p:transition>
     </mc:Fallback>
   </mc:AlternateContent>
-  <p:timing>
-    <p:tnLst>
-      <p:par>
-        <p:cTn id="1" dur="indefinite" restart="never" nodeType="tmRoot"/>
-      </p:par>
-    </p:tnLst>
-  </p:timing>
 </p:sld>
 </file>
 
@@ -19076,7 +18857,7 @@
             <a:p>
               <a:pPr algn="just"/>
               <a:r>
-                <a:rPr lang="zh-TW" altLang="en-US" sz="2000" b="1" dirty="0" smtClean="0">
+                <a:rPr lang="zh-TW" altLang="en-US" sz="2000" b="1" dirty="0">
                   <a:solidFill>
                     <a:srgbClr val="526188"/>
                   </a:solidFill>
@@ -19330,13 +19111,6 @@
       </p:transition>
     </mc:Fallback>
   </mc:AlternateContent>
-  <p:timing>
-    <p:tnLst>
-      <p:par>
-        <p:cTn id="1" dur="indefinite" restart="never" nodeType="tmRoot"/>
-      </p:par>
-    </p:tnLst>
-  </p:timing>
 </p:sld>
 </file>
 
@@ -19502,7 +19276,7 @@
             <a:p>
               <a:pPr algn="just"/>
               <a:r>
-                <a:rPr lang="zh-TW" altLang="en-US" sz="2000" b="1" dirty="0" smtClean="0">
+                <a:rPr lang="zh-TW" altLang="en-US" sz="2000" b="1" dirty="0">
                   <a:solidFill>
                     <a:srgbClr val="526188"/>
                   </a:solidFill>
@@ -19756,13 +19530,6 @@
       </p:transition>
     </mc:Fallback>
   </mc:AlternateContent>
-  <p:timing>
-    <p:tnLst>
-      <p:par>
-        <p:cTn id="1" dur="indefinite" restart="never" nodeType="tmRoot"/>
-      </p:par>
-    </p:tnLst>
-  </p:timing>
 </p:sld>
 </file>
 

--- a/系統分析PPT.pptx
+++ b/系統分析PPT.pptx
@@ -14598,14 +14598,14 @@
           <p:nvPr>
             <p:extLst>
               <p:ext uri="{D42A27DB-BD31-4B8C-83A1-F6EECF244321}">
-                <p14:modId xmlns:p14="http://schemas.microsoft.com/office/powerpoint/2010/main" val="475179889"/>
+                <p14:modId xmlns:p14="http://schemas.microsoft.com/office/powerpoint/2010/main" val="1595198280"/>
               </p:ext>
             </p:extLst>
           </p:nvPr>
         </p:nvGraphicFramePr>
         <p:xfrm>
-          <a:off x="786945" y="871861"/>
-          <a:ext cx="2787528" cy="1787277"/>
+          <a:off x="124147" y="1063231"/>
+          <a:ext cx="2295144" cy="1787277"/>
         </p:xfrm>
         <a:graphic>
           <a:graphicData uri="http://schemas.openxmlformats.org/drawingml/2006/table">
@@ -14614,14 +14614,14 @@
                 <a:tableStyleId>{5C22544A-7EE6-4342-B048-85BDC9FD1C3A}</a:tableStyleId>
               </a:tblPr>
               <a:tblGrid>
-                <a:gridCol w="1078800">
+                <a:gridCol w="888242">
                   <a:extLst>
                     <a:ext uri="{9D8B030D-6E8A-4147-A177-3AD203B41FA5}">
                       <a16:colId xmlns:a16="http://schemas.microsoft.com/office/drawing/2014/main" val="1809385347"/>
                     </a:ext>
                   </a:extLst>
                 </a:gridCol>
-                <a:gridCol w="1708728">
+                <a:gridCol w="1406902">
                   <a:extLst>
                     <a:ext uri="{9D8B030D-6E8A-4147-A177-3AD203B41FA5}">
                       <a16:colId xmlns:a16="http://schemas.microsoft.com/office/drawing/2014/main" val="2615847368"/>
@@ -14815,6 +14815,76 @@
           </a:graphicData>
         </a:graphic>
       </p:graphicFrame>
+      <p:pic>
+        <p:nvPicPr>
+          <p:cNvPr id="4" name="圖片 3">
+            <a:extLst>
+              <a:ext uri="{FF2B5EF4-FFF2-40B4-BE49-F238E27FC236}">
+                <a16:creationId xmlns:a16="http://schemas.microsoft.com/office/drawing/2014/main" id="{814F9036-1300-495C-DE5A-9F7FCEA8A6F5}"/>
+              </a:ext>
+            </a:extLst>
+          </p:cNvPr>
+          <p:cNvPicPr>
+            <a:picLocks noChangeAspect="1"/>
+          </p:cNvPicPr>
+          <p:nvPr/>
+        </p:nvPicPr>
+        <p:blipFill>
+          <a:blip r:embed="rId3"/>
+          <a:stretch>
+            <a:fillRect/>
+          </a:stretch>
+        </p:blipFill>
+        <p:spPr>
+          <a:xfrm>
+            <a:off x="8041106" y="25261"/>
+            <a:ext cx="4150894" cy="6858000"/>
+          </a:xfrm>
+          <a:prstGeom prst="rect">
+            <a:avLst/>
+          </a:prstGeom>
+          <a:ln>
+            <a:solidFill>
+              <a:schemeClr val="tx1"/>
+            </a:solidFill>
+          </a:ln>
+        </p:spPr>
+      </p:pic>
+      <p:pic>
+        <p:nvPicPr>
+          <p:cNvPr id="6" name="圖片 5">
+            <a:extLst>
+              <a:ext uri="{FF2B5EF4-FFF2-40B4-BE49-F238E27FC236}">
+                <a16:creationId xmlns:a16="http://schemas.microsoft.com/office/drawing/2014/main" id="{EE27E877-CFF9-C033-B6D8-5C78A9A50FF1}"/>
+              </a:ext>
+            </a:extLst>
+          </p:cNvPr>
+          <p:cNvPicPr>
+            <a:picLocks noChangeAspect="1"/>
+          </p:cNvPicPr>
+          <p:nvPr/>
+        </p:nvPicPr>
+        <p:blipFill>
+          <a:blip r:embed="rId4"/>
+          <a:stretch>
+            <a:fillRect/>
+          </a:stretch>
+        </p:blipFill>
+        <p:spPr>
+          <a:xfrm>
+            <a:off x="2599110" y="871861"/>
+            <a:ext cx="4969569" cy="4365229"/>
+          </a:xfrm>
+          <a:prstGeom prst="rect">
+            <a:avLst/>
+          </a:prstGeom>
+          <a:ln>
+            <a:solidFill>
+              <a:schemeClr val="tx1"/>
+            </a:solidFill>
+          </a:ln>
+        </p:spPr>
+      </p:pic>
     </p:spTree>
     <p:extLst>
       <p:ext uri="{BB962C8B-B14F-4D97-AF65-F5344CB8AC3E}">

--- a/系統分析PPT.pptx
+++ b/系統分析PPT.pptx
@@ -238,7 +238,7 @@
           <a:p>
             <a:fld id="{3D37EDBB-4C7E-458C-8081-732E81F2C989}" type="datetimeFigureOut">
               <a:rPr lang="zh-CN" altLang="en-US" smtClean="0"/>
-              <a:t>2022/6/18</a:t>
+              <a:t>2022/6/19</a:t>
             </a:fld>
             <a:endParaRPr lang="zh-CN" altLang="en-US"/>
           </a:p>
@@ -2650,7 +2650,7 @@
           <a:p>
             <a:fld id="{A640CAB6-B07E-4BA4-BC4B-DDB8D129D594}" type="datetimeFigureOut">
               <a:rPr lang="zh-CN" altLang="en-US" smtClean="0"/>
-              <a:t>2022/6/18</a:t>
+              <a:t>2022/6/19</a:t>
             </a:fld>
             <a:endParaRPr lang="zh-CN" altLang="en-US"/>
           </a:p>
@@ -2825,7 +2825,7 @@
           <a:p>
             <a:fld id="{A640CAB6-B07E-4BA4-BC4B-DDB8D129D594}" type="datetimeFigureOut">
               <a:rPr lang="zh-CN" altLang="en-US" smtClean="0"/>
-              <a:t>2022/6/18</a:t>
+              <a:t>2022/6/19</a:t>
             </a:fld>
             <a:endParaRPr lang="zh-CN" altLang="en-US"/>
           </a:p>
@@ -3010,7 +3010,7 @@
           <a:p>
             <a:fld id="{A640CAB6-B07E-4BA4-BC4B-DDB8D129D594}" type="datetimeFigureOut">
               <a:rPr lang="zh-CN" altLang="en-US" smtClean="0"/>
-              <a:t>2022/6/18</a:t>
+              <a:t>2022/6/19</a:t>
             </a:fld>
             <a:endParaRPr lang="zh-CN" altLang="en-US"/>
           </a:p>
@@ -3185,7 +3185,7 @@
           <a:p>
             <a:fld id="{A640CAB6-B07E-4BA4-BC4B-DDB8D129D594}" type="datetimeFigureOut">
               <a:rPr lang="zh-CN" altLang="en-US" smtClean="0"/>
-              <a:t>2022/6/18</a:t>
+              <a:t>2022/6/19</a:t>
             </a:fld>
             <a:endParaRPr lang="zh-CN" altLang="en-US"/>
           </a:p>
@@ -3437,7 +3437,7 @@
           <a:p>
             <a:fld id="{A640CAB6-B07E-4BA4-BC4B-DDB8D129D594}" type="datetimeFigureOut">
               <a:rPr lang="zh-CN" altLang="en-US" smtClean="0"/>
-              <a:t>2022/6/18</a:t>
+              <a:t>2022/6/19</a:t>
             </a:fld>
             <a:endParaRPr lang="zh-CN" altLang="en-US"/>
           </a:p>
@@ -3673,7 +3673,7 @@
           <a:p>
             <a:fld id="{A640CAB6-B07E-4BA4-BC4B-DDB8D129D594}" type="datetimeFigureOut">
               <a:rPr lang="zh-CN" altLang="en-US" smtClean="0"/>
-              <a:t>2022/6/18</a:t>
+              <a:t>2022/6/19</a:t>
             </a:fld>
             <a:endParaRPr lang="zh-CN" altLang="en-US"/>
           </a:p>
@@ -4044,7 +4044,7 @@
           <a:p>
             <a:fld id="{A640CAB6-B07E-4BA4-BC4B-DDB8D129D594}" type="datetimeFigureOut">
               <a:rPr lang="zh-CN" altLang="en-US" smtClean="0"/>
-              <a:t>2022/6/18</a:t>
+              <a:t>2022/6/19</a:t>
             </a:fld>
             <a:endParaRPr lang="zh-CN" altLang="en-US"/>
           </a:p>
@@ -4168,7 +4168,7 @@
           <a:p>
             <a:fld id="{A640CAB6-B07E-4BA4-BC4B-DDB8D129D594}" type="datetimeFigureOut">
               <a:rPr lang="zh-CN" altLang="en-US" smtClean="0"/>
-              <a:t>2022/6/18</a:t>
+              <a:t>2022/6/19</a:t>
             </a:fld>
             <a:endParaRPr lang="zh-CN" altLang="en-US"/>
           </a:p>
@@ -4270,7 +4270,7 @@
           <a:p>
             <a:fld id="{A640CAB6-B07E-4BA4-BC4B-DDB8D129D594}" type="datetimeFigureOut">
               <a:rPr lang="zh-CN" altLang="en-US" smtClean="0"/>
-              <a:t>2022/6/18</a:t>
+              <a:t>2022/6/19</a:t>
             </a:fld>
             <a:endParaRPr lang="zh-CN" altLang="en-US"/>
           </a:p>
@@ -4552,7 +4552,7 @@
           <a:p>
             <a:fld id="{A640CAB6-B07E-4BA4-BC4B-DDB8D129D594}" type="datetimeFigureOut">
               <a:rPr lang="zh-CN" altLang="en-US" smtClean="0"/>
-              <a:t>2022/6/18</a:t>
+              <a:t>2022/6/19</a:t>
             </a:fld>
             <a:endParaRPr lang="zh-CN" altLang="en-US"/>
           </a:p>
@@ -4811,7 +4811,7 @@
           <a:p>
             <a:fld id="{A640CAB6-B07E-4BA4-BC4B-DDB8D129D594}" type="datetimeFigureOut">
               <a:rPr lang="zh-CN" altLang="en-US" smtClean="0"/>
-              <a:t>2022/6/18</a:t>
+              <a:t>2022/6/19</a:t>
             </a:fld>
             <a:endParaRPr lang="zh-CN" altLang="en-US"/>
           </a:p>
@@ -5032,7 +5032,7 @@
           <a:p>
             <a:fld id="{A640CAB6-B07E-4BA4-BC4B-DDB8D129D594}" type="datetimeFigureOut">
               <a:rPr lang="zh-CN" altLang="en-US" smtClean="0"/>
-              <a:t>2022/6/18</a:t>
+              <a:t>2022/6/19</a:t>
             </a:fld>
             <a:endParaRPr lang="zh-CN" altLang="en-US"/>
           </a:p>
@@ -12642,9 +12642,9 @@
         <p:grpSpPr>
           <a:xfrm>
             <a:off x="346076" y="323047"/>
-            <a:ext cx="2480251" cy="548814"/>
+            <a:ext cx="3009772" cy="707886"/>
             <a:chOff x="384176" y="265897"/>
-            <a:chExt cx="2480251" cy="548814"/>
+            <a:chExt cx="2480251" cy="707886"/>
           </a:xfrm>
         </p:grpSpPr>
         <p:grpSp>
@@ -12763,7 +12763,7 @@
           <p:spPr>
             <a:xfrm>
               <a:off x="825047" y="265897"/>
-              <a:ext cx="2039380" cy="400110"/>
+              <a:ext cx="2039380" cy="707886"/>
             </a:xfrm>
             <a:prstGeom prst="rect">
               <a:avLst/>
@@ -12808,7 +12808,7 @@
                   <a:ea typeface="微软雅黑" panose="020B0503020204020204" pitchFamily="34" charset="-122"/>
                   <a:cs typeface="文泉驿等宽微米黑" panose="020B0606030804020204" pitchFamily="34" charset="-122"/>
                 </a:rPr>
-                <a:t>事件表</a:t>
+                <a:t>物件類別圖</a:t>
               </a:r>
               <a:endParaRPr lang="zh-CN" altLang="en-US" sz="2000" b="1" dirty="0">
                 <a:solidFill>
@@ -15337,7 +15337,7 @@
         <p:grpSpPr>
           <a:xfrm>
             <a:off x="346076" y="323047"/>
-            <a:ext cx="2073215" cy="707886"/>
+            <a:ext cx="2973196" cy="707886"/>
             <a:chOff x="384176" y="265897"/>
             <a:chExt cx="2073215" cy="707886"/>
           </a:xfrm>

--- a/系統分析PPT.pptx
+++ b/系統分析PPT.pptx
@@ -238,7 +238,7 @@
           <a:p>
             <a:fld id="{3D37EDBB-4C7E-458C-8081-732E81F2C989}" type="datetimeFigureOut">
               <a:rPr lang="zh-CN" altLang="en-US" smtClean="0"/>
-              <a:t>2022/6/19</a:t>
+              <a:t>2022/6/20</a:t>
             </a:fld>
             <a:endParaRPr lang="zh-CN" altLang="en-US"/>
           </a:p>
@@ -2650,7 +2650,7 @@
           <a:p>
             <a:fld id="{A640CAB6-B07E-4BA4-BC4B-DDB8D129D594}" type="datetimeFigureOut">
               <a:rPr lang="zh-CN" altLang="en-US" smtClean="0"/>
-              <a:t>2022/6/19</a:t>
+              <a:t>2022/6/20</a:t>
             </a:fld>
             <a:endParaRPr lang="zh-CN" altLang="en-US"/>
           </a:p>
@@ -2825,7 +2825,7 @@
           <a:p>
             <a:fld id="{A640CAB6-B07E-4BA4-BC4B-DDB8D129D594}" type="datetimeFigureOut">
               <a:rPr lang="zh-CN" altLang="en-US" smtClean="0"/>
-              <a:t>2022/6/19</a:t>
+              <a:t>2022/6/20</a:t>
             </a:fld>
             <a:endParaRPr lang="zh-CN" altLang="en-US"/>
           </a:p>
@@ -3010,7 +3010,7 @@
           <a:p>
             <a:fld id="{A640CAB6-B07E-4BA4-BC4B-DDB8D129D594}" type="datetimeFigureOut">
               <a:rPr lang="zh-CN" altLang="en-US" smtClean="0"/>
-              <a:t>2022/6/19</a:t>
+              <a:t>2022/6/20</a:t>
             </a:fld>
             <a:endParaRPr lang="zh-CN" altLang="en-US"/>
           </a:p>
@@ -3185,7 +3185,7 @@
           <a:p>
             <a:fld id="{A640CAB6-B07E-4BA4-BC4B-DDB8D129D594}" type="datetimeFigureOut">
               <a:rPr lang="zh-CN" altLang="en-US" smtClean="0"/>
-              <a:t>2022/6/19</a:t>
+              <a:t>2022/6/20</a:t>
             </a:fld>
             <a:endParaRPr lang="zh-CN" altLang="en-US"/>
           </a:p>
@@ -3437,7 +3437,7 @@
           <a:p>
             <a:fld id="{A640CAB6-B07E-4BA4-BC4B-DDB8D129D594}" type="datetimeFigureOut">
               <a:rPr lang="zh-CN" altLang="en-US" smtClean="0"/>
-              <a:t>2022/6/19</a:t>
+              <a:t>2022/6/20</a:t>
             </a:fld>
             <a:endParaRPr lang="zh-CN" altLang="en-US"/>
           </a:p>
@@ -3673,7 +3673,7 @@
           <a:p>
             <a:fld id="{A640CAB6-B07E-4BA4-BC4B-DDB8D129D594}" type="datetimeFigureOut">
               <a:rPr lang="zh-CN" altLang="en-US" smtClean="0"/>
-              <a:t>2022/6/19</a:t>
+              <a:t>2022/6/20</a:t>
             </a:fld>
             <a:endParaRPr lang="zh-CN" altLang="en-US"/>
           </a:p>
@@ -4044,7 +4044,7 @@
           <a:p>
             <a:fld id="{A640CAB6-B07E-4BA4-BC4B-DDB8D129D594}" type="datetimeFigureOut">
               <a:rPr lang="zh-CN" altLang="en-US" smtClean="0"/>
-              <a:t>2022/6/19</a:t>
+              <a:t>2022/6/20</a:t>
             </a:fld>
             <a:endParaRPr lang="zh-CN" altLang="en-US"/>
           </a:p>
@@ -4168,7 +4168,7 @@
           <a:p>
             <a:fld id="{A640CAB6-B07E-4BA4-BC4B-DDB8D129D594}" type="datetimeFigureOut">
               <a:rPr lang="zh-CN" altLang="en-US" smtClean="0"/>
-              <a:t>2022/6/19</a:t>
+              <a:t>2022/6/20</a:t>
             </a:fld>
             <a:endParaRPr lang="zh-CN" altLang="en-US"/>
           </a:p>
@@ -4270,7 +4270,7 @@
           <a:p>
             <a:fld id="{A640CAB6-B07E-4BA4-BC4B-DDB8D129D594}" type="datetimeFigureOut">
               <a:rPr lang="zh-CN" altLang="en-US" smtClean="0"/>
-              <a:t>2022/6/19</a:t>
+              <a:t>2022/6/20</a:t>
             </a:fld>
             <a:endParaRPr lang="zh-CN" altLang="en-US"/>
           </a:p>
@@ -4552,7 +4552,7 @@
           <a:p>
             <a:fld id="{A640CAB6-B07E-4BA4-BC4B-DDB8D129D594}" type="datetimeFigureOut">
               <a:rPr lang="zh-CN" altLang="en-US" smtClean="0"/>
-              <a:t>2022/6/19</a:t>
+              <a:t>2022/6/20</a:t>
             </a:fld>
             <a:endParaRPr lang="zh-CN" altLang="en-US"/>
           </a:p>
@@ -4811,7 +4811,7 @@
           <a:p>
             <a:fld id="{A640CAB6-B07E-4BA4-BC4B-DDB8D129D594}" type="datetimeFigureOut">
               <a:rPr lang="zh-CN" altLang="en-US" smtClean="0"/>
-              <a:t>2022/6/19</a:t>
+              <a:t>2022/6/20</a:t>
             </a:fld>
             <a:endParaRPr lang="zh-CN" altLang="en-US"/>
           </a:p>
@@ -5032,7 +5032,7 @@
           <a:p>
             <a:fld id="{A640CAB6-B07E-4BA4-BC4B-DDB8D129D594}" type="datetimeFigureOut">
               <a:rPr lang="zh-CN" altLang="en-US" smtClean="0"/>
-              <a:t>2022/6/19</a:t>
+              <a:t>2022/6/20</a:t>
             </a:fld>
             <a:endParaRPr lang="zh-CN" altLang="en-US"/>
           </a:p>
@@ -5599,8 +5599,8 @@
         </p:nvSpPr>
         <p:spPr>
           <a:xfrm>
-            <a:off x="438695" y="4886069"/>
-            <a:ext cx="1816304" cy="584775"/>
+            <a:off x="438694" y="4886069"/>
+            <a:ext cx="4096729" cy="338554"/>
           </a:xfrm>
           <a:prstGeom prst="rect">
             <a:avLst/>
@@ -6312,6 +6312,52 @@
               <a:rPr lang="zh-TW" altLang="en-US" dirty="0"/>
               <a:t>會員作業</a:t>
             </a:r>
+          </a:p>
+        </p:txBody>
+      </p:sp>
+      <p:sp>
+        <p:nvSpPr>
+          <p:cNvPr id="13" name="橢圓 12">
+            <a:extLst>
+              <a:ext uri="{FF2B5EF4-FFF2-40B4-BE49-F238E27FC236}">
+                <a16:creationId xmlns:a16="http://schemas.microsoft.com/office/drawing/2014/main" id="{0218D1CB-BCCB-3CDD-C3BF-68AD83369B4A}"/>
+              </a:ext>
+            </a:extLst>
+          </p:cNvPr>
+          <p:cNvSpPr/>
+          <p:nvPr/>
+        </p:nvSpPr>
+        <p:spPr>
+          <a:xfrm>
+            <a:off x="2199685" y="1790519"/>
+            <a:ext cx="439211" cy="439211"/>
+          </a:xfrm>
+          <a:prstGeom prst="ellipse">
+            <a:avLst/>
+          </a:prstGeom>
+        </p:spPr>
+        <p:style>
+          <a:lnRef idx="2">
+            <a:schemeClr val="accent1">
+              <a:shade val="50000"/>
+            </a:schemeClr>
+          </a:lnRef>
+          <a:fillRef idx="1">
+            <a:schemeClr val="accent1"/>
+          </a:fillRef>
+          <a:effectRef idx="0">
+            <a:schemeClr val="accent1"/>
+          </a:effectRef>
+          <a:fontRef idx="minor">
+            <a:schemeClr val="lt1"/>
+          </a:fontRef>
+        </p:style>
+        <p:txBody>
+          <a:bodyPr rtlCol="0" anchor="ctr"/>
+          <a:lstStyle/>
+          <a:p>
+            <a:pPr algn="ctr"/>
+            <a:endParaRPr lang="zh-TW" altLang="en-US"/>
           </a:p>
         </p:txBody>
       </p:sp>
@@ -7572,6 +7618,52 @@
           </a:p>
         </p:txBody>
       </p:sp>
+      <p:sp>
+        <p:nvSpPr>
+          <p:cNvPr id="10" name="橢圓 9">
+            <a:extLst>
+              <a:ext uri="{FF2B5EF4-FFF2-40B4-BE49-F238E27FC236}">
+                <a16:creationId xmlns:a16="http://schemas.microsoft.com/office/drawing/2014/main" id="{50701357-2CF0-F821-5697-DB686846C2FF}"/>
+              </a:ext>
+            </a:extLst>
+          </p:cNvPr>
+          <p:cNvSpPr/>
+          <p:nvPr/>
+        </p:nvSpPr>
+        <p:spPr>
+          <a:xfrm>
+            <a:off x="6939325" y="1497807"/>
+            <a:ext cx="199144" cy="199144"/>
+          </a:xfrm>
+          <a:prstGeom prst="ellipse">
+            <a:avLst/>
+          </a:prstGeom>
+        </p:spPr>
+        <p:style>
+          <a:lnRef idx="2">
+            <a:schemeClr val="accent1">
+              <a:shade val="50000"/>
+            </a:schemeClr>
+          </a:lnRef>
+          <a:fillRef idx="1">
+            <a:schemeClr val="accent1"/>
+          </a:fillRef>
+          <a:effectRef idx="0">
+            <a:schemeClr val="accent1"/>
+          </a:effectRef>
+          <a:fontRef idx="minor">
+            <a:schemeClr val="lt1"/>
+          </a:fontRef>
+        </p:style>
+        <p:txBody>
+          <a:bodyPr rtlCol="0" anchor="ctr"/>
+          <a:lstStyle/>
+          <a:p>
+            <a:pPr algn="ctr"/>
+            <a:endParaRPr lang="zh-TW" altLang="en-US"/>
+          </a:p>
+        </p:txBody>
+      </p:sp>
     </p:spTree>
     <p:extLst>
       <p:ext uri="{BB962C8B-B14F-4D97-AF65-F5344CB8AC3E}">
@@ -7988,6 +8080,52 @@
               <a:rPr lang="zh-TW" altLang="en-US" dirty="0"/>
               <a:t>電台作業</a:t>
             </a:r>
+          </a:p>
+        </p:txBody>
+      </p:sp>
+      <p:sp>
+        <p:nvSpPr>
+          <p:cNvPr id="10" name="橢圓 9">
+            <a:extLst>
+              <a:ext uri="{FF2B5EF4-FFF2-40B4-BE49-F238E27FC236}">
+                <a16:creationId xmlns:a16="http://schemas.microsoft.com/office/drawing/2014/main" id="{83EA554C-1630-E025-5837-8D71F60485B2}"/>
+              </a:ext>
+            </a:extLst>
+          </p:cNvPr>
+          <p:cNvSpPr/>
+          <p:nvPr/>
+        </p:nvSpPr>
+        <p:spPr>
+          <a:xfrm>
+            <a:off x="7505778" y="1421603"/>
+            <a:ext cx="251724" cy="251724"/>
+          </a:xfrm>
+          <a:prstGeom prst="ellipse">
+            <a:avLst/>
+          </a:prstGeom>
+        </p:spPr>
+        <p:style>
+          <a:lnRef idx="2">
+            <a:schemeClr val="accent1">
+              <a:shade val="50000"/>
+            </a:schemeClr>
+          </a:lnRef>
+          <a:fillRef idx="1">
+            <a:schemeClr val="accent1"/>
+          </a:fillRef>
+          <a:effectRef idx="0">
+            <a:schemeClr val="accent1"/>
+          </a:effectRef>
+          <a:fontRef idx="minor">
+            <a:schemeClr val="lt1"/>
+          </a:fontRef>
+        </p:style>
+        <p:txBody>
+          <a:bodyPr rtlCol="0" anchor="ctr"/>
+          <a:lstStyle/>
+          <a:p>
+            <a:pPr algn="ctr"/>
+            <a:endParaRPr lang="zh-TW" altLang="en-US"/>
           </a:p>
         </p:txBody>
       </p:sp>
@@ -18297,6 +18435,52 @@
           </a:p>
         </p:txBody>
       </p:sp>
+      <p:sp>
+        <p:nvSpPr>
+          <p:cNvPr id="13" name="橢圓 12">
+            <a:extLst>
+              <a:ext uri="{FF2B5EF4-FFF2-40B4-BE49-F238E27FC236}">
+                <a16:creationId xmlns:a16="http://schemas.microsoft.com/office/drawing/2014/main" id="{27B0E6E4-8F8B-0F6E-73E3-61E1B77B2E4B}"/>
+              </a:ext>
+            </a:extLst>
+          </p:cNvPr>
+          <p:cNvSpPr/>
+          <p:nvPr/>
+        </p:nvSpPr>
+        <p:spPr>
+          <a:xfrm>
+            <a:off x="8432369" y="924863"/>
+            <a:ext cx="220129" cy="220129"/>
+          </a:xfrm>
+          <a:prstGeom prst="ellipse">
+            <a:avLst/>
+          </a:prstGeom>
+        </p:spPr>
+        <p:style>
+          <a:lnRef idx="2">
+            <a:schemeClr val="accent1">
+              <a:shade val="50000"/>
+            </a:schemeClr>
+          </a:lnRef>
+          <a:fillRef idx="1">
+            <a:schemeClr val="accent1"/>
+          </a:fillRef>
+          <a:effectRef idx="0">
+            <a:schemeClr val="accent1"/>
+          </a:effectRef>
+          <a:fontRef idx="minor">
+            <a:schemeClr val="lt1"/>
+          </a:fontRef>
+        </p:style>
+        <p:txBody>
+          <a:bodyPr rtlCol="0" anchor="ctr"/>
+          <a:lstStyle/>
+          <a:p>
+            <a:pPr algn="ctr"/>
+            <a:endParaRPr lang="zh-TW" altLang="en-US"/>
+          </a:p>
+        </p:txBody>
+      </p:sp>
     </p:spTree>
     <p:extLst>
       <p:ext uri="{BB962C8B-B14F-4D97-AF65-F5344CB8AC3E}">
@@ -19159,6 +19343,52 @@
           </a:prstGeom>
         </p:spPr>
       </p:pic>
+      <p:sp>
+        <p:nvSpPr>
+          <p:cNvPr id="10" name="矩形 9">
+            <a:extLst>
+              <a:ext uri="{FF2B5EF4-FFF2-40B4-BE49-F238E27FC236}">
+                <a16:creationId xmlns:a16="http://schemas.microsoft.com/office/drawing/2014/main" id="{ACAE2DE3-8682-287F-C95A-287838726AC0}"/>
+              </a:ext>
+            </a:extLst>
+          </p:cNvPr>
+          <p:cNvSpPr/>
+          <p:nvPr/>
+        </p:nvSpPr>
+        <p:spPr>
+          <a:xfrm>
+            <a:off x="1746504" y="3299098"/>
+            <a:ext cx="1883664" cy="259804"/>
+          </a:xfrm>
+          <a:prstGeom prst="rect">
+            <a:avLst/>
+          </a:prstGeom>
+        </p:spPr>
+        <p:style>
+          <a:lnRef idx="2">
+            <a:schemeClr val="accent1">
+              <a:shade val="50000"/>
+            </a:schemeClr>
+          </a:lnRef>
+          <a:fillRef idx="1">
+            <a:schemeClr val="accent1"/>
+          </a:fillRef>
+          <a:effectRef idx="0">
+            <a:schemeClr val="accent1"/>
+          </a:effectRef>
+          <a:fontRef idx="minor">
+            <a:schemeClr val="lt1"/>
+          </a:fontRef>
+        </p:style>
+        <p:txBody>
+          <a:bodyPr rtlCol="0" anchor="ctr"/>
+          <a:lstStyle/>
+          <a:p>
+            <a:pPr algn="ctr"/>
+            <a:endParaRPr lang="zh-TW" altLang="en-US"/>
+          </a:p>
+        </p:txBody>
+      </p:sp>
     </p:spTree>
     <p:extLst>
       <p:ext uri="{BB962C8B-B14F-4D97-AF65-F5344CB8AC3E}">
@@ -19575,6 +19805,236 @@
               <a:rPr lang="zh-TW" altLang="en-US" dirty="0"/>
               <a:t>個人資料作業</a:t>
             </a:r>
+          </a:p>
+        </p:txBody>
+      </p:sp>
+      <p:sp>
+        <p:nvSpPr>
+          <p:cNvPr id="3" name="橢圓 2">
+            <a:extLst>
+              <a:ext uri="{FF2B5EF4-FFF2-40B4-BE49-F238E27FC236}">
+                <a16:creationId xmlns:a16="http://schemas.microsoft.com/office/drawing/2014/main" id="{C8319E3C-DFE3-DCA4-78A3-00F0EAEA6FF8}"/>
+              </a:ext>
+            </a:extLst>
+          </p:cNvPr>
+          <p:cNvSpPr/>
+          <p:nvPr/>
+        </p:nvSpPr>
+        <p:spPr>
+          <a:xfrm>
+            <a:off x="1426464" y="1581912"/>
+            <a:ext cx="603504" cy="603504"/>
+          </a:xfrm>
+          <a:prstGeom prst="ellipse">
+            <a:avLst/>
+          </a:prstGeom>
+        </p:spPr>
+        <p:style>
+          <a:lnRef idx="2">
+            <a:schemeClr val="accent1">
+              <a:shade val="50000"/>
+            </a:schemeClr>
+          </a:lnRef>
+          <a:fillRef idx="1">
+            <a:schemeClr val="accent1"/>
+          </a:fillRef>
+          <a:effectRef idx="0">
+            <a:schemeClr val="accent1"/>
+          </a:effectRef>
+          <a:fontRef idx="minor">
+            <a:schemeClr val="lt1"/>
+          </a:fontRef>
+        </p:style>
+        <p:txBody>
+          <a:bodyPr rtlCol="0" anchor="ctr"/>
+          <a:lstStyle/>
+          <a:p>
+            <a:pPr algn="ctr"/>
+            <a:endParaRPr lang="zh-TW" altLang="en-US"/>
+          </a:p>
+        </p:txBody>
+      </p:sp>
+      <p:sp>
+        <p:nvSpPr>
+          <p:cNvPr id="4" name="矩形 3">
+            <a:extLst>
+              <a:ext uri="{FF2B5EF4-FFF2-40B4-BE49-F238E27FC236}">
+                <a16:creationId xmlns:a16="http://schemas.microsoft.com/office/drawing/2014/main" id="{AC97959E-9799-8748-794B-0D5594C2E0DA}"/>
+              </a:ext>
+            </a:extLst>
+          </p:cNvPr>
+          <p:cNvSpPr/>
+          <p:nvPr/>
+        </p:nvSpPr>
+        <p:spPr>
+          <a:xfrm>
+            <a:off x="5760720" y="2821724"/>
+            <a:ext cx="1883664" cy="259804"/>
+          </a:xfrm>
+          <a:prstGeom prst="rect">
+            <a:avLst/>
+          </a:prstGeom>
+        </p:spPr>
+        <p:style>
+          <a:lnRef idx="2">
+            <a:schemeClr val="accent1">
+              <a:shade val="50000"/>
+            </a:schemeClr>
+          </a:lnRef>
+          <a:fillRef idx="1">
+            <a:schemeClr val="accent1"/>
+          </a:fillRef>
+          <a:effectRef idx="0">
+            <a:schemeClr val="accent1"/>
+          </a:effectRef>
+          <a:fontRef idx="minor">
+            <a:schemeClr val="lt1"/>
+          </a:fontRef>
+        </p:style>
+        <p:txBody>
+          <a:bodyPr rtlCol="0" anchor="ctr"/>
+          <a:lstStyle/>
+          <a:p>
+            <a:pPr algn="ctr"/>
+            <a:endParaRPr lang="zh-TW" altLang="en-US"/>
+          </a:p>
+        </p:txBody>
+      </p:sp>
+      <p:sp>
+        <p:nvSpPr>
+          <p:cNvPr id="13" name="矩形 12">
+            <a:extLst>
+              <a:ext uri="{FF2B5EF4-FFF2-40B4-BE49-F238E27FC236}">
+                <a16:creationId xmlns:a16="http://schemas.microsoft.com/office/drawing/2014/main" id="{252FDF07-2EE2-2E48-8CB8-7EAC9858E541}"/>
+              </a:ext>
+            </a:extLst>
+          </p:cNvPr>
+          <p:cNvSpPr/>
+          <p:nvPr/>
+        </p:nvSpPr>
+        <p:spPr>
+          <a:xfrm>
+            <a:off x="5760720" y="3251492"/>
+            <a:ext cx="1883664" cy="259804"/>
+          </a:xfrm>
+          <a:prstGeom prst="rect">
+            <a:avLst/>
+          </a:prstGeom>
+        </p:spPr>
+        <p:style>
+          <a:lnRef idx="2">
+            <a:schemeClr val="accent1">
+              <a:shade val="50000"/>
+            </a:schemeClr>
+          </a:lnRef>
+          <a:fillRef idx="1">
+            <a:schemeClr val="accent1"/>
+          </a:fillRef>
+          <a:effectRef idx="0">
+            <a:schemeClr val="accent1"/>
+          </a:effectRef>
+          <a:fontRef idx="minor">
+            <a:schemeClr val="lt1"/>
+          </a:fontRef>
+        </p:style>
+        <p:txBody>
+          <a:bodyPr rtlCol="0" anchor="ctr"/>
+          <a:lstStyle/>
+          <a:p>
+            <a:pPr algn="ctr"/>
+            <a:endParaRPr lang="zh-TW" altLang="en-US"/>
+          </a:p>
+        </p:txBody>
+      </p:sp>
+      <p:sp>
+        <p:nvSpPr>
+          <p:cNvPr id="17" name="矩形 16">
+            <a:extLst>
+              <a:ext uri="{FF2B5EF4-FFF2-40B4-BE49-F238E27FC236}">
+                <a16:creationId xmlns:a16="http://schemas.microsoft.com/office/drawing/2014/main" id="{3D157334-EBE2-9EDD-2EBE-5FF07AB063F2}"/>
+              </a:ext>
+            </a:extLst>
+          </p:cNvPr>
+          <p:cNvSpPr/>
+          <p:nvPr/>
+        </p:nvSpPr>
+        <p:spPr>
+          <a:xfrm>
+            <a:off x="5760720" y="3651668"/>
+            <a:ext cx="914400" cy="259804"/>
+          </a:xfrm>
+          <a:prstGeom prst="rect">
+            <a:avLst/>
+          </a:prstGeom>
+        </p:spPr>
+        <p:style>
+          <a:lnRef idx="2">
+            <a:schemeClr val="accent1">
+              <a:shade val="50000"/>
+            </a:schemeClr>
+          </a:lnRef>
+          <a:fillRef idx="1">
+            <a:schemeClr val="accent1"/>
+          </a:fillRef>
+          <a:effectRef idx="0">
+            <a:schemeClr val="accent1"/>
+          </a:effectRef>
+          <a:fontRef idx="minor">
+            <a:schemeClr val="lt1"/>
+          </a:fontRef>
+        </p:style>
+        <p:txBody>
+          <a:bodyPr rtlCol="0" anchor="ctr"/>
+          <a:lstStyle/>
+          <a:p>
+            <a:pPr algn="ctr"/>
+            <a:endParaRPr lang="zh-TW" altLang="en-US"/>
+          </a:p>
+        </p:txBody>
+      </p:sp>
+      <p:sp>
+        <p:nvSpPr>
+          <p:cNvPr id="18" name="矩形 17">
+            <a:extLst>
+              <a:ext uri="{FF2B5EF4-FFF2-40B4-BE49-F238E27FC236}">
+                <a16:creationId xmlns:a16="http://schemas.microsoft.com/office/drawing/2014/main" id="{FCE2A9AE-97D8-1290-EC2A-F7CDE774DF6E}"/>
+              </a:ext>
+            </a:extLst>
+          </p:cNvPr>
+          <p:cNvSpPr/>
+          <p:nvPr/>
+        </p:nvSpPr>
+        <p:spPr>
+          <a:xfrm>
+            <a:off x="5760720" y="4051844"/>
+            <a:ext cx="914400" cy="259804"/>
+          </a:xfrm>
+          <a:prstGeom prst="rect">
+            <a:avLst/>
+          </a:prstGeom>
+        </p:spPr>
+        <p:style>
+          <a:lnRef idx="2">
+            <a:schemeClr val="accent1">
+              <a:shade val="50000"/>
+            </a:schemeClr>
+          </a:lnRef>
+          <a:fillRef idx="1">
+            <a:schemeClr val="accent1"/>
+          </a:fillRef>
+          <a:effectRef idx="0">
+            <a:schemeClr val="accent1"/>
+          </a:effectRef>
+          <a:fontRef idx="minor">
+            <a:schemeClr val="lt1"/>
+          </a:fontRef>
+        </p:style>
+        <p:txBody>
+          <a:bodyPr rtlCol="0" anchor="ctr"/>
+          <a:lstStyle/>
+          <a:p>
+            <a:pPr algn="ctr"/>
+            <a:endParaRPr lang="zh-TW" altLang="en-US"/>
           </a:p>
         </p:txBody>
       </p:sp>
